--- a/documentation/posters/PosterSessionMITRE.pptx
+++ b/documentation/posters/PosterSessionMITRE.pptx
@@ -2984,530 +2984,6 @@
       </p:grpSpPr>
       <p:sp>
         <p:nvSpPr>
-          <p:cNvPr id="26" name="Rectangle 25"/>
-          <p:cNvSpPr/>
-          <p:nvPr/>
-        </p:nvSpPr>
-        <p:spPr>
-          <a:xfrm>
-            <a:off x="0" y="0"/>
-            <a:ext cx="43891200" cy="4251989"/>
-          </a:xfrm>
-          <a:prstGeom prst="rect">
-            <a:avLst/>
-          </a:prstGeom>
-          <a:solidFill>
-            <a:srgbClr val="3366FF"/>
-          </a:solidFill>
-        </p:spPr>
-        <p:style>
-          <a:lnRef idx="1">
-            <a:schemeClr val="accent1"/>
-          </a:lnRef>
-          <a:fillRef idx="3">
-            <a:schemeClr val="accent1"/>
-          </a:fillRef>
-          <a:effectRef idx="2">
-            <a:schemeClr val="accent1"/>
-          </a:effectRef>
-          <a:fontRef idx="minor">
-            <a:schemeClr val="lt1"/>
-          </a:fontRef>
-        </p:style>
-        <p:txBody>
-          <a:bodyPr rtlCol="0" anchor="ctr"/>
-          <a:lstStyle/>
-          <a:p>
-            <a:pPr algn="ctr"/>
-            <a:endParaRPr lang="en-US" dirty="0"/>
-          </a:p>
-        </p:txBody>
-      </p:sp>
-      <p:sp>
-        <p:nvSpPr>
-          <p:cNvPr id="4" name="3 CuadroTexto"/>
-          <p:cNvSpPr txBox="1"/>
-          <p:nvPr/>
-        </p:nvSpPr>
-        <p:spPr>
-          <a:xfrm>
-            <a:off x="0" y="902315"/>
-            <a:ext cx="43891200" cy="1785104"/>
-          </a:xfrm>
-          <a:prstGeom prst="rect">
-            <a:avLst/>
-          </a:prstGeom>
-          <a:noFill/>
-          <a:effectLst>
-            <a:outerShdw blurRad="50800" dist="38100" dir="2700000" algn="tl" rotWithShape="0">
-              <a:srgbClr val="000000">
-                <a:alpha val="43000"/>
-              </a:srgbClr>
-            </a:outerShdw>
-          </a:effectLst>
-        </p:spPr>
-        <p:txBody>
-          <a:bodyPr wrap="square" rtlCol="0">
-            <a:spAutoFit/>
-          </a:bodyPr>
-          <a:lstStyle/>
-          <a:p>
-            <a:pPr algn="ctr"/>
-            <a:r>
-              <a:rPr lang="en-US" sz="11000" b="1" dirty="0" smtClean="0">
-                <a:ln w="3175" cmpd="sng">
-                  <a:noFill/>
-                  <a:prstDash val="solid"/>
-                </a:ln>
-                <a:solidFill>
-                  <a:srgbClr val="FFFFFF"/>
-                </a:solidFill>
-                <a:effectLst>
-                  <a:outerShdw blurRad="38100" dist="38100" dir="2700000" algn="tl">
-                    <a:srgbClr val="000000">
-                      <a:alpha val="43137"/>
-                    </a:srgbClr>
-                  </a:outerShdw>
-                </a:effectLst>
-                <a:cs typeface="Times New Roman" panose="02020603050405020304" pitchFamily="18" charset="0"/>
-              </a:rPr>
-              <a:t>Heimdall: Protecting Users’ Health and Medical Data on Android</a:t>
-            </a:r>
-            <a:endParaRPr lang="en-US" sz="11000" b="1" dirty="0">
-              <a:ln w="3175" cmpd="sng">
-                <a:noFill/>
-                <a:prstDash val="solid"/>
-              </a:ln>
-              <a:solidFill>
-                <a:srgbClr val="FFFFFF"/>
-              </a:solidFill>
-              <a:effectLst>
-                <a:outerShdw blurRad="38100" dist="38100" dir="2700000" algn="tl">
-                  <a:srgbClr val="000000">
-                    <a:alpha val="43137"/>
-                  </a:srgbClr>
-                </a:outerShdw>
-              </a:effectLst>
-              <a:cs typeface="Times New Roman" panose="02020603050405020304" pitchFamily="18" charset="0"/>
-            </a:endParaRPr>
-          </a:p>
-        </p:txBody>
-      </p:sp>
-      <p:sp>
-        <p:nvSpPr>
-          <p:cNvPr id="5" name="5 CuadroTexto"/>
-          <p:cNvSpPr txBox="1"/>
-          <p:nvPr/>
-        </p:nvSpPr>
-        <p:spPr>
-          <a:xfrm>
-            <a:off x="0" y="2963624"/>
-            <a:ext cx="43891200" cy="1323439"/>
-          </a:xfrm>
-          <a:prstGeom prst="rect">
-            <a:avLst/>
-          </a:prstGeom>
-          <a:noFill/>
-        </p:spPr>
-        <p:txBody>
-          <a:bodyPr wrap="square" rtlCol="0">
-            <a:spAutoFit/>
-          </a:bodyPr>
-          <a:lstStyle/>
-          <a:p>
-            <a:pPr algn="ctr"/>
-            <a:r>
-              <a:rPr lang="en-US" sz="8000" dirty="0" smtClean="0">
-                <a:ln w="18415" cmpd="sng">
-                  <a:noFill/>
-                  <a:prstDash val="solid"/>
-                </a:ln>
-                <a:solidFill>
-                  <a:srgbClr val="FFFFFF"/>
-                </a:solidFill>
-                <a:effectLst>
-                  <a:outerShdw blurRad="63500" dir="3600000" algn="tl" rotWithShape="0">
-                    <a:srgbClr val="000000">
-                      <a:alpha val="70000"/>
-                    </a:srgbClr>
-                  </a:outerShdw>
-                </a:effectLst>
-                <a:cs typeface="Times New Roman" panose="02020603050405020304" pitchFamily="18" charset="0"/>
-              </a:rPr>
-              <a:t>P. K. Das, S. Narayanan, A. </a:t>
-            </a:r>
-            <a:r>
-              <a:rPr lang="en-US" sz="8000" dirty="0" err="1" smtClean="0">
-                <a:ln w="18415" cmpd="sng">
-                  <a:noFill/>
-                  <a:prstDash val="solid"/>
-                </a:ln>
-                <a:solidFill>
-                  <a:srgbClr val="FFFFFF"/>
-                </a:solidFill>
-                <a:effectLst>
-                  <a:outerShdw blurRad="63500" dir="3600000" algn="tl" rotWithShape="0">
-                    <a:srgbClr val="000000">
-                      <a:alpha val="70000"/>
-                    </a:srgbClr>
-                  </a:outerShdw>
-                </a:effectLst>
-                <a:cs typeface="Times New Roman" panose="02020603050405020304" pitchFamily="18" charset="0"/>
-              </a:rPr>
-              <a:t>Kashyap</a:t>
-            </a:r>
-            <a:r>
-              <a:rPr lang="en-US" sz="8000" dirty="0" smtClean="0">
-                <a:ln w="18415" cmpd="sng">
-                  <a:noFill/>
-                  <a:prstDash val="solid"/>
-                </a:ln>
-                <a:solidFill>
-                  <a:srgbClr val="FFFFFF"/>
-                </a:solidFill>
-                <a:effectLst>
-                  <a:outerShdw blurRad="63500" dir="3600000" algn="tl" rotWithShape="0">
-                    <a:srgbClr val="000000">
-                      <a:alpha val="70000"/>
-                    </a:srgbClr>
-                  </a:outerShdw>
-                </a:effectLst>
-                <a:cs typeface="Times New Roman" panose="02020603050405020304" pitchFamily="18" charset="0"/>
-              </a:rPr>
-              <a:t>, S. </a:t>
-            </a:r>
-            <a:r>
-              <a:rPr lang="en-US" sz="8000" dirty="0" err="1" smtClean="0">
-                <a:ln w="18415" cmpd="sng">
-                  <a:noFill/>
-                  <a:prstDash val="solid"/>
-                </a:ln>
-                <a:solidFill>
-                  <a:srgbClr val="FFFFFF"/>
-                </a:solidFill>
-                <a:effectLst>
-                  <a:outerShdw blurRad="63500" dir="3600000" algn="tl" rotWithShape="0">
-                    <a:srgbClr val="000000">
-                      <a:alpha val="70000"/>
-                    </a:srgbClr>
-                  </a:outerShdw>
-                </a:effectLst>
-                <a:cs typeface="Times New Roman" panose="02020603050405020304" pitchFamily="18" charset="0"/>
-              </a:rPr>
-              <a:t>Bobovych</a:t>
-            </a:r>
-            <a:r>
-              <a:rPr lang="en-US" sz="8000" dirty="0" smtClean="0">
-                <a:ln w="18415" cmpd="sng">
-                  <a:noFill/>
-                  <a:prstDash val="solid"/>
-                </a:ln>
-                <a:solidFill>
-                  <a:srgbClr val="FFFFFF"/>
-                </a:solidFill>
-                <a:effectLst>
-                  <a:outerShdw blurRad="63500" dir="3600000" algn="tl" rotWithShape="0">
-                    <a:srgbClr val="000000">
-                      <a:alpha val="70000"/>
-                    </a:srgbClr>
-                  </a:outerShdw>
-                </a:effectLst>
-                <a:cs typeface="Times New Roman" panose="02020603050405020304" pitchFamily="18" charset="0"/>
-              </a:rPr>
-              <a:t>, N. Banerjee, R. Robucci, T. Zhu, A. Joshi, T. Finin</a:t>
-            </a:r>
-            <a:endParaRPr lang="en-US" sz="8000" dirty="0">
-              <a:ln w="18415" cmpd="sng">
-                <a:noFill/>
-                <a:prstDash val="solid"/>
-              </a:ln>
-              <a:solidFill>
-                <a:srgbClr val="FFFFFF"/>
-              </a:solidFill>
-              <a:effectLst>
-                <a:outerShdw blurRad="63500" dir="3600000" algn="tl" rotWithShape="0">
-                  <a:srgbClr val="000000">
-                    <a:alpha val="70000"/>
-                  </a:srgbClr>
-                </a:outerShdw>
-              </a:effectLst>
-              <a:cs typeface="Times New Roman" panose="02020603050405020304" pitchFamily="18" charset="0"/>
-            </a:endParaRPr>
-          </a:p>
-        </p:txBody>
-      </p:sp>
-      <p:sp>
-        <p:nvSpPr>
-          <p:cNvPr id="10" name="8 CuadroTexto"/>
-          <p:cNvSpPr txBox="1"/>
-          <p:nvPr/>
-        </p:nvSpPr>
-        <p:spPr>
-          <a:xfrm>
-            <a:off x="0" y="4591845"/>
-            <a:ext cx="43891200" cy="1323439"/>
-          </a:xfrm>
-          <a:prstGeom prst="rect">
-            <a:avLst/>
-          </a:prstGeom>
-          <a:noFill/>
-        </p:spPr>
-        <p:txBody>
-          <a:bodyPr wrap="square" rtlCol="0">
-            <a:spAutoFit/>
-          </a:bodyPr>
-          <a:lstStyle/>
-          <a:p>
-            <a:pPr algn="ctr"/>
-            <a:r>
-              <a:rPr lang="en-US" sz="8000" dirty="0" smtClean="0">
-                <a:ln w="18415" cmpd="sng">
-                  <a:noFill/>
-                  <a:prstDash val="solid"/>
-                </a:ln>
-                <a:effectLst>
-                  <a:outerShdw blurRad="63500" dir="3600000" algn="tl" rotWithShape="0">
-                    <a:srgbClr val="000000">
-                      <a:alpha val="70000"/>
-                    </a:srgbClr>
-                  </a:outerShdw>
-                </a:effectLst>
-                <a:cs typeface="Times New Roman" panose="02020603050405020304" pitchFamily="18" charset="0"/>
-              </a:rPr>
-              <a:t>Heimdall informs users and admins </a:t>
-            </a:r>
-            <a:r>
-              <a:rPr lang="en-US" sz="8000" dirty="0" smtClean="0">
-                <a:ln w="18415" cmpd="sng">
-                  <a:noFill/>
-                  <a:prstDash val="solid"/>
-                </a:ln>
-                <a:effectLst>
-                  <a:outerShdw blurRad="63500" dir="3600000" algn="tl" rotWithShape="0">
-                    <a:srgbClr val="000000">
-                      <a:alpha val="70000"/>
-                    </a:srgbClr>
-                  </a:outerShdw>
-                </a:effectLst>
-                <a:cs typeface="Times New Roman" panose="02020603050405020304" pitchFamily="18" charset="0"/>
-              </a:rPr>
-              <a:t>on potentially dangerous apps</a:t>
-            </a:r>
-            <a:endParaRPr lang="en-US" sz="8000" dirty="0">
-              <a:ln w="18415" cmpd="sng">
-                <a:noFill/>
-                <a:prstDash val="solid"/>
-              </a:ln>
-              <a:effectLst>
-                <a:outerShdw blurRad="63500" dir="3600000" algn="tl" rotWithShape="0">
-                  <a:srgbClr val="000000">
-                    <a:alpha val="70000"/>
-                  </a:srgbClr>
-                </a:outerShdw>
-              </a:effectLst>
-              <a:cs typeface="Times New Roman" panose="02020603050405020304" pitchFamily="18" charset="0"/>
-            </a:endParaRPr>
-          </a:p>
-        </p:txBody>
-      </p:sp>
-      <p:sp>
-        <p:nvSpPr>
-          <p:cNvPr id="3" name="TextBox 2"/>
-          <p:cNvSpPr txBox="1"/>
-          <p:nvPr/>
-        </p:nvSpPr>
-        <p:spPr>
-          <a:xfrm>
-            <a:off x="27353407" y="31538632"/>
-            <a:ext cx="14870865" cy="1092607"/>
-          </a:xfrm>
-          <a:prstGeom prst="rect">
-            <a:avLst/>
-          </a:prstGeom>
-          <a:noFill/>
-        </p:spPr>
-        <p:txBody>
-          <a:bodyPr wrap="square" rtlCol="0">
-            <a:spAutoFit/>
-          </a:bodyPr>
-          <a:lstStyle/>
-          <a:p>
-            <a:r>
-              <a:rPr lang="en-US" sz="6500" dirty="0">
-                <a:solidFill>
-                  <a:schemeClr val="tx1">
-                    <a:lumMod val="65000"/>
-                    <a:lumOff val="35000"/>
-                  </a:schemeClr>
-                </a:solidFill>
-                <a:cs typeface="Times New Roman" panose="02020603050405020304" pitchFamily="18" charset="0"/>
-              </a:rPr>
-              <a:t>S</a:t>
-            </a:r>
-            <a:r>
-              <a:rPr lang="en-US" sz="6500" dirty="0" smtClean="0">
-                <a:solidFill>
-                  <a:schemeClr val="tx1">
-                    <a:lumMod val="65000"/>
-                    <a:lumOff val="35000"/>
-                  </a:schemeClr>
-                </a:solidFill>
-                <a:cs typeface="Times New Roman" panose="02020603050405020304" pitchFamily="18" charset="0"/>
-              </a:rPr>
-              <a:t>upported by NSF </a:t>
-            </a:r>
-            <a:r>
-              <a:rPr lang="en-US" sz="6500" dirty="0" smtClean="0">
-                <a:solidFill>
-                  <a:schemeClr val="tx1">
-                    <a:lumMod val="65000"/>
-                    <a:lumOff val="35000"/>
-                  </a:schemeClr>
-                </a:solidFill>
-                <a:cs typeface="Times New Roman" panose="02020603050405020304" pitchFamily="18" charset="0"/>
-              </a:rPr>
-              <a:t>#</a:t>
-            </a:r>
-            <a:r>
-              <a:rPr lang="en-US" sz="6500" dirty="0" smtClean="0">
-                <a:solidFill>
-                  <a:schemeClr val="tx1">
-                    <a:lumMod val="65000"/>
-                    <a:lumOff val="35000"/>
-                  </a:schemeClr>
-                </a:solidFill>
-                <a:cs typeface="Times New Roman" panose="02020603050405020304" pitchFamily="18" charset="0"/>
-              </a:rPr>
-              <a:t>0910838 </a:t>
-            </a:r>
-            <a:r>
-              <a:rPr lang="en-US" sz="6500" dirty="0">
-                <a:solidFill>
-                  <a:schemeClr val="tx1">
-                    <a:lumMod val="65000"/>
-                    <a:lumOff val="35000"/>
-                  </a:schemeClr>
-                </a:solidFill>
-                <a:cs typeface="Times New Roman" panose="02020603050405020304" pitchFamily="18" charset="0"/>
-              </a:rPr>
-              <a:t>and </a:t>
-            </a:r>
-            <a:r>
-              <a:rPr lang="en-US" sz="6500" dirty="0" smtClean="0">
-                <a:solidFill>
-                  <a:schemeClr val="tx1">
-                    <a:lumMod val="65000"/>
-                    <a:lumOff val="35000"/>
-                  </a:schemeClr>
-                </a:solidFill>
-                <a:cs typeface="Times New Roman" panose="02020603050405020304" pitchFamily="18" charset="0"/>
-              </a:rPr>
-              <a:t>#1228198</a:t>
-            </a:r>
-            <a:endParaRPr lang="en-US" sz="6500" dirty="0">
-              <a:solidFill>
-                <a:schemeClr val="tx1">
-                  <a:lumMod val="65000"/>
-                  <a:lumOff val="35000"/>
-                </a:schemeClr>
-              </a:solidFill>
-              <a:cs typeface="Times New Roman" panose="02020603050405020304" pitchFamily="18" charset="0"/>
-            </a:endParaRPr>
-          </a:p>
-        </p:txBody>
-      </p:sp>
-      <p:pic>
-        <p:nvPicPr>
-          <p:cNvPr id="29" name="Picture 28"/>
-          <p:cNvPicPr>
-            <a:picLocks noChangeAspect="1"/>
-          </p:cNvPicPr>
-          <p:nvPr/>
-        </p:nvPicPr>
-        <p:blipFill>
-          <a:blip r:embed="rId2" cstate="print">
-            <a:extLst>
-              <a:ext uri="{28A0092B-C50C-407E-A947-70E740481C1C}">
-                <a14:useLocalDpi xmlns:a14="http://schemas.microsoft.com/office/drawing/2010/main" val="0"/>
-              </a:ext>
-            </a:extLst>
-          </a:blip>
-          <a:stretch>
-            <a:fillRect/>
-          </a:stretch>
-        </p:blipFill>
-        <p:spPr>
-          <a:xfrm>
-            <a:off x="42224272" y="31251472"/>
-            <a:ext cx="1666928" cy="1666928"/>
-          </a:xfrm>
-          <a:prstGeom prst="rect">
-            <a:avLst/>
-          </a:prstGeom>
-        </p:spPr>
-      </p:pic>
-      <p:pic>
-        <p:nvPicPr>
-          <p:cNvPr id="31" name="Picture 30"/>
-          <p:cNvPicPr>
-            <a:picLocks noChangeAspect="1"/>
-          </p:cNvPicPr>
-          <p:nvPr/>
-        </p:nvPicPr>
-        <p:blipFill>
-          <a:blip r:embed="rId3">
-            <a:extLst>
-              <a:ext uri="{28A0092B-C50C-407E-A947-70E740481C1C}">
-                <a14:useLocalDpi xmlns:a14="http://schemas.microsoft.com/office/drawing/2010/main" val="0"/>
-              </a:ext>
-            </a:extLst>
-          </a:blip>
-          <a:stretch>
-            <a:fillRect/>
-          </a:stretch>
-        </p:blipFill>
-        <p:spPr>
-          <a:xfrm>
-            <a:off x="263991" y="525025"/>
-            <a:ext cx="2539682" cy="2539682"/>
-          </a:xfrm>
-          <a:prstGeom prst="rect">
-            <a:avLst/>
-          </a:prstGeom>
-        </p:spPr>
-      </p:pic>
-      <p:pic>
-        <p:nvPicPr>
-          <p:cNvPr id="32" name="Picture 31"/>
-          <p:cNvPicPr>
-            <a:picLocks noChangeAspect="1"/>
-          </p:cNvPicPr>
-          <p:nvPr/>
-        </p:nvPicPr>
-        <p:blipFill>
-          <a:blip r:embed="rId4">
-            <a:extLst>
-              <a:ext uri="{28A0092B-C50C-407E-A947-70E740481C1C}">
-                <a14:useLocalDpi xmlns:a14="http://schemas.microsoft.com/office/drawing/2010/main" val="0"/>
-              </a:ext>
-            </a:extLst>
-          </a:blip>
-          <a:stretch>
-            <a:fillRect/>
-          </a:stretch>
-        </p:blipFill>
-        <p:spPr>
-          <a:xfrm>
-            <a:off x="41362650" y="707214"/>
-            <a:ext cx="2355380" cy="2175305"/>
-          </a:xfrm>
-          <a:prstGeom prst="rect">
-            <a:avLst/>
-          </a:prstGeom>
-        </p:spPr>
-      </p:pic>
-      <p:sp>
-        <p:nvSpPr>
           <p:cNvPr id="34" name="Rounded Rectangle 33"/>
           <p:cNvSpPr/>
           <p:nvPr/>
@@ -3519,7 +2995,7 @@
           </a:xfrm>
           <a:prstGeom prst="roundRect">
             <a:avLst>
-              <a:gd name="adj" fmla="val 11950"/>
+              <a:gd name="adj" fmla="val 5103"/>
             </a:avLst>
           </a:prstGeom>
           <a:solidFill>
@@ -3569,10 +3045,536 @@
           <a:lstStyle/>
           <a:p>
             <a:pPr algn="ctr"/>
+            <a:endParaRPr lang="en-US" dirty="0"/>
+          </a:p>
+        </p:txBody>
+      </p:sp>
+      <p:sp>
+        <p:nvSpPr>
+          <p:cNvPr id="15" name="Rounded Rectangle 14"/>
+          <p:cNvSpPr/>
+          <p:nvPr/>
+        </p:nvSpPr>
+        <p:spPr>
+          <a:xfrm>
+            <a:off x="333375" y="10776856"/>
+            <a:ext cx="6571114" cy="6691994"/>
+          </a:xfrm>
+          <a:prstGeom prst="roundRect">
+            <a:avLst>
+              <a:gd name="adj" fmla="val 7375"/>
+            </a:avLst>
+          </a:prstGeom>
+          <a:noFill/>
+        </p:spPr>
+        <p:style>
+          <a:lnRef idx="2">
+            <a:schemeClr val="accent1">
+              <a:shade val="50000"/>
+            </a:schemeClr>
+          </a:lnRef>
+          <a:fillRef idx="1">
+            <a:schemeClr val="accent1"/>
+          </a:fillRef>
+          <a:effectRef idx="0">
+            <a:schemeClr val="accent1"/>
+          </a:effectRef>
+          <a:fontRef idx="minor">
+            <a:schemeClr val="lt1"/>
+          </a:fontRef>
+        </p:style>
+        <p:txBody>
+          <a:bodyPr rtlCol="0" anchor="ctr"/>
+          <a:lstStyle/>
+          <a:p>
+            <a:pPr algn="ctr"/>
             <a:endParaRPr lang="en-US"/>
           </a:p>
         </p:txBody>
       </p:sp>
+      <p:sp>
+        <p:nvSpPr>
+          <p:cNvPr id="26" name="Rectangle 25"/>
+          <p:cNvSpPr/>
+          <p:nvPr/>
+        </p:nvSpPr>
+        <p:spPr>
+          <a:xfrm>
+            <a:off x="0" y="0"/>
+            <a:ext cx="43891200" cy="4251989"/>
+          </a:xfrm>
+          <a:prstGeom prst="rect">
+            <a:avLst/>
+          </a:prstGeom>
+          <a:solidFill>
+            <a:srgbClr val="3366FF"/>
+          </a:solidFill>
+        </p:spPr>
+        <p:style>
+          <a:lnRef idx="1">
+            <a:schemeClr val="accent1"/>
+          </a:lnRef>
+          <a:fillRef idx="3">
+            <a:schemeClr val="accent1"/>
+          </a:fillRef>
+          <a:effectRef idx="2">
+            <a:schemeClr val="accent1"/>
+          </a:effectRef>
+          <a:fontRef idx="minor">
+            <a:schemeClr val="lt1"/>
+          </a:fontRef>
+        </p:style>
+        <p:txBody>
+          <a:bodyPr rtlCol="0" anchor="ctr"/>
+          <a:lstStyle/>
+          <a:p>
+            <a:pPr algn="ctr"/>
+            <a:endParaRPr lang="en-US" dirty="0"/>
+          </a:p>
+        </p:txBody>
+      </p:sp>
+      <p:sp>
+        <p:nvSpPr>
+          <p:cNvPr id="4" name="3 CuadroTexto"/>
+          <p:cNvSpPr txBox="1"/>
+          <p:nvPr/>
+        </p:nvSpPr>
+        <p:spPr>
+          <a:xfrm>
+            <a:off x="0" y="902315"/>
+            <a:ext cx="43891200" cy="1785104"/>
+          </a:xfrm>
+          <a:prstGeom prst="rect">
+            <a:avLst/>
+          </a:prstGeom>
+          <a:noFill/>
+          <a:effectLst>
+            <a:outerShdw blurRad="50800" dist="38100" dir="2700000" algn="tl" rotWithShape="0">
+              <a:srgbClr val="000000">
+                <a:alpha val="43000"/>
+              </a:srgbClr>
+            </a:outerShdw>
+          </a:effectLst>
+        </p:spPr>
+        <p:txBody>
+          <a:bodyPr wrap="square" rtlCol="0">
+            <a:spAutoFit/>
+          </a:bodyPr>
+          <a:lstStyle/>
+          <a:p>
+            <a:pPr algn="ctr"/>
+            <a:r>
+              <a:rPr lang="en-US" sz="11000" b="1" dirty="0" smtClean="0">
+                <a:ln w="3175" cmpd="sng">
+                  <a:noFill/>
+                  <a:prstDash val="solid"/>
+                </a:ln>
+                <a:solidFill>
+                  <a:srgbClr val="FFFFFF"/>
+                </a:solidFill>
+                <a:effectLst>
+                  <a:outerShdw blurRad="38100" dist="38100" dir="2700000" algn="tl">
+                    <a:srgbClr val="000000">
+                      <a:alpha val="43137"/>
+                    </a:srgbClr>
+                  </a:outerShdw>
+                </a:effectLst>
+                <a:cs typeface="Times New Roman" panose="02020603050405020304" pitchFamily="18" charset="0"/>
+              </a:rPr>
+              <a:t>Heimdall: Protecting Users’ Health and Medical Data on Android</a:t>
+            </a:r>
+            <a:endParaRPr lang="en-US" sz="11000" b="1" dirty="0">
+              <a:ln w="3175" cmpd="sng">
+                <a:noFill/>
+                <a:prstDash val="solid"/>
+              </a:ln>
+              <a:solidFill>
+                <a:srgbClr val="FFFFFF"/>
+              </a:solidFill>
+              <a:effectLst>
+                <a:outerShdw blurRad="38100" dist="38100" dir="2700000" algn="tl">
+                  <a:srgbClr val="000000">
+                    <a:alpha val="43137"/>
+                  </a:srgbClr>
+                </a:outerShdw>
+              </a:effectLst>
+              <a:cs typeface="Times New Roman" panose="02020603050405020304" pitchFamily="18" charset="0"/>
+            </a:endParaRPr>
+          </a:p>
+        </p:txBody>
+      </p:sp>
+      <p:sp>
+        <p:nvSpPr>
+          <p:cNvPr id="5" name="5 CuadroTexto"/>
+          <p:cNvSpPr txBox="1"/>
+          <p:nvPr/>
+        </p:nvSpPr>
+        <p:spPr>
+          <a:xfrm>
+            <a:off x="0" y="2963624"/>
+            <a:ext cx="43891200" cy="1323439"/>
+          </a:xfrm>
+          <a:prstGeom prst="rect">
+            <a:avLst/>
+          </a:prstGeom>
+          <a:noFill/>
+        </p:spPr>
+        <p:txBody>
+          <a:bodyPr wrap="square" rtlCol="0">
+            <a:spAutoFit/>
+          </a:bodyPr>
+          <a:lstStyle/>
+          <a:p>
+            <a:pPr algn="ctr"/>
+            <a:r>
+              <a:rPr lang="en-US" sz="8000" dirty="0" smtClean="0">
+                <a:ln w="18415" cmpd="sng">
+                  <a:noFill/>
+                  <a:prstDash val="solid"/>
+                </a:ln>
+                <a:solidFill>
+                  <a:srgbClr val="FFFFFF"/>
+                </a:solidFill>
+                <a:effectLst>
+                  <a:outerShdw blurRad="63500" dir="3600000" algn="tl" rotWithShape="0">
+                    <a:srgbClr val="000000">
+                      <a:alpha val="70000"/>
+                    </a:srgbClr>
+                  </a:outerShdw>
+                </a:effectLst>
+                <a:cs typeface="Times New Roman" panose="02020603050405020304" pitchFamily="18" charset="0"/>
+              </a:rPr>
+              <a:t>P. K. Das, S. Narayanan, A. </a:t>
+            </a:r>
+            <a:r>
+              <a:rPr lang="en-US" sz="8000" dirty="0" err="1" smtClean="0">
+                <a:ln w="18415" cmpd="sng">
+                  <a:noFill/>
+                  <a:prstDash val="solid"/>
+                </a:ln>
+                <a:solidFill>
+                  <a:srgbClr val="FFFFFF"/>
+                </a:solidFill>
+                <a:effectLst>
+                  <a:outerShdw blurRad="63500" dir="3600000" algn="tl" rotWithShape="0">
+                    <a:srgbClr val="000000">
+                      <a:alpha val="70000"/>
+                    </a:srgbClr>
+                  </a:outerShdw>
+                </a:effectLst>
+                <a:cs typeface="Times New Roman" panose="02020603050405020304" pitchFamily="18" charset="0"/>
+              </a:rPr>
+              <a:t>Kashyap</a:t>
+            </a:r>
+            <a:r>
+              <a:rPr lang="en-US" sz="8000" dirty="0" smtClean="0">
+                <a:ln w="18415" cmpd="sng">
+                  <a:noFill/>
+                  <a:prstDash val="solid"/>
+                </a:ln>
+                <a:solidFill>
+                  <a:srgbClr val="FFFFFF"/>
+                </a:solidFill>
+                <a:effectLst>
+                  <a:outerShdw blurRad="63500" dir="3600000" algn="tl" rotWithShape="0">
+                    <a:srgbClr val="000000">
+                      <a:alpha val="70000"/>
+                    </a:srgbClr>
+                  </a:outerShdw>
+                </a:effectLst>
+                <a:cs typeface="Times New Roman" panose="02020603050405020304" pitchFamily="18" charset="0"/>
+              </a:rPr>
+              <a:t>, S. </a:t>
+            </a:r>
+            <a:r>
+              <a:rPr lang="en-US" sz="8000" dirty="0" err="1" smtClean="0">
+                <a:ln w="18415" cmpd="sng">
+                  <a:noFill/>
+                  <a:prstDash val="solid"/>
+                </a:ln>
+                <a:solidFill>
+                  <a:srgbClr val="FFFFFF"/>
+                </a:solidFill>
+                <a:effectLst>
+                  <a:outerShdw blurRad="63500" dir="3600000" algn="tl" rotWithShape="0">
+                    <a:srgbClr val="000000">
+                      <a:alpha val="70000"/>
+                    </a:srgbClr>
+                  </a:outerShdw>
+                </a:effectLst>
+                <a:cs typeface="Times New Roman" panose="02020603050405020304" pitchFamily="18" charset="0"/>
+              </a:rPr>
+              <a:t>Bobovych</a:t>
+            </a:r>
+            <a:r>
+              <a:rPr lang="en-US" sz="8000" dirty="0" smtClean="0">
+                <a:ln w="18415" cmpd="sng">
+                  <a:noFill/>
+                  <a:prstDash val="solid"/>
+                </a:ln>
+                <a:solidFill>
+                  <a:srgbClr val="FFFFFF"/>
+                </a:solidFill>
+                <a:effectLst>
+                  <a:outerShdw blurRad="63500" dir="3600000" algn="tl" rotWithShape="0">
+                    <a:srgbClr val="000000">
+                      <a:alpha val="70000"/>
+                    </a:srgbClr>
+                  </a:outerShdw>
+                </a:effectLst>
+                <a:cs typeface="Times New Roman" panose="02020603050405020304" pitchFamily="18" charset="0"/>
+              </a:rPr>
+              <a:t>, N. Banerjee, R. Robucci, T. Zhu, A. Joshi, T. Finin</a:t>
+            </a:r>
+            <a:endParaRPr lang="en-US" sz="8000" dirty="0">
+              <a:ln w="18415" cmpd="sng">
+                <a:noFill/>
+                <a:prstDash val="solid"/>
+              </a:ln>
+              <a:solidFill>
+                <a:srgbClr val="FFFFFF"/>
+              </a:solidFill>
+              <a:effectLst>
+                <a:outerShdw blurRad="63500" dir="3600000" algn="tl" rotWithShape="0">
+                  <a:srgbClr val="000000">
+                    <a:alpha val="70000"/>
+                  </a:srgbClr>
+                </a:outerShdw>
+              </a:effectLst>
+              <a:cs typeface="Times New Roman" panose="02020603050405020304" pitchFamily="18" charset="0"/>
+            </a:endParaRPr>
+          </a:p>
+        </p:txBody>
+      </p:sp>
+      <p:sp>
+        <p:nvSpPr>
+          <p:cNvPr id="10" name="8 CuadroTexto"/>
+          <p:cNvSpPr txBox="1"/>
+          <p:nvPr/>
+        </p:nvSpPr>
+        <p:spPr>
+          <a:xfrm>
+            <a:off x="0" y="4591845"/>
+            <a:ext cx="43891200" cy="1323439"/>
+          </a:xfrm>
+          <a:prstGeom prst="rect">
+            <a:avLst/>
+          </a:prstGeom>
+          <a:noFill/>
+        </p:spPr>
+        <p:txBody>
+          <a:bodyPr wrap="square" rtlCol="0">
+            <a:spAutoFit/>
+          </a:bodyPr>
+          <a:lstStyle/>
+          <a:p>
+            <a:pPr algn="ctr"/>
+            <a:r>
+              <a:rPr lang="en-US" sz="8000" dirty="0" smtClean="0">
+                <a:ln w="18415" cmpd="sng">
+                  <a:noFill/>
+                  <a:prstDash val="solid"/>
+                </a:ln>
+                <a:effectLst>
+                  <a:outerShdw blurRad="63500" dir="3600000" algn="tl" rotWithShape="0">
+                    <a:srgbClr val="000000">
+                      <a:alpha val="70000"/>
+                    </a:srgbClr>
+                  </a:outerShdw>
+                </a:effectLst>
+                <a:cs typeface="Times New Roman" panose="02020603050405020304" pitchFamily="18" charset="0"/>
+              </a:rPr>
+              <a:t>Heimdall informs users and admins on potentially dangerous apps</a:t>
+            </a:r>
+            <a:endParaRPr lang="en-US" sz="8000" dirty="0">
+              <a:ln w="18415" cmpd="sng">
+                <a:noFill/>
+                <a:prstDash val="solid"/>
+              </a:ln>
+              <a:effectLst>
+                <a:outerShdw blurRad="63500" dir="3600000" algn="tl" rotWithShape="0">
+                  <a:srgbClr val="000000">
+                    <a:alpha val="70000"/>
+                  </a:srgbClr>
+                </a:outerShdw>
+              </a:effectLst>
+              <a:cs typeface="Times New Roman" panose="02020603050405020304" pitchFamily="18" charset="0"/>
+            </a:endParaRPr>
+          </a:p>
+        </p:txBody>
+      </p:sp>
+      <p:sp>
+        <p:nvSpPr>
+          <p:cNvPr id="3" name="TextBox 2"/>
+          <p:cNvSpPr txBox="1"/>
+          <p:nvPr/>
+        </p:nvSpPr>
+        <p:spPr>
+          <a:xfrm>
+            <a:off x="29020335" y="31825793"/>
+            <a:ext cx="14870865" cy="1092607"/>
+          </a:xfrm>
+          <a:prstGeom prst="rect">
+            <a:avLst/>
+          </a:prstGeom>
+          <a:noFill/>
+        </p:spPr>
+        <p:txBody>
+          <a:bodyPr wrap="square" rtlCol="0">
+            <a:spAutoFit/>
+          </a:bodyPr>
+          <a:lstStyle/>
+          <a:p>
+            <a:r>
+              <a:rPr lang="en-US" sz="6500" dirty="0">
+                <a:solidFill>
+                  <a:schemeClr val="tx1">
+                    <a:lumMod val="65000"/>
+                    <a:lumOff val="35000"/>
+                  </a:schemeClr>
+                </a:solidFill>
+                <a:cs typeface="Times New Roman" panose="02020603050405020304" pitchFamily="18" charset="0"/>
+              </a:rPr>
+              <a:t>S</a:t>
+            </a:r>
+            <a:r>
+              <a:rPr lang="en-US" sz="6500" dirty="0" smtClean="0">
+                <a:solidFill>
+                  <a:schemeClr val="tx1">
+                    <a:lumMod val="65000"/>
+                    <a:lumOff val="35000"/>
+                  </a:schemeClr>
+                </a:solidFill>
+                <a:cs typeface="Times New Roman" panose="02020603050405020304" pitchFamily="18" charset="0"/>
+              </a:rPr>
+              <a:t>upported by NSF #0910838 </a:t>
+            </a:r>
+            <a:r>
+              <a:rPr lang="en-US" sz="6500" dirty="0">
+                <a:solidFill>
+                  <a:schemeClr val="tx1">
+                    <a:lumMod val="65000"/>
+                    <a:lumOff val="35000"/>
+                  </a:schemeClr>
+                </a:solidFill>
+                <a:cs typeface="Times New Roman" panose="02020603050405020304" pitchFamily="18" charset="0"/>
+              </a:rPr>
+              <a:t>and </a:t>
+            </a:r>
+            <a:r>
+              <a:rPr lang="en-US" sz="6500" dirty="0" smtClean="0">
+                <a:solidFill>
+                  <a:schemeClr val="tx1">
+                    <a:lumMod val="65000"/>
+                    <a:lumOff val="35000"/>
+                  </a:schemeClr>
+                </a:solidFill>
+                <a:cs typeface="Times New Roman" panose="02020603050405020304" pitchFamily="18" charset="0"/>
+              </a:rPr>
+              <a:t>#1228198</a:t>
+            </a:r>
+            <a:endParaRPr lang="en-US" sz="6500" dirty="0">
+              <a:solidFill>
+                <a:schemeClr val="tx1">
+                  <a:lumMod val="65000"/>
+                  <a:lumOff val="35000"/>
+                </a:schemeClr>
+              </a:solidFill>
+              <a:cs typeface="Times New Roman" panose="02020603050405020304" pitchFamily="18" charset="0"/>
+            </a:endParaRPr>
+          </a:p>
+        </p:txBody>
+      </p:sp>
+      <p:pic>
+        <p:nvPicPr>
+          <p:cNvPr id="29" name="Picture 28"/>
+          <p:cNvPicPr>
+            <a:picLocks noChangeAspect="1"/>
+          </p:cNvPicPr>
+          <p:nvPr/>
+        </p:nvPicPr>
+        <p:blipFill>
+          <a:blip r:embed="rId2" cstate="print">
+            <a:extLst>
+              <a:ext uri="{28A0092B-C50C-407E-A947-70E740481C1C}">
+                <a14:useLocalDpi xmlns:a14="http://schemas.microsoft.com/office/drawing/2010/main" val="0"/>
+              </a:ext>
+            </a:extLst>
+          </a:blip>
+          <a:stretch>
+            <a:fillRect/>
+          </a:stretch>
+        </p:blipFill>
+        <p:spPr>
+          <a:xfrm>
+            <a:off x="21112136" y="31270142"/>
+            <a:ext cx="1666928" cy="1666928"/>
+          </a:xfrm>
+          <a:prstGeom prst="rect">
+            <a:avLst/>
+          </a:prstGeom>
+        </p:spPr>
+      </p:pic>
+      <p:pic>
+        <p:nvPicPr>
+          <p:cNvPr id="31" name="Picture 30"/>
+          <p:cNvPicPr>
+            <a:picLocks noChangeAspect="1"/>
+          </p:cNvPicPr>
+          <p:nvPr/>
+        </p:nvPicPr>
+        <p:blipFill>
+          <a:blip r:embed="rId3">
+            <a:extLst>
+              <a:ext uri="{28A0092B-C50C-407E-A947-70E740481C1C}">
+                <a14:useLocalDpi xmlns:a14="http://schemas.microsoft.com/office/drawing/2010/main" val="0"/>
+              </a:ext>
+            </a:extLst>
+          </a:blip>
+          <a:stretch>
+            <a:fillRect/>
+          </a:stretch>
+        </p:blipFill>
+        <p:spPr>
+          <a:xfrm>
+            <a:off x="263991" y="525025"/>
+            <a:ext cx="2539682" cy="2539682"/>
+          </a:xfrm>
+          <a:prstGeom prst="rect">
+            <a:avLst/>
+          </a:prstGeom>
+        </p:spPr>
+      </p:pic>
+      <p:pic>
+        <p:nvPicPr>
+          <p:cNvPr id="32" name="Picture 31"/>
+          <p:cNvPicPr>
+            <a:picLocks noChangeAspect="1"/>
+          </p:cNvPicPr>
+          <p:nvPr/>
+        </p:nvPicPr>
+        <p:blipFill>
+          <a:blip r:embed="rId4">
+            <a:extLst>
+              <a:ext uri="{28A0092B-C50C-407E-A947-70E740481C1C}">
+                <a14:useLocalDpi xmlns:a14="http://schemas.microsoft.com/office/drawing/2010/main" val="0"/>
+              </a:ext>
+            </a:extLst>
+          </a:blip>
+          <a:stretch>
+            <a:fillRect/>
+          </a:stretch>
+        </p:blipFill>
+        <p:spPr>
+          <a:xfrm>
+            <a:off x="41362650" y="707214"/>
+            <a:ext cx="2355380" cy="2175305"/>
+          </a:xfrm>
+          <a:prstGeom prst="rect">
+            <a:avLst/>
+          </a:prstGeom>
+        </p:spPr>
+      </p:pic>
       <p:sp>
         <p:nvSpPr>
           <p:cNvPr id="56" name="Rounded Rectangle 55"/>
@@ -3586,11 +3588,14 @@
           </a:xfrm>
           <a:prstGeom prst="roundRect">
             <a:avLst>
-              <a:gd name="adj" fmla="val 12579"/>
+              <a:gd name="adj" fmla="val 4464"/>
             </a:avLst>
           </a:prstGeom>
           <a:solidFill>
-            <a:srgbClr val="BAD0FC"/>
+            <a:schemeClr val="accent2">
+              <a:lumMod val="20000"/>
+              <a:lumOff val="80000"/>
+            </a:schemeClr>
           </a:solidFill>
           <a:ln>
             <a:noFill/>
@@ -3645,16 +3650,19 @@
         </p:nvSpPr>
         <p:spPr>
           <a:xfrm>
-            <a:off x="190839" y="19548514"/>
+            <a:off x="263991" y="18762852"/>
             <a:ext cx="21535306" cy="11631168"/>
           </a:xfrm>
           <a:prstGeom prst="roundRect">
             <a:avLst>
-              <a:gd name="adj" fmla="val 13837"/>
+              <a:gd name="adj" fmla="val 5722"/>
             </a:avLst>
           </a:prstGeom>
           <a:solidFill>
-            <a:srgbClr val="BAD0FC"/>
+            <a:schemeClr val="accent6">
+              <a:lumMod val="20000"/>
+              <a:lumOff val="80000"/>
+            </a:schemeClr>
           </a:solidFill>
           <a:ln>
             <a:noFill/>
@@ -3709,16 +3717,18 @@
         </p:nvSpPr>
         <p:spPr>
           <a:xfrm>
-            <a:off x="22109572" y="19548514"/>
+            <a:off x="22182724" y="18762852"/>
             <a:ext cx="21535306" cy="11631168"/>
           </a:xfrm>
           <a:prstGeom prst="roundRect">
             <a:avLst>
-              <a:gd name="adj" fmla="val 12893"/>
+              <a:gd name="adj" fmla="val 4778"/>
             </a:avLst>
           </a:prstGeom>
           <a:solidFill>
-            <a:srgbClr val="BAD0FC"/>
+            <a:schemeClr val="bg2">
+              <a:lumMod val="90000"/>
+            </a:schemeClr>
           </a:solidFill>
           <a:ln>
             <a:noFill/>
@@ -3773,7 +3783,7 @@
         </p:nvSpPr>
         <p:spPr>
           <a:xfrm>
-            <a:off x="5925312" y="17921658"/>
+            <a:off x="6139102" y="17656638"/>
             <a:ext cx="8924544" cy="1323439"/>
           </a:xfrm>
           <a:prstGeom prst="rect">
@@ -3822,233 +3832,205 @@
           </a:p>
         </p:txBody>
       </p:sp>
-      <p:grpSp>
-        <p:nvGrpSpPr>
-          <p:cNvPr id="44" name="Group 43"/>
-          <p:cNvGrpSpPr/>
+      <p:pic>
+        <p:nvPicPr>
+          <p:cNvPr id="35" name="Picture 34"/>
+          <p:cNvPicPr>
+            <a:picLocks noChangeAspect="1"/>
+          </p:cNvPicPr>
           <p:nvPr/>
-        </p:nvGrpSpPr>
-        <p:grpSpPr>
-          <a:xfrm>
-            <a:off x="446263" y="6347964"/>
-            <a:ext cx="10080855" cy="4886342"/>
-            <a:chOff x="1883177" y="6217335"/>
-            <a:chExt cx="10080855" cy="4886342"/>
-          </a:xfrm>
-        </p:grpSpPr>
-        <p:pic>
-          <p:nvPicPr>
-            <p:cNvPr id="35" name="Picture 34"/>
-            <p:cNvPicPr>
-              <a:picLocks noChangeAspect="1"/>
-            </p:cNvPicPr>
-            <p:nvPr/>
-          </p:nvPicPr>
-          <p:blipFill>
-            <a:blip r:embed="rId5" cstate="print">
-              <a:extLst>
-                <a:ext uri="{28A0092B-C50C-407E-A947-70E740481C1C}">
-                  <a14:useLocalDpi xmlns:a14="http://schemas.microsoft.com/office/drawing/2010/main" val="0"/>
-                </a:ext>
-              </a:extLst>
-            </a:blip>
-            <a:stretch>
-              <a:fillRect/>
-            </a:stretch>
-          </p:blipFill>
-          <p:spPr>
-            <a:xfrm>
-              <a:off x="1883177" y="7580835"/>
-              <a:ext cx="2761975" cy="2761975"/>
-            </a:xfrm>
-            <a:prstGeom prst="rect">
-              <a:avLst/>
-            </a:prstGeom>
-          </p:spPr>
-        </p:pic>
-        <p:pic>
-          <p:nvPicPr>
-            <p:cNvPr id="36" name="Picture 35"/>
-            <p:cNvPicPr>
-              <a:picLocks noChangeAspect="1"/>
-            </p:cNvPicPr>
-            <p:nvPr/>
-          </p:nvPicPr>
-          <p:blipFill>
-            <a:blip r:embed="rId6" cstate="print">
-              <a:extLst>
-                <a:ext uri="{28A0092B-C50C-407E-A947-70E740481C1C}">
-                  <a14:useLocalDpi xmlns:a14="http://schemas.microsoft.com/office/drawing/2010/main" val="0"/>
-                </a:ext>
-              </a:extLst>
-            </a:blip>
-            <a:stretch>
-              <a:fillRect/>
-            </a:stretch>
-          </p:blipFill>
-          <p:spPr>
-            <a:xfrm>
-              <a:off x="9202057" y="7504110"/>
-              <a:ext cx="2761975" cy="2761975"/>
-            </a:xfrm>
-            <a:prstGeom prst="rect">
-              <a:avLst/>
-            </a:prstGeom>
-          </p:spPr>
-        </p:pic>
-        <p:pic>
-          <p:nvPicPr>
-            <p:cNvPr id="38" name="Picture 37"/>
-            <p:cNvPicPr>
-              <a:picLocks noChangeAspect="1"/>
-            </p:cNvPicPr>
-            <p:nvPr/>
-          </p:nvPicPr>
-          <p:blipFill>
-            <a:blip r:embed="rId7" cstate="print">
-              <a:extLst>
-                <a:ext uri="{28A0092B-C50C-407E-A947-70E740481C1C}">
-                  <a14:useLocalDpi xmlns:a14="http://schemas.microsoft.com/office/drawing/2010/main" val="0"/>
-                </a:ext>
-              </a:extLst>
-            </a:blip>
-            <a:stretch>
-              <a:fillRect/>
-            </a:stretch>
-          </p:blipFill>
-          <p:spPr>
-            <a:xfrm>
-              <a:off x="5700327" y="8657122"/>
-              <a:ext cx="2446555" cy="2446555"/>
-            </a:xfrm>
-            <a:prstGeom prst="rect">
-              <a:avLst/>
-            </a:prstGeom>
-          </p:spPr>
-        </p:pic>
-        <p:sp>
-          <p:nvSpPr>
-            <p:cNvPr id="39" name="Curved Down Arrow 38"/>
-            <p:cNvSpPr/>
-            <p:nvPr/>
-          </p:nvSpPr>
-          <p:spPr>
-            <a:xfrm>
-              <a:off x="3038168" y="6217335"/>
-              <a:ext cx="7875638" cy="1363500"/>
-            </a:xfrm>
-            <a:prstGeom prst="curvedDownArrow">
-              <a:avLst>
-                <a:gd name="adj1" fmla="val 25000"/>
-                <a:gd name="adj2" fmla="val 94561"/>
-                <a:gd name="adj3" fmla="val 43114"/>
-              </a:avLst>
-            </a:prstGeom>
-            <a:solidFill>
+        </p:nvPicPr>
+        <p:blipFill>
+          <a:blip r:embed="rId5" cstate="print">
+            <a:extLst>
+              <a:ext uri="{28A0092B-C50C-407E-A947-70E740481C1C}">
+                <a14:useLocalDpi xmlns:a14="http://schemas.microsoft.com/office/drawing/2010/main" val="0"/>
+              </a:ext>
+            </a:extLst>
+          </a:blip>
+          <a:stretch>
+            <a:fillRect/>
+          </a:stretch>
+        </p:blipFill>
+        <p:spPr>
+          <a:xfrm>
+            <a:off x="446263" y="7711464"/>
+            <a:ext cx="2761975" cy="2761975"/>
+          </a:xfrm>
+          <a:prstGeom prst="rect">
+            <a:avLst/>
+          </a:prstGeom>
+        </p:spPr>
+      </p:pic>
+      <p:pic>
+        <p:nvPicPr>
+          <p:cNvPr id="36" name="Picture 35"/>
+          <p:cNvPicPr>
+            <a:picLocks noChangeAspect="1"/>
+          </p:cNvPicPr>
+          <p:nvPr/>
+        </p:nvPicPr>
+        <p:blipFill>
+          <a:blip r:embed="rId6" cstate="print">
+            <a:extLst>
+              <a:ext uri="{28A0092B-C50C-407E-A947-70E740481C1C}">
+                <a14:useLocalDpi xmlns:a14="http://schemas.microsoft.com/office/drawing/2010/main" val="0"/>
+              </a:ext>
+            </a:extLst>
+          </a:blip>
+          <a:stretch>
+            <a:fillRect/>
+          </a:stretch>
+        </p:blipFill>
+        <p:spPr>
+          <a:xfrm>
+            <a:off x="18708914" y="7711464"/>
+            <a:ext cx="2761975" cy="2761975"/>
+          </a:xfrm>
+          <a:prstGeom prst="rect">
+            <a:avLst/>
+          </a:prstGeom>
+        </p:spPr>
+      </p:pic>
+      <p:pic>
+        <p:nvPicPr>
+          <p:cNvPr id="38" name="Picture 37"/>
+          <p:cNvPicPr>
+            <a:picLocks noChangeAspect="1"/>
+          </p:cNvPicPr>
+          <p:nvPr/>
+        </p:nvPicPr>
+        <p:blipFill>
+          <a:blip r:embed="rId7" cstate="print">
+            <a:extLst>
+              <a:ext uri="{28A0092B-C50C-407E-A947-70E740481C1C}">
+                <a14:useLocalDpi xmlns:a14="http://schemas.microsoft.com/office/drawing/2010/main" val="0"/>
+              </a:ext>
+            </a:extLst>
+          </a:blip>
+          <a:stretch>
+            <a:fillRect/>
+          </a:stretch>
+        </p:blipFill>
+        <p:spPr>
+          <a:xfrm>
+            <a:off x="11679694" y="8133753"/>
+            <a:ext cx="2446555" cy="2446555"/>
+          </a:xfrm>
+          <a:prstGeom prst="rect">
+            <a:avLst/>
+          </a:prstGeom>
+        </p:spPr>
+      </p:pic>
+      <p:sp>
+        <p:nvSpPr>
+          <p:cNvPr id="39" name="Curved Down Arrow 38"/>
+          <p:cNvSpPr/>
+          <p:nvPr/>
+        </p:nvSpPr>
+        <p:spPr>
+          <a:xfrm>
+            <a:off x="1601254" y="6347963"/>
+            <a:ext cx="19226746" cy="1497593"/>
+          </a:xfrm>
+          <a:prstGeom prst="curvedDownArrow">
+            <a:avLst>
+              <a:gd name="adj1" fmla="val 41633"/>
+              <a:gd name="adj2" fmla="val 105489"/>
+              <a:gd name="adj3" fmla="val 43114"/>
+            </a:avLst>
+          </a:prstGeom>
+          <a:solidFill>
+            <a:schemeClr val="accent1">
+              <a:lumMod val="40000"/>
+              <a:lumOff val="60000"/>
+            </a:schemeClr>
+          </a:solidFill>
+          <a:effectLst>
+            <a:glow rad="63500">
               <a:schemeClr val="accent1">
-                <a:lumMod val="40000"/>
-                <a:lumOff val="60000"/>
+                <a:satMod val="175000"/>
+                <a:alpha val="40000"/>
               </a:schemeClr>
-            </a:solidFill>
-            <a:effectLst>
-              <a:glow rad="63500">
-                <a:schemeClr val="accent1">
-                  <a:satMod val="175000"/>
-                  <a:alpha val="40000"/>
-                </a:schemeClr>
-              </a:glow>
-            </a:effectLst>
-          </p:spPr>
-          <p:style>
-            <a:lnRef idx="2">
-              <a:schemeClr val="accent1">
-                <a:shade val="50000"/>
-              </a:schemeClr>
-            </a:lnRef>
-            <a:fillRef idx="1">
-              <a:schemeClr val="accent1"/>
-            </a:fillRef>
-            <a:effectRef idx="0">
-              <a:schemeClr val="accent1"/>
-            </a:effectRef>
-            <a:fontRef idx="minor">
-              <a:schemeClr val="lt1"/>
-            </a:fontRef>
-          </p:style>
-          <p:txBody>
-            <a:bodyPr rtlCol="0" anchor="ctr"/>
-            <a:lstStyle/>
-            <a:p>
-              <a:pPr algn="ctr"/>
-              <a:endParaRPr lang="en-US">
-                <a:solidFill>
-                  <a:schemeClr val="tx1"/>
-                </a:solidFill>
-              </a:endParaRPr>
-            </a:p>
-          </p:txBody>
-        </p:sp>
-        <p:sp>
-          <p:nvSpPr>
-            <p:cNvPr id="41" name="Oval Callout 40"/>
-            <p:cNvSpPr/>
-            <p:nvPr/>
-          </p:nvSpPr>
-          <p:spPr>
-            <a:xfrm>
-              <a:off x="5753030" y="6773816"/>
-              <a:ext cx="3590822" cy="1528151"/>
-            </a:xfrm>
-            <a:prstGeom prst="wedgeEllipseCallout">
-              <a:avLst>
-                <a:gd name="adj1" fmla="val -28735"/>
-                <a:gd name="adj2" fmla="val 73771"/>
-              </a:avLst>
-            </a:prstGeom>
-            <a:solidFill>
-              <a:schemeClr val="accent6">
-                <a:lumMod val="40000"/>
-                <a:lumOff val="60000"/>
-              </a:schemeClr>
-            </a:solidFill>
-          </p:spPr>
-          <p:style>
-            <a:lnRef idx="2">
-              <a:schemeClr val="accent1">
-                <a:shade val="50000"/>
-              </a:schemeClr>
-            </a:lnRef>
-            <a:fillRef idx="1">
-              <a:schemeClr val="accent1"/>
-            </a:fillRef>
-            <a:effectRef idx="0">
-              <a:schemeClr val="accent1"/>
-            </a:effectRef>
-            <a:fontRef idx="minor">
-              <a:schemeClr val="lt1"/>
-            </a:fontRef>
-          </p:style>
-          <p:txBody>
-            <a:bodyPr rtlCol="0" anchor="ctr"/>
-            <a:lstStyle/>
-            <a:p>
-              <a:pPr algn="ctr"/>
-              <a:r>
-                <a:rPr lang="en-US" sz="3200" dirty="0" smtClean="0">
-                  <a:solidFill>
-                    <a:schemeClr val="tx1"/>
-                  </a:solidFill>
-                  <a:effectLst>
-                    <a:outerShdw blurRad="38100" dist="38100" dir="2700000" algn="tl">
-                      <a:srgbClr val="000000">
-                        <a:alpha val="43137"/>
-                      </a:srgbClr>
-                    </a:outerShdw>
-                  </a:effectLst>
-                </a:rPr>
-                <a:t>I am here to protect you!</a:t>
-              </a:r>
-              <a:endParaRPr lang="en-US" sz="3200" dirty="0">
+            </a:glow>
+          </a:effectLst>
+        </p:spPr>
+        <p:style>
+          <a:lnRef idx="2">
+            <a:schemeClr val="accent1">
+              <a:shade val="50000"/>
+            </a:schemeClr>
+          </a:lnRef>
+          <a:fillRef idx="1">
+            <a:schemeClr val="accent1"/>
+          </a:fillRef>
+          <a:effectRef idx="0">
+            <a:schemeClr val="accent1"/>
+          </a:effectRef>
+          <a:fontRef idx="minor">
+            <a:schemeClr val="lt1"/>
+          </a:fontRef>
+        </p:style>
+        <p:txBody>
+          <a:bodyPr rtlCol="0" anchor="ctr"/>
+          <a:lstStyle/>
+          <a:p>
+            <a:pPr algn="ctr"/>
+            <a:endParaRPr lang="en-US">
+              <a:solidFill>
+                <a:schemeClr val="tx1"/>
+              </a:solidFill>
+            </a:endParaRPr>
+          </a:p>
+        </p:txBody>
+      </p:sp>
+      <p:sp>
+        <p:nvSpPr>
+          <p:cNvPr id="41" name="Oval Callout 40"/>
+          <p:cNvSpPr/>
+          <p:nvPr/>
+        </p:nvSpPr>
+        <p:spPr>
+          <a:xfrm>
+            <a:off x="6371335" y="6860641"/>
+            <a:ext cx="4924932" cy="2171963"/>
+          </a:xfrm>
+          <a:prstGeom prst="wedgeEllipseCallout">
+            <a:avLst>
+              <a:gd name="adj1" fmla="val 60878"/>
+              <a:gd name="adj2" fmla="val 55033"/>
+            </a:avLst>
+          </a:prstGeom>
+          <a:solidFill>
+            <a:schemeClr val="accent6">
+              <a:lumMod val="40000"/>
+              <a:lumOff val="60000"/>
+            </a:schemeClr>
+          </a:solidFill>
+        </p:spPr>
+        <p:style>
+          <a:lnRef idx="2">
+            <a:schemeClr val="accent1">
+              <a:shade val="50000"/>
+            </a:schemeClr>
+          </a:lnRef>
+          <a:fillRef idx="1">
+            <a:schemeClr val="accent1"/>
+          </a:fillRef>
+          <a:effectRef idx="0">
+            <a:schemeClr val="accent1"/>
+          </a:effectRef>
+          <a:fontRef idx="minor">
+            <a:schemeClr val="lt1"/>
+          </a:fontRef>
+        </p:style>
+        <p:txBody>
+          <a:bodyPr rtlCol="0" anchor="ctr"/>
+          <a:lstStyle/>
+          <a:p>
+            <a:pPr algn="ctr"/>
+            <a:r>
+              <a:rPr lang="en-US" sz="3200" dirty="0" smtClean="0">
                 <a:solidFill>
                   <a:schemeClr val="tx1"/>
                 </a:solidFill>
@@ -4059,11 +4041,57 @@
                     </a:srgbClr>
                   </a:outerShdw>
                 </a:effectLst>
-              </a:endParaRPr>
-            </a:p>
-          </p:txBody>
-        </p:sp>
-      </p:grpSp>
+              </a:rPr>
+              <a:t>Hi! I am Heimdall!</a:t>
+            </a:r>
+          </a:p>
+          <a:p>
+            <a:pPr algn="ctr"/>
+            <a:r>
+              <a:rPr lang="en-US" sz="3200" dirty="0" smtClean="0">
+                <a:solidFill>
+                  <a:schemeClr val="tx1"/>
+                </a:solidFill>
+                <a:effectLst>
+                  <a:outerShdw blurRad="38100" dist="38100" dir="2700000" algn="tl">
+                    <a:srgbClr val="000000">
+                      <a:alpha val="43137"/>
+                    </a:srgbClr>
+                  </a:outerShdw>
+                </a:effectLst>
+              </a:rPr>
+              <a:t>I </a:t>
+            </a:r>
+            <a:r>
+              <a:rPr lang="en-US" sz="3200" dirty="0" smtClean="0">
+                <a:solidFill>
+                  <a:schemeClr val="tx1"/>
+                </a:solidFill>
+                <a:effectLst>
+                  <a:outerShdw blurRad="38100" dist="38100" dir="2700000" algn="tl">
+                    <a:srgbClr val="000000">
+                      <a:alpha val="43137"/>
+                    </a:srgbClr>
+                  </a:outerShdw>
+                </a:effectLst>
+              </a:rPr>
+              <a:t>am here to protect you!</a:t>
+            </a:r>
+            <a:endParaRPr lang="en-US" sz="3200" dirty="0">
+              <a:solidFill>
+                <a:schemeClr val="tx1"/>
+              </a:solidFill>
+              <a:effectLst>
+                <a:outerShdw blurRad="38100" dist="38100" dir="2700000" algn="tl">
+                  <a:srgbClr val="000000">
+                    <a:alpha val="43137"/>
+                  </a:srgbClr>
+                </a:outerShdw>
+              </a:effectLst>
+            </a:endParaRPr>
+          </a:p>
+        </p:txBody>
+      </p:sp>
       <p:pic>
         <p:nvPicPr>
           <p:cNvPr id="45" name="Picture 44"/>
@@ -4086,7 +4114,7 @@
         </p:blipFill>
         <p:spPr>
           <a:xfrm>
-            <a:off x="1349774" y="13046017"/>
+            <a:off x="530115" y="13159902"/>
             <a:ext cx="2907798" cy="2414021"/>
           </a:xfrm>
           <a:prstGeom prst="rect">
@@ -4103,7 +4131,7 @@
           <p:nvPr/>
         </p:nvPicPr>
         <p:blipFill>
-          <a:blip r:embed="rId9">
+          <a:blip r:embed="rId9" cstate="print">
             <a:extLst>
               <a:ext uri="{28A0092B-C50C-407E-A947-70E740481C1C}">
                 <a14:useLocalDpi xmlns:a14="http://schemas.microsoft.com/office/drawing/2010/main" val="0"/>
@@ -4116,8 +4144,8 @@
         </p:blipFill>
         <p:spPr>
           <a:xfrm>
-            <a:off x="5416507" y="12669279"/>
-            <a:ext cx="3202555" cy="3548538"/>
+            <a:off x="4001139" y="11400028"/>
+            <a:ext cx="2903350" cy="3217009"/>
           </a:xfrm>
           <a:prstGeom prst="rect">
             <a:avLst/>
@@ -4146,8 +4174,810 @@
         </p:blipFill>
         <p:spPr>
           <a:xfrm>
-            <a:off x="10576790" y="13759251"/>
-            <a:ext cx="5196851" cy="1700787"/>
+            <a:off x="446263" y="15450080"/>
+            <a:ext cx="4253835" cy="1526294"/>
+          </a:xfrm>
+          <a:prstGeom prst="rect">
+            <a:avLst/>
+          </a:prstGeom>
+        </p:spPr>
+      </p:pic>
+      <p:pic>
+        <p:nvPicPr>
+          <p:cNvPr id="6" name="Picture 5"/>
+          <p:cNvPicPr>
+            <a:picLocks noChangeAspect="1"/>
+          </p:cNvPicPr>
+          <p:nvPr/>
+        </p:nvPicPr>
+        <p:blipFill>
+          <a:blip r:embed="rId11">
+            <a:extLst>
+              <a:ext uri="{28A0092B-C50C-407E-A947-70E740481C1C}">
+                <a14:useLocalDpi xmlns:a14="http://schemas.microsoft.com/office/drawing/2010/main" val="0"/>
+              </a:ext>
+            </a:extLst>
+          </a:blip>
+          <a:stretch>
+            <a:fillRect/>
+          </a:stretch>
+        </p:blipFill>
+        <p:spPr>
+          <a:xfrm>
+            <a:off x="6978632" y="14332050"/>
+            <a:ext cx="2639060" cy="2996348"/>
+          </a:xfrm>
+          <a:prstGeom prst="rect">
+            <a:avLst/>
+          </a:prstGeom>
+        </p:spPr>
+      </p:pic>
+      <p:sp>
+        <p:nvSpPr>
+          <p:cNvPr id="7" name="Bent Arrow 6"/>
+          <p:cNvSpPr/>
+          <p:nvPr/>
+        </p:nvSpPr>
+        <p:spPr>
+          <a:xfrm>
+            <a:off x="1181099" y="11925410"/>
+            <a:ext cx="2820039" cy="1085101"/>
+          </a:xfrm>
+          <a:prstGeom prst="bentArrow">
+            <a:avLst>
+              <a:gd name="adj1" fmla="val 25000"/>
+              <a:gd name="adj2" fmla="val 25000"/>
+              <a:gd name="adj3" fmla="val 25000"/>
+              <a:gd name="adj4" fmla="val 31461"/>
+            </a:avLst>
+          </a:prstGeom>
+          <a:solidFill>
+            <a:schemeClr val="accent1">
+              <a:lumMod val="60000"/>
+              <a:lumOff val="40000"/>
+            </a:schemeClr>
+          </a:solidFill>
+        </p:spPr>
+        <p:style>
+          <a:lnRef idx="2">
+            <a:schemeClr val="accent1">
+              <a:shade val="50000"/>
+            </a:schemeClr>
+          </a:lnRef>
+          <a:fillRef idx="1">
+            <a:schemeClr val="accent1"/>
+          </a:fillRef>
+          <a:effectRef idx="0">
+            <a:schemeClr val="accent1"/>
+          </a:effectRef>
+          <a:fontRef idx="minor">
+            <a:schemeClr val="lt1"/>
+          </a:fontRef>
+        </p:style>
+        <p:txBody>
+          <a:bodyPr rtlCol="0" anchor="ctr"/>
+          <a:lstStyle/>
+          <a:p>
+            <a:pPr algn="ctr"/>
+            <a:endParaRPr lang="en-US">
+              <a:solidFill>
+                <a:schemeClr val="tx1"/>
+              </a:solidFill>
+            </a:endParaRPr>
+          </a:p>
+        </p:txBody>
+      </p:sp>
+      <p:sp>
+        <p:nvSpPr>
+          <p:cNvPr id="8" name="Bent Arrow 7"/>
+          <p:cNvSpPr/>
+          <p:nvPr/>
+        </p:nvSpPr>
+        <p:spPr>
+          <a:xfrm rot="10800000" flipH="1">
+            <a:off x="5549287" y="14488186"/>
+            <a:ext cx="1371600" cy="2218663"/>
+          </a:xfrm>
+          <a:prstGeom prst="bentArrow">
+            <a:avLst>
+              <a:gd name="adj1" fmla="val 21081"/>
+              <a:gd name="adj2" fmla="val 21021"/>
+              <a:gd name="adj3" fmla="val 25000"/>
+              <a:gd name="adj4" fmla="val 21426"/>
+            </a:avLst>
+          </a:prstGeom>
+          <a:solidFill>
+            <a:schemeClr val="accent1">
+              <a:lumMod val="40000"/>
+              <a:lumOff val="60000"/>
+            </a:schemeClr>
+          </a:solidFill>
+        </p:spPr>
+        <p:style>
+          <a:lnRef idx="2">
+            <a:schemeClr val="accent1">
+              <a:shade val="50000"/>
+            </a:schemeClr>
+          </a:lnRef>
+          <a:fillRef idx="1">
+            <a:schemeClr val="accent1"/>
+          </a:fillRef>
+          <a:effectRef idx="0">
+            <a:schemeClr val="accent1"/>
+          </a:effectRef>
+          <a:fontRef idx="minor">
+            <a:schemeClr val="lt1"/>
+          </a:fontRef>
+        </p:style>
+        <p:txBody>
+          <a:bodyPr rtlCol="0" anchor="ctr"/>
+          <a:lstStyle/>
+          <a:p>
+            <a:pPr algn="ctr"/>
+            <a:endParaRPr lang="en-US">
+              <a:solidFill>
+                <a:schemeClr val="tx1"/>
+              </a:solidFill>
+            </a:endParaRPr>
+          </a:p>
+        </p:txBody>
+      </p:sp>
+      <p:sp>
+        <p:nvSpPr>
+          <p:cNvPr id="33" name="Bent Arrow 32"/>
+          <p:cNvSpPr/>
+          <p:nvPr/>
+        </p:nvSpPr>
+        <p:spPr>
+          <a:xfrm rot="5400000" flipH="1">
+            <a:off x="10528777" y="14685393"/>
+            <a:ext cx="1371600" cy="3078935"/>
+          </a:xfrm>
+          <a:prstGeom prst="bentArrow">
+            <a:avLst>
+              <a:gd name="adj1" fmla="val 21408"/>
+              <a:gd name="adj2" fmla="val 21021"/>
+              <a:gd name="adj3" fmla="val 25000"/>
+              <a:gd name="adj4" fmla="val 31778"/>
+            </a:avLst>
+          </a:prstGeom>
+          <a:solidFill>
+            <a:schemeClr val="accent1">
+              <a:lumMod val="40000"/>
+              <a:lumOff val="60000"/>
+            </a:schemeClr>
+          </a:solidFill>
+        </p:spPr>
+        <p:style>
+          <a:lnRef idx="2">
+            <a:schemeClr val="accent1">
+              <a:shade val="50000"/>
+            </a:schemeClr>
+          </a:lnRef>
+          <a:fillRef idx="1">
+            <a:schemeClr val="accent1"/>
+          </a:fillRef>
+          <a:effectRef idx="0">
+            <a:schemeClr val="accent1"/>
+          </a:effectRef>
+          <a:fontRef idx="minor">
+            <a:schemeClr val="lt1"/>
+          </a:fontRef>
+        </p:style>
+        <p:txBody>
+          <a:bodyPr rtlCol="0" anchor="ctr"/>
+          <a:lstStyle/>
+          <a:p>
+            <a:pPr algn="ctr"/>
+            <a:endParaRPr lang="en-US">
+              <a:solidFill>
+                <a:schemeClr val="tx1"/>
+              </a:solidFill>
+            </a:endParaRPr>
+          </a:p>
+        </p:txBody>
+      </p:sp>
+      <p:pic>
+        <p:nvPicPr>
+          <p:cNvPr id="9" name="Picture 8"/>
+          <p:cNvPicPr>
+            <a:picLocks noChangeAspect="1"/>
+          </p:cNvPicPr>
+          <p:nvPr/>
+        </p:nvPicPr>
+        <p:blipFill>
+          <a:blip r:embed="rId12">
+            <a:extLst>
+              <a:ext uri="{28A0092B-C50C-407E-A947-70E740481C1C}">
+                <a14:useLocalDpi xmlns:a14="http://schemas.microsoft.com/office/drawing/2010/main" val="0"/>
+              </a:ext>
+            </a:extLst>
+          </a:blip>
+          <a:stretch>
+            <a:fillRect/>
+          </a:stretch>
+        </p:blipFill>
+        <p:spPr>
+          <a:xfrm>
+            <a:off x="10131789" y="11925410"/>
+            <a:ext cx="4134591" cy="3702050"/>
+          </a:xfrm>
+          <a:prstGeom prst="rect">
+            <a:avLst/>
+          </a:prstGeom>
+        </p:spPr>
+      </p:pic>
+      <p:sp>
+        <p:nvSpPr>
+          <p:cNvPr id="37" name="Bent Arrow 36"/>
+          <p:cNvSpPr/>
+          <p:nvPr/>
+        </p:nvSpPr>
+        <p:spPr>
+          <a:xfrm rot="5400000">
+            <a:off x="15159869" y="12696023"/>
+            <a:ext cx="1371600" cy="2830808"/>
+          </a:xfrm>
+          <a:prstGeom prst="bentArrow">
+            <a:avLst>
+              <a:gd name="adj1" fmla="val 25000"/>
+              <a:gd name="adj2" fmla="val 24725"/>
+              <a:gd name="adj3" fmla="val 25000"/>
+              <a:gd name="adj4" fmla="val 29861"/>
+            </a:avLst>
+          </a:prstGeom>
+          <a:solidFill>
+            <a:schemeClr val="accent1">
+              <a:lumMod val="40000"/>
+              <a:lumOff val="60000"/>
+            </a:schemeClr>
+          </a:solidFill>
+        </p:spPr>
+        <p:style>
+          <a:lnRef idx="2">
+            <a:schemeClr val="accent1">
+              <a:shade val="50000"/>
+            </a:schemeClr>
+          </a:lnRef>
+          <a:fillRef idx="1">
+            <a:schemeClr val="accent1"/>
+          </a:fillRef>
+          <a:effectRef idx="0">
+            <a:schemeClr val="accent1"/>
+          </a:effectRef>
+          <a:fontRef idx="minor">
+            <a:schemeClr val="lt1"/>
+          </a:fontRef>
+        </p:style>
+        <p:txBody>
+          <a:bodyPr rtlCol="0" anchor="ctr"/>
+          <a:lstStyle/>
+          <a:p>
+            <a:pPr algn="ctr"/>
+            <a:endParaRPr lang="en-US">
+              <a:solidFill>
+                <a:schemeClr val="tx1"/>
+              </a:solidFill>
+            </a:endParaRPr>
+          </a:p>
+        </p:txBody>
+      </p:sp>
+      <p:pic>
+        <p:nvPicPr>
+          <p:cNvPr id="11" name="Picture 10"/>
+          <p:cNvPicPr>
+            <a:picLocks noChangeAspect="1"/>
+          </p:cNvPicPr>
+          <p:nvPr/>
+        </p:nvPicPr>
+        <p:blipFill>
+          <a:blip r:embed="rId13">
+            <a:extLst>
+              <a:ext uri="{28A0092B-C50C-407E-A947-70E740481C1C}">
+                <a14:useLocalDpi xmlns:a14="http://schemas.microsoft.com/office/drawing/2010/main" val="0"/>
+              </a:ext>
+            </a:extLst>
+          </a:blip>
+          <a:stretch>
+            <a:fillRect/>
+          </a:stretch>
+        </p:blipFill>
+        <p:spPr>
+          <a:xfrm>
+            <a:off x="14780478" y="14948935"/>
+            <a:ext cx="3708471" cy="2006222"/>
+          </a:xfrm>
+          <a:prstGeom prst="rect">
+            <a:avLst/>
+          </a:prstGeom>
+        </p:spPr>
+      </p:pic>
+      <p:pic>
+        <p:nvPicPr>
+          <p:cNvPr id="12" name="Picture 11"/>
+          <p:cNvPicPr>
+            <a:picLocks noChangeAspect="1"/>
+          </p:cNvPicPr>
+          <p:nvPr/>
+        </p:nvPicPr>
+        <p:blipFill>
+          <a:blip r:embed="rId14" cstate="print">
+            <a:extLst>
+              <a:ext uri="{28A0092B-C50C-407E-A947-70E740481C1C}">
+                <a14:useLocalDpi xmlns:a14="http://schemas.microsoft.com/office/drawing/2010/main" val="0"/>
+              </a:ext>
+            </a:extLst>
+          </a:blip>
+          <a:stretch>
+            <a:fillRect/>
+          </a:stretch>
+        </p:blipFill>
+        <p:spPr>
+          <a:xfrm>
+            <a:off x="19339729" y="11837117"/>
+            <a:ext cx="2162629" cy="1800755"/>
+          </a:xfrm>
+          <a:prstGeom prst="rect">
+            <a:avLst/>
+          </a:prstGeom>
+        </p:spPr>
+      </p:pic>
+      <p:sp>
+        <p:nvSpPr>
+          <p:cNvPr id="40" name="Bent Arrow 39"/>
+          <p:cNvSpPr/>
+          <p:nvPr/>
+        </p:nvSpPr>
+        <p:spPr>
+          <a:xfrm rot="5400000" flipH="1">
+            <a:off x="19324798" y="13137184"/>
+            <a:ext cx="1371600" cy="2603367"/>
+          </a:xfrm>
+          <a:prstGeom prst="bentArrow">
+            <a:avLst>
+              <a:gd name="adj1" fmla="val 24054"/>
+              <a:gd name="adj2" fmla="val 26397"/>
+              <a:gd name="adj3" fmla="val 24440"/>
+              <a:gd name="adj4" fmla="val 21152"/>
+            </a:avLst>
+          </a:prstGeom>
+          <a:solidFill>
+            <a:schemeClr val="accent1">
+              <a:lumMod val="40000"/>
+              <a:lumOff val="60000"/>
+            </a:schemeClr>
+          </a:solidFill>
+        </p:spPr>
+        <p:style>
+          <a:lnRef idx="2">
+            <a:schemeClr val="accent1">
+              <a:shade val="50000"/>
+            </a:schemeClr>
+          </a:lnRef>
+          <a:fillRef idx="1">
+            <a:schemeClr val="accent1"/>
+          </a:fillRef>
+          <a:effectRef idx="0">
+            <a:schemeClr val="accent1"/>
+          </a:effectRef>
+          <a:fontRef idx="minor">
+            <a:schemeClr val="lt1"/>
+          </a:fontRef>
+        </p:style>
+        <p:txBody>
+          <a:bodyPr rtlCol="0" anchor="ctr"/>
+          <a:lstStyle/>
+          <a:p>
+            <a:pPr algn="ctr"/>
+            <a:endParaRPr lang="en-US">
+              <a:solidFill>
+                <a:schemeClr val="tx1"/>
+              </a:solidFill>
+            </a:endParaRPr>
+          </a:p>
+        </p:txBody>
+      </p:sp>
+      <p:sp>
+        <p:nvSpPr>
+          <p:cNvPr id="42" name="Rounded Rectangle 41"/>
+          <p:cNvSpPr/>
+          <p:nvPr/>
+        </p:nvSpPr>
+        <p:spPr>
+          <a:xfrm>
+            <a:off x="6936368" y="10776856"/>
+            <a:ext cx="7330012" cy="6691994"/>
+          </a:xfrm>
+          <a:prstGeom prst="roundRect">
+            <a:avLst>
+              <a:gd name="adj" fmla="val 4711"/>
+            </a:avLst>
+          </a:prstGeom>
+          <a:noFill/>
+        </p:spPr>
+        <p:style>
+          <a:lnRef idx="2">
+            <a:schemeClr val="accent1">
+              <a:shade val="50000"/>
+            </a:schemeClr>
+          </a:lnRef>
+          <a:fillRef idx="1">
+            <a:schemeClr val="accent1"/>
+          </a:fillRef>
+          <a:effectRef idx="0">
+            <a:schemeClr val="accent1"/>
+          </a:effectRef>
+          <a:fontRef idx="minor">
+            <a:schemeClr val="lt1"/>
+          </a:fontRef>
+        </p:style>
+        <p:txBody>
+          <a:bodyPr rtlCol="0" anchor="ctr"/>
+          <a:lstStyle/>
+          <a:p>
+            <a:pPr algn="ctr"/>
+            <a:endParaRPr lang="en-US"/>
+          </a:p>
+        </p:txBody>
+      </p:sp>
+      <p:sp>
+        <p:nvSpPr>
+          <p:cNvPr id="43" name="Rounded Rectangle 42"/>
+          <p:cNvSpPr/>
+          <p:nvPr/>
+        </p:nvSpPr>
+        <p:spPr>
+          <a:xfrm>
+            <a:off x="14331255" y="10776856"/>
+            <a:ext cx="7261919" cy="6691994"/>
+          </a:xfrm>
+          <a:prstGeom prst="roundRect">
+            <a:avLst>
+              <a:gd name="adj" fmla="val 6141"/>
+            </a:avLst>
+          </a:prstGeom>
+          <a:noFill/>
+        </p:spPr>
+        <p:style>
+          <a:lnRef idx="2">
+            <a:schemeClr val="accent1">
+              <a:shade val="50000"/>
+            </a:schemeClr>
+          </a:lnRef>
+          <a:fillRef idx="1">
+            <a:schemeClr val="accent1"/>
+          </a:fillRef>
+          <a:effectRef idx="0">
+            <a:schemeClr val="accent1"/>
+          </a:effectRef>
+          <a:fontRef idx="minor">
+            <a:schemeClr val="lt1"/>
+          </a:fontRef>
+        </p:style>
+        <p:txBody>
+          <a:bodyPr rtlCol="0" anchor="ctr"/>
+          <a:lstStyle/>
+          <a:p>
+            <a:pPr algn="ctr"/>
+            <a:endParaRPr lang="en-US"/>
+          </a:p>
+        </p:txBody>
+      </p:sp>
+      <p:sp>
+        <p:nvSpPr>
+          <p:cNvPr id="16" name="TextBox 15"/>
+          <p:cNvSpPr txBox="1"/>
+          <p:nvPr/>
+        </p:nvSpPr>
+        <p:spPr>
+          <a:xfrm>
+            <a:off x="1570350" y="10804223"/>
+            <a:ext cx="4210051" cy="584775"/>
+          </a:xfrm>
+          <a:prstGeom prst="rect">
+            <a:avLst/>
+          </a:prstGeom>
+          <a:noFill/>
+        </p:spPr>
+        <p:txBody>
+          <a:bodyPr wrap="square" rtlCol="0">
+            <a:spAutoFit/>
+          </a:bodyPr>
+          <a:lstStyle/>
+          <a:p>
+            <a:r>
+              <a:rPr lang="en-US" sz="3200" dirty="0" smtClean="0"/>
+              <a:t>Stage 1: Data Collection</a:t>
+            </a:r>
+            <a:endParaRPr lang="en-US" sz="3200" dirty="0"/>
+          </a:p>
+        </p:txBody>
+      </p:sp>
+      <p:sp>
+        <p:nvSpPr>
+          <p:cNvPr id="46" name="TextBox 45"/>
+          <p:cNvSpPr txBox="1"/>
+          <p:nvPr/>
+        </p:nvSpPr>
+        <p:spPr>
+          <a:xfrm>
+            <a:off x="7828131" y="10815253"/>
+            <a:ext cx="5546486" cy="584775"/>
+          </a:xfrm>
+          <a:prstGeom prst="rect">
+            <a:avLst/>
+          </a:prstGeom>
+          <a:noFill/>
+        </p:spPr>
+        <p:txBody>
+          <a:bodyPr wrap="square" rtlCol="0">
+            <a:spAutoFit/>
+          </a:bodyPr>
+          <a:lstStyle/>
+          <a:p>
+            <a:r>
+              <a:rPr lang="en-US" sz="3200" dirty="0" smtClean="0"/>
+              <a:t>Stage 2: Unsupervised Learning</a:t>
+            </a:r>
+            <a:endParaRPr lang="en-US" sz="3200" dirty="0"/>
+          </a:p>
+        </p:txBody>
+      </p:sp>
+      <p:sp>
+        <p:nvSpPr>
+          <p:cNvPr id="47" name="TextBox 46"/>
+          <p:cNvSpPr txBox="1"/>
+          <p:nvPr/>
+        </p:nvSpPr>
+        <p:spPr>
+          <a:xfrm>
+            <a:off x="14655911" y="10863949"/>
+            <a:ext cx="6521791" cy="584775"/>
+          </a:xfrm>
+          <a:prstGeom prst="rect">
+            <a:avLst/>
+          </a:prstGeom>
+          <a:noFill/>
+        </p:spPr>
+        <p:txBody>
+          <a:bodyPr wrap="square" rtlCol="0">
+            <a:spAutoFit/>
+          </a:bodyPr>
+          <a:lstStyle/>
+          <a:p>
+            <a:r>
+              <a:rPr lang="en-US" sz="3200" dirty="0" smtClean="0"/>
+              <a:t>Stage 3: Code Analytics and Prediction</a:t>
+            </a:r>
+            <a:endParaRPr lang="en-US" sz="3200" dirty="0"/>
+          </a:p>
+        </p:txBody>
+      </p:sp>
+      <p:sp>
+        <p:nvSpPr>
+          <p:cNvPr id="48" name="8 CuadroTexto"/>
+          <p:cNvSpPr txBox="1"/>
+          <p:nvPr/>
+        </p:nvSpPr>
+        <p:spPr>
+          <a:xfrm>
+            <a:off x="26033383" y="17656637"/>
+            <a:ext cx="13833987" cy="1323439"/>
+          </a:xfrm>
+          <a:prstGeom prst="rect">
+            <a:avLst/>
+          </a:prstGeom>
+          <a:noFill/>
+        </p:spPr>
+        <p:txBody>
+          <a:bodyPr wrap="square" rtlCol="0">
+            <a:spAutoFit/>
+          </a:bodyPr>
+          <a:lstStyle/>
+          <a:p>
+            <a:pPr algn="ctr"/>
+            <a:r>
+              <a:rPr lang="en-US" sz="8000" dirty="0" smtClean="0">
+                <a:ln w="18415" cmpd="sng">
+                  <a:noFill/>
+                  <a:prstDash val="solid"/>
+                </a:ln>
+                <a:effectLst>
+                  <a:outerShdw blurRad="63500" dir="3600000" algn="tl" rotWithShape="0">
+                    <a:srgbClr val="000000">
+                      <a:alpha val="70000"/>
+                    </a:srgbClr>
+                  </a:outerShdw>
+                </a:effectLst>
+                <a:cs typeface="Times New Roman" panose="02020603050405020304" pitchFamily="18" charset="0"/>
+              </a:rPr>
+              <a:t>Admin Dashboard Visualization</a:t>
+            </a:r>
+            <a:endParaRPr lang="en-US" sz="8000" dirty="0">
+              <a:ln w="18415" cmpd="sng">
+                <a:noFill/>
+                <a:prstDash val="solid"/>
+              </a:ln>
+              <a:effectLst>
+                <a:outerShdw blurRad="63500" dir="3600000" algn="tl" rotWithShape="0">
+                  <a:srgbClr val="000000">
+                    <a:alpha val="70000"/>
+                  </a:srgbClr>
+                </a:outerShdw>
+              </a:effectLst>
+              <a:cs typeface="Times New Roman" panose="02020603050405020304" pitchFamily="18" charset="0"/>
+            </a:endParaRPr>
+          </a:p>
+        </p:txBody>
+      </p:sp>
+      <p:sp>
+        <p:nvSpPr>
+          <p:cNvPr id="49" name="8 CuadroTexto"/>
+          <p:cNvSpPr txBox="1"/>
+          <p:nvPr/>
+        </p:nvSpPr>
+        <p:spPr>
+          <a:xfrm>
+            <a:off x="6139102" y="30548091"/>
+            <a:ext cx="8924544" cy="1323439"/>
+          </a:xfrm>
+          <a:prstGeom prst="rect">
+            <a:avLst/>
+          </a:prstGeom>
+          <a:noFill/>
+        </p:spPr>
+        <p:txBody>
+          <a:bodyPr wrap="square" rtlCol="0">
+            <a:spAutoFit/>
+          </a:bodyPr>
+          <a:lstStyle/>
+          <a:p>
+            <a:pPr algn="ctr"/>
+            <a:r>
+              <a:rPr lang="en-US" sz="8000" dirty="0" smtClean="0">
+                <a:ln w="18415" cmpd="sng">
+                  <a:noFill/>
+                  <a:prstDash val="solid"/>
+                </a:ln>
+                <a:effectLst>
+                  <a:outerShdw blurRad="63500" dir="3600000" algn="tl" rotWithShape="0">
+                    <a:srgbClr val="000000">
+                      <a:alpha val="70000"/>
+                    </a:srgbClr>
+                  </a:outerShdw>
+                </a:effectLst>
+                <a:cs typeface="Times New Roman" panose="02020603050405020304" pitchFamily="18" charset="0"/>
+              </a:rPr>
+              <a:t>Mobile Visualization</a:t>
+            </a:r>
+            <a:endParaRPr lang="en-US" sz="8000" dirty="0">
+              <a:ln w="18415" cmpd="sng">
+                <a:noFill/>
+                <a:prstDash val="solid"/>
+              </a:ln>
+              <a:effectLst>
+                <a:outerShdw blurRad="63500" dir="3600000" algn="tl" rotWithShape="0">
+                  <a:srgbClr val="000000">
+                    <a:alpha val="70000"/>
+                  </a:srgbClr>
+                </a:outerShdw>
+              </a:effectLst>
+              <a:cs typeface="Times New Roman" panose="02020603050405020304" pitchFamily="18" charset="0"/>
+            </a:endParaRPr>
+          </a:p>
+        </p:txBody>
+      </p:sp>
+      <p:sp>
+        <p:nvSpPr>
+          <p:cNvPr id="50" name="8 CuadroTexto"/>
+          <p:cNvSpPr txBox="1"/>
+          <p:nvPr/>
+        </p:nvSpPr>
+        <p:spPr>
+          <a:xfrm>
+            <a:off x="28488105" y="30502354"/>
+            <a:ext cx="8924544" cy="1323439"/>
+          </a:xfrm>
+          <a:prstGeom prst="rect">
+            <a:avLst/>
+          </a:prstGeom>
+          <a:noFill/>
+        </p:spPr>
+        <p:txBody>
+          <a:bodyPr wrap="square" rtlCol="0">
+            <a:spAutoFit/>
+          </a:bodyPr>
+          <a:lstStyle/>
+          <a:p>
+            <a:pPr algn="ctr"/>
+            <a:r>
+              <a:rPr lang="en-US" sz="8000" dirty="0" smtClean="0">
+                <a:ln w="18415" cmpd="sng">
+                  <a:noFill/>
+                  <a:prstDash val="solid"/>
+                </a:ln>
+                <a:effectLst>
+                  <a:outerShdw blurRad="63500" dir="3600000" algn="tl" rotWithShape="0">
+                    <a:srgbClr val="000000">
+                      <a:alpha val="70000"/>
+                    </a:srgbClr>
+                  </a:outerShdw>
+                </a:effectLst>
+                <a:cs typeface="Times New Roman" panose="02020603050405020304" pitchFamily="18" charset="0"/>
+              </a:rPr>
+              <a:t>Recommendations</a:t>
+            </a:r>
+            <a:endParaRPr lang="en-US" sz="8000" dirty="0">
+              <a:ln w="18415" cmpd="sng">
+                <a:noFill/>
+                <a:prstDash val="solid"/>
+              </a:ln>
+              <a:effectLst>
+                <a:outerShdw blurRad="63500" dir="3600000" algn="tl" rotWithShape="0">
+                  <a:srgbClr val="000000">
+                    <a:alpha val="70000"/>
+                  </a:srgbClr>
+                </a:outerShdw>
+              </a:effectLst>
+              <a:cs typeface="Times New Roman" panose="02020603050405020304" pitchFamily="18" charset="0"/>
+            </a:endParaRPr>
+          </a:p>
+        </p:txBody>
+      </p:sp>
+      <p:pic>
+        <p:nvPicPr>
+          <p:cNvPr id="20" name="Picture 19" descr="Screen Clipping"/>
+          <p:cNvPicPr>
+            <a:picLocks noChangeAspect="1"/>
+          </p:cNvPicPr>
+          <p:nvPr/>
+        </p:nvPicPr>
+        <p:blipFill>
+          <a:blip r:embed="rId15">
+            <a:extLst>
+              <a:ext uri="{28A0092B-C50C-407E-A947-70E740481C1C}">
+                <a14:useLocalDpi xmlns:a14="http://schemas.microsoft.com/office/drawing/2010/main" val="0"/>
+              </a:ext>
+            </a:extLst>
+          </a:blip>
+          <a:stretch>
+            <a:fillRect/>
+          </a:stretch>
+        </p:blipFill>
+        <p:spPr>
+          <a:xfrm>
+            <a:off x="22625543" y="6413424"/>
+            <a:ext cx="20587231" cy="10847386"/>
+          </a:xfrm>
+          <a:prstGeom prst="rect">
+            <a:avLst/>
+          </a:prstGeom>
+        </p:spPr>
+      </p:pic>
+      <p:pic>
+        <p:nvPicPr>
+          <p:cNvPr id="21" name="Picture 20"/>
+          <p:cNvPicPr>
+            <a:picLocks noChangeAspect="1"/>
+          </p:cNvPicPr>
+          <p:nvPr/>
+        </p:nvPicPr>
+        <p:blipFill>
+          <a:blip r:embed="rId16">
+            <a:extLst>
+              <a:ext uri="{28A0092B-C50C-407E-A947-70E740481C1C}">
+                <a14:useLocalDpi xmlns:a14="http://schemas.microsoft.com/office/drawing/2010/main" val="0"/>
+              </a:ext>
+            </a:extLst>
+          </a:blip>
+          <a:stretch>
+            <a:fillRect/>
+          </a:stretch>
+        </p:blipFill>
+        <p:spPr>
+          <a:xfrm>
+            <a:off x="2655192" y="19908419"/>
+            <a:ext cx="15486105" cy="9310664"/>
           </a:xfrm>
           <a:prstGeom prst="rect">
             <a:avLst/>

--- a/documentation/posters/PosterSessionMITRE.pptx
+++ b/documentation/posters/PosterSessionMITRE.pptx
@@ -254,7 +254,7 @@
           <a:p>
             <a:fld id="{DFD128C4-98CE-46E2-91F4-BE933B3E29A8}" type="datetimeFigureOut">
               <a:rPr lang="en-US" smtClean="0"/>
-              <a:t>8/28/2015</a:t>
+              <a:t>8/30/2015</a:t>
             </a:fld>
             <a:endParaRPr lang="en-US" dirty="0"/>
           </a:p>
@@ -424,7 +424,7 @@
           <a:p>
             <a:fld id="{DFD128C4-98CE-46E2-91F4-BE933B3E29A8}" type="datetimeFigureOut">
               <a:rPr lang="en-US" smtClean="0"/>
-              <a:t>8/28/2015</a:t>
+              <a:t>8/30/2015</a:t>
             </a:fld>
             <a:endParaRPr lang="en-US" dirty="0"/>
           </a:p>
@@ -604,7 +604,7 @@
           <a:p>
             <a:fld id="{DFD128C4-98CE-46E2-91F4-BE933B3E29A8}" type="datetimeFigureOut">
               <a:rPr lang="en-US" smtClean="0"/>
-              <a:t>8/28/2015</a:t>
+              <a:t>8/30/2015</a:t>
             </a:fld>
             <a:endParaRPr lang="en-US" dirty="0"/>
           </a:p>
@@ -774,7 +774,7 @@
           <a:p>
             <a:fld id="{DFD128C4-98CE-46E2-91F4-BE933B3E29A8}" type="datetimeFigureOut">
               <a:rPr lang="en-US" smtClean="0"/>
-              <a:t>8/28/2015</a:t>
+              <a:t>8/30/2015</a:t>
             </a:fld>
             <a:endParaRPr lang="en-US" dirty="0"/>
           </a:p>
@@ -1018,7 +1018,7 @@
           <a:p>
             <a:fld id="{DFD128C4-98CE-46E2-91F4-BE933B3E29A8}" type="datetimeFigureOut">
               <a:rPr lang="en-US" smtClean="0"/>
-              <a:t>8/28/2015</a:t>
+              <a:t>8/30/2015</a:t>
             </a:fld>
             <a:endParaRPr lang="en-US" dirty="0"/>
           </a:p>
@@ -1250,7 +1250,7 @@
           <a:p>
             <a:fld id="{DFD128C4-98CE-46E2-91F4-BE933B3E29A8}" type="datetimeFigureOut">
               <a:rPr lang="en-US" smtClean="0"/>
-              <a:t>8/28/2015</a:t>
+              <a:t>8/30/2015</a:t>
             </a:fld>
             <a:endParaRPr lang="en-US" dirty="0"/>
           </a:p>
@@ -1617,7 +1617,7 @@
           <a:p>
             <a:fld id="{DFD128C4-98CE-46E2-91F4-BE933B3E29A8}" type="datetimeFigureOut">
               <a:rPr lang="en-US" smtClean="0"/>
-              <a:t>8/28/2015</a:t>
+              <a:t>8/30/2015</a:t>
             </a:fld>
             <a:endParaRPr lang="en-US" dirty="0"/>
           </a:p>
@@ -1735,7 +1735,7 @@
           <a:p>
             <a:fld id="{DFD128C4-98CE-46E2-91F4-BE933B3E29A8}" type="datetimeFigureOut">
               <a:rPr lang="en-US" smtClean="0"/>
-              <a:t>8/28/2015</a:t>
+              <a:t>8/30/2015</a:t>
             </a:fld>
             <a:endParaRPr lang="en-US" dirty="0"/>
           </a:p>
@@ -1830,7 +1830,7 @@
           <a:p>
             <a:fld id="{DFD128C4-98CE-46E2-91F4-BE933B3E29A8}" type="datetimeFigureOut">
               <a:rPr lang="en-US" smtClean="0"/>
-              <a:t>8/28/2015</a:t>
+              <a:t>8/30/2015</a:t>
             </a:fld>
             <a:endParaRPr lang="en-US" dirty="0"/>
           </a:p>
@@ -2107,7 +2107,7 @@
           <a:p>
             <a:fld id="{DFD128C4-98CE-46E2-91F4-BE933B3E29A8}" type="datetimeFigureOut">
               <a:rPr lang="en-US" smtClean="0"/>
-              <a:t>8/28/2015</a:t>
+              <a:t>8/30/2015</a:t>
             </a:fld>
             <a:endParaRPr lang="en-US" dirty="0"/>
           </a:p>
@@ -2364,7 +2364,7 @@
           <a:p>
             <a:fld id="{DFD128C4-98CE-46E2-91F4-BE933B3E29A8}" type="datetimeFigureOut">
               <a:rPr lang="en-US" smtClean="0"/>
-              <a:t>8/28/2015</a:t>
+              <a:t>8/30/2015</a:t>
             </a:fld>
             <a:endParaRPr lang="en-US" dirty="0"/>
           </a:p>
@@ -2577,7 +2577,7 @@
           <a:p>
             <a:fld id="{DFD128C4-98CE-46E2-91F4-BE933B3E29A8}" type="datetimeFigureOut">
               <a:rPr lang="en-US" smtClean="0"/>
-              <a:t>8/28/2015</a:t>
+              <a:t>8/30/2015</a:t>
             </a:fld>
             <a:endParaRPr lang="en-US" dirty="0"/>
           </a:p>
@@ -3384,7 +3384,41 @@
                 </a:effectLst>
                 <a:cs typeface="Times New Roman" panose="02020603050405020304" pitchFamily="18" charset="0"/>
               </a:rPr>
-              <a:t>Heimdall informs users and admins on potentially dangerous apps</a:t>
+              <a:t>Heimdall informs mobile users and </a:t>
+            </a:r>
+            <a:r>
+              <a:rPr lang="en-US" sz="8000" dirty="0" err="1" smtClean="0">
+                <a:ln w="18415" cmpd="sng">
+                  <a:noFill/>
+                  <a:prstDash val="solid"/>
+                </a:ln>
+                <a:effectLst>
+                  <a:outerShdw blurRad="63500" dir="3600000" algn="tl" rotWithShape="0">
+                    <a:srgbClr val="000000">
+                      <a:alpha val="70000"/>
+                    </a:srgbClr>
+                  </a:outerShdw>
+                </a:effectLst>
+                <a:cs typeface="Times New Roman" panose="02020603050405020304" pitchFamily="18" charset="0"/>
+              </a:rPr>
+              <a:t>sysadmins</a:t>
+            </a:r>
+            <a:r>
+              <a:rPr lang="en-US" sz="8000" dirty="0" smtClean="0">
+                <a:ln w="18415" cmpd="sng">
+                  <a:noFill/>
+                  <a:prstDash val="solid"/>
+                </a:ln>
+                <a:effectLst>
+                  <a:outerShdw blurRad="63500" dir="3600000" algn="tl" rotWithShape="0">
+                    <a:srgbClr val="000000">
+                      <a:alpha val="70000"/>
+                    </a:srgbClr>
+                  </a:outerShdw>
+                </a:effectLst>
+                <a:cs typeface="Times New Roman" panose="02020603050405020304" pitchFamily="18" charset="0"/>
+              </a:rPr>
+              <a:t> on potentially dangerous apps</a:t>
             </a:r>
             <a:endParaRPr lang="en-US" sz="8000" dirty="0">
               <a:ln w="18415" cmpd="sng">
@@ -3834,7 +3868,7 @@
       </p:sp>
       <p:pic>
         <p:nvPicPr>
-          <p:cNvPr id="35" name="Picture 34"/>
+          <p:cNvPr id="36" name="Picture 35"/>
           <p:cNvPicPr>
             <a:picLocks noChangeAspect="1"/>
           </p:cNvPicPr>
@@ -3854,7 +3888,7 @@
         </p:blipFill>
         <p:spPr>
           <a:xfrm>
-            <a:off x="446263" y="7711464"/>
+            <a:off x="18708914" y="7711464"/>
             <a:ext cx="2761975" cy="2761975"/>
           </a:xfrm>
           <a:prstGeom prst="rect">
@@ -3864,7 +3898,7 @@
       </p:pic>
       <p:pic>
         <p:nvPicPr>
-          <p:cNvPr id="36" name="Picture 35"/>
+          <p:cNvPr id="38" name="Picture 37"/>
           <p:cNvPicPr>
             <a:picLocks noChangeAspect="1"/>
           </p:cNvPicPr>
@@ -3884,24 +3918,117 @@
         </p:blipFill>
         <p:spPr>
           <a:xfrm>
-            <a:off x="18708914" y="7711464"/>
-            <a:ext cx="2761975" cy="2761975"/>
+            <a:off x="11679694" y="8133753"/>
+            <a:ext cx="2446555" cy="2446555"/>
           </a:xfrm>
           <a:prstGeom prst="rect">
             <a:avLst/>
           </a:prstGeom>
         </p:spPr>
       </p:pic>
+      <p:sp>
+        <p:nvSpPr>
+          <p:cNvPr id="41" name="Oval Callout 40"/>
+          <p:cNvSpPr/>
+          <p:nvPr/>
+        </p:nvSpPr>
+        <p:spPr>
+          <a:xfrm>
+            <a:off x="6371335" y="6860641"/>
+            <a:ext cx="4924932" cy="2171963"/>
+          </a:xfrm>
+          <a:prstGeom prst="wedgeEllipseCallout">
+            <a:avLst>
+              <a:gd name="adj1" fmla="val 60878"/>
+              <a:gd name="adj2" fmla="val 55033"/>
+            </a:avLst>
+          </a:prstGeom>
+          <a:solidFill>
+            <a:schemeClr val="accent6">
+              <a:lumMod val="40000"/>
+              <a:lumOff val="60000"/>
+            </a:schemeClr>
+          </a:solidFill>
+        </p:spPr>
+        <p:style>
+          <a:lnRef idx="2">
+            <a:schemeClr val="accent1">
+              <a:shade val="50000"/>
+            </a:schemeClr>
+          </a:lnRef>
+          <a:fillRef idx="1">
+            <a:schemeClr val="accent1"/>
+          </a:fillRef>
+          <a:effectRef idx="0">
+            <a:schemeClr val="accent1"/>
+          </a:effectRef>
+          <a:fontRef idx="minor">
+            <a:schemeClr val="lt1"/>
+          </a:fontRef>
+        </p:style>
+        <p:txBody>
+          <a:bodyPr rtlCol="0" anchor="ctr"/>
+          <a:lstStyle/>
+          <a:p>
+            <a:pPr algn="ctr"/>
+            <a:r>
+              <a:rPr lang="en-US" sz="3200" dirty="0" smtClean="0">
+                <a:solidFill>
+                  <a:schemeClr val="tx1"/>
+                </a:solidFill>
+                <a:effectLst>
+                  <a:outerShdw blurRad="38100" dist="38100" dir="2700000" algn="tl">
+                    <a:srgbClr val="000000">
+                      <a:alpha val="43137"/>
+                    </a:srgbClr>
+                  </a:outerShdw>
+                </a:effectLst>
+              </a:rPr>
+              <a:t>Hi! I am Heimdall!</a:t>
+            </a:r>
+          </a:p>
+          <a:p>
+            <a:pPr algn="ctr"/>
+            <a:r>
+              <a:rPr lang="en-US" sz="3200" dirty="0" smtClean="0">
+                <a:solidFill>
+                  <a:schemeClr val="tx1"/>
+                </a:solidFill>
+                <a:effectLst>
+                  <a:outerShdw blurRad="38100" dist="38100" dir="2700000" algn="tl">
+                    <a:srgbClr val="000000">
+                      <a:alpha val="43137"/>
+                    </a:srgbClr>
+                  </a:outerShdw>
+                </a:effectLst>
+              </a:rPr>
+              <a:t>I am here to protect you!</a:t>
+            </a:r>
+            <a:endParaRPr lang="en-US" sz="3200" dirty="0">
+              <a:solidFill>
+                <a:schemeClr val="tx1"/>
+              </a:solidFill>
+              <a:effectLst>
+                <a:outerShdw blurRad="38100" dist="38100" dir="2700000" algn="tl">
+                  <a:srgbClr val="000000">
+                    <a:alpha val="43137"/>
+                  </a:srgbClr>
+                </a:outerShdw>
+              </a:effectLst>
+            </a:endParaRPr>
+          </a:p>
+        </p:txBody>
+      </p:sp>
       <p:pic>
         <p:nvPicPr>
-          <p:cNvPr id="38" name="Picture 37"/>
+          <p:cNvPr id="45" name="Picture 44"/>
           <p:cNvPicPr>
             <a:picLocks noChangeAspect="1"/>
           </p:cNvPicPr>
           <p:nvPr/>
         </p:nvPicPr>
         <p:blipFill>
-          <a:blip r:embed="rId7" cstate="print">
+          <a:blip r:embed="rId7">
             <a:extLst>
               <a:ext uri="{28A0092B-C50C-407E-A947-70E740481C1C}">
                 <a14:useLocalDpi xmlns:a14="http://schemas.microsoft.com/office/drawing/2010/main" val="0"/>
@@ -3914,8 +4041,963 @@
         </p:blipFill>
         <p:spPr>
           <a:xfrm>
-            <a:off x="11679694" y="8133753"/>
-            <a:ext cx="2446555" cy="2446555"/>
+            <a:off x="530115" y="13159902"/>
+            <a:ext cx="2907798" cy="2414021"/>
+          </a:xfrm>
+          <a:prstGeom prst="rect">
+            <a:avLst/>
+          </a:prstGeom>
+        </p:spPr>
+      </p:pic>
+      <p:pic>
+        <p:nvPicPr>
+          <p:cNvPr id="62" name="Picture 61"/>
+          <p:cNvPicPr>
+            <a:picLocks noChangeAspect="1"/>
+          </p:cNvPicPr>
+          <p:nvPr/>
+        </p:nvPicPr>
+        <p:blipFill>
+          <a:blip r:embed="rId8" cstate="print">
+            <a:extLst>
+              <a:ext uri="{28A0092B-C50C-407E-A947-70E740481C1C}">
+                <a14:useLocalDpi xmlns:a14="http://schemas.microsoft.com/office/drawing/2010/main" val="0"/>
+              </a:ext>
+            </a:extLst>
+          </a:blip>
+          <a:stretch>
+            <a:fillRect/>
+          </a:stretch>
+        </p:blipFill>
+        <p:spPr>
+          <a:xfrm>
+            <a:off x="4001139" y="11400028"/>
+            <a:ext cx="2903350" cy="3217009"/>
+          </a:xfrm>
+          <a:prstGeom prst="rect">
+            <a:avLst/>
+          </a:prstGeom>
+        </p:spPr>
+      </p:pic>
+      <p:pic>
+        <p:nvPicPr>
+          <p:cNvPr id="63" name="Picture 62"/>
+          <p:cNvPicPr>
+            <a:picLocks noChangeAspect="1"/>
+          </p:cNvPicPr>
+          <p:nvPr/>
+        </p:nvPicPr>
+        <p:blipFill>
+          <a:blip r:embed="rId9" cstate="print">
+            <a:extLst>
+              <a:ext uri="{28A0092B-C50C-407E-A947-70E740481C1C}">
+                <a14:useLocalDpi xmlns:a14="http://schemas.microsoft.com/office/drawing/2010/main" val="0"/>
+              </a:ext>
+            </a:extLst>
+          </a:blip>
+          <a:stretch>
+            <a:fillRect/>
+          </a:stretch>
+        </p:blipFill>
+        <p:spPr>
+          <a:xfrm>
+            <a:off x="446263" y="15450080"/>
+            <a:ext cx="4253835" cy="1526294"/>
+          </a:xfrm>
+          <a:prstGeom prst="rect">
+            <a:avLst/>
+          </a:prstGeom>
+        </p:spPr>
+      </p:pic>
+      <p:pic>
+        <p:nvPicPr>
+          <p:cNvPr id="6" name="Picture 5"/>
+          <p:cNvPicPr>
+            <a:picLocks noChangeAspect="1"/>
+          </p:cNvPicPr>
+          <p:nvPr/>
+        </p:nvPicPr>
+        <p:blipFill>
+          <a:blip r:embed="rId10">
+            <a:extLst>
+              <a:ext uri="{28A0092B-C50C-407E-A947-70E740481C1C}">
+                <a14:useLocalDpi xmlns:a14="http://schemas.microsoft.com/office/drawing/2010/main" val="0"/>
+              </a:ext>
+            </a:extLst>
+          </a:blip>
+          <a:stretch>
+            <a:fillRect/>
+          </a:stretch>
+        </p:blipFill>
+        <p:spPr>
+          <a:xfrm>
+            <a:off x="6978632" y="14332050"/>
+            <a:ext cx="2639060" cy="2996348"/>
+          </a:xfrm>
+          <a:prstGeom prst="rect">
+            <a:avLst/>
+          </a:prstGeom>
+        </p:spPr>
+      </p:pic>
+      <p:sp>
+        <p:nvSpPr>
+          <p:cNvPr id="7" name="Bent Arrow 6"/>
+          <p:cNvSpPr/>
+          <p:nvPr/>
+        </p:nvSpPr>
+        <p:spPr>
+          <a:xfrm>
+            <a:off x="1181099" y="11925410"/>
+            <a:ext cx="2820039" cy="1085101"/>
+          </a:xfrm>
+          <a:prstGeom prst="bentArrow">
+            <a:avLst>
+              <a:gd name="adj1" fmla="val 25000"/>
+              <a:gd name="adj2" fmla="val 25000"/>
+              <a:gd name="adj3" fmla="val 25000"/>
+              <a:gd name="adj4" fmla="val 31461"/>
+            </a:avLst>
+          </a:prstGeom>
+          <a:solidFill>
+            <a:schemeClr val="accent1">
+              <a:lumMod val="60000"/>
+              <a:lumOff val="40000"/>
+            </a:schemeClr>
+          </a:solidFill>
+        </p:spPr>
+        <p:style>
+          <a:lnRef idx="2">
+            <a:schemeClr val="accent1">
+              <a:shade val="50000"/>
+            </a:schemeClr>
+          </a:lnRef>
+          <a:fillRef idx="1">
+            <a:schemeClr val="accent1"/>
+          </a:fillRef>
+          <a:effectRef idx="0">
+            <a:schemeClr val="accent1"/>
+          </a:effectRef>
+          <a:fontRef idx="minor">
+            <a:schemeClr val="lt1"/>
+          </a:fontRef>
+        </p:style>
+        <p:txBody>
+          <a:bodyPr rtlCol="0" anchor="ctr"/>
+          <a:lstStyle/>
+          <a:p>
+            <a:pPr algn="ctr"/>
+            <a:endParaRPr lang="en-US">
+              <a:solidFill>
+                <a:schemeClr val="tx1"/>
+              </a:solidFill>
+            </a:endParaRPr>
+          </a:p>
+        </p:txBody>
+      </p:sp>
+      <p:sp>
+        <p:nvSpPr>
+          <p:cNvPr id="8" name="Bent Arrow 7"/>
+          <p:cNvSpPr/>
+          <p:nvPr/>
+        </p:nvSpPr>
+        <p:spPr>
+          <a:xfrm rot="10800000" flipH="1">
+            <a:off x="5549287" y="14488186"/>
+            <a:ext cx="1371600" cy="2218663"/>
+          </a:xfrm>
+          <a:prstGeom prst="bentArrow">
+            <a:avLst>
+              <a:gd name="adj1" fmla="val 21081"/>
+              <a:gd name="adj2" fmla="val 21021"/>
+              <a:gd name="adj3" fmla="val 25000"/>
+              <a:gd name="adj4" fmla="val 21426"/>
+            </a:avLst>
+          </a:prstGeom>
+          <a:solidFill>
+            <a:schemeClr val="accent1">
+              <a:lumMod val="40000"/>
+              <a:lumOff val="60000"/>
+            </a:schemeClr>
+          </a:solidFill>
+        </p:spPr>
+        <p:style>
+          <a:lnRef idx="2">
+            <a:schemeClr val="accent1">
+              <a:shade val="50000"/>
+            </a:schemeClr>
+          </a:lnRef>
+          <a:fillRef idx="1">
+            <a:schemeClr val="accent1"/>
+          </a:fillRef>
+          <a:effectRef idx="0">
+            <a:schemeClr val="accent1"/>
+          </a:effectRef>
+          <a:fontRef idx="minor">
+            <a:schemeClr val="lt1"/>
+          </a:fontRef>
+        </p:style>
+        <p:txBody>
+          <a:bodyPr rtlCol="0" anchor="ctr"/>
+          <a:lstStyle/>
+          <a:p>
+            <a:pPr algn="ctr"/>
+            <a:endParaRPr lang="en-US">
+              <a:solidFill>
+                <a:schemeClr val="tx1"/>
+              </a:solidFill>
+            </a:endParaRPr>
+          </a:p>
+        </p:txBody>
+      </p:sp>
+      <p:sp>
+        <p:nvSpPr>
+          <p:cNvPr id="33" name="Bent Arrow 32"/>
+          <p:cNvSpPr/>
+          <p:nvPr/>
+        </p:nvSpPr>
+        <p:spPr>
+          <a:xfrm rot="5400000" flipH="1">
+            <a:off x="10528777" y="14685393"/>
+            <a:ext cx="1371600" cy="3078935"/>
+          </a:xfrm>
+          <a:prstGeom prst="bentArrow">
+            <a:avLst>
+              <a:gd name="adj1" fmla="val 21408"/>
+              <a:gd name="adj2" fmla="val 21021"/>
+              <a:gd name="adj3" fmla="val 25000"/>
+              <a:gd name="adj4" fmla="val 31778"/>
+            </a:avLst>
+          </a:prstGeom>
+          <a:solidFill>
+            <a:schemeClr val="accent1">
+              <a:lumMod val="40000"/>
+              <a:lumOff val="60000"/>
+            </a:schemeClr>
+          </a:solidFill>
+        </p:spPr>
+        <p:style>
+          <a:lnRef idx="2">
+            <a:schemeClr val="accent1">
+              <a:shade val="50000"/>
+            </a:schemeClr>
+          </a:lnRef>
+          <a:fillRef idx="1">
+            <a:schemeClr val="accent1"/>
+          </a:fillRef>
+          <a:effectRef idx="0">
+            <a:schemeClr val="accent1"/>
+          </a:effectRef>
+          <a:fontRef idx="minor">
+            <a:schemeClr val="lt1"/>
+          </a:fontRef>
+        </p:style>
+        <p:txBody>
+          <a:bodyPr rtlCol="0" anchor="ctr"/>
+          <a:lstStyle/>
+          <a:p>
+            <a:pPr algn="ctr"/>
+            <a:endParaRPr lang="en-US">
+              <a:solidFill>
+                <a:schemeClr val="tx1"/>
+              </a:solidFill>
+            </a:endParaRPr>
+          </a:p>
+        </p:txBody>
+      </p:sp>
+      <p:pic>
+        <p:nvPicPr>
+          <p:cNvPr id="9" name="Picture 8"/>
+          <p:cNvPicPr>
+            <a:picLocks noChangeAspect="1"/>
+          </p:cNvPicPr>
+          <p:nvPr/>
+        </p:nvPicPr>
+        <p:blipFill>
+          <a:blip r:embed="rId11">
+            <a:extLst>
+              <a:ext uri="{28A0092B-C50C-407E-A947-70E740481C1C}">
+                <a14:useLocalDpi xmlns:a14="http://schemas.microsoft.com/office/drawing/2010/main" val="0"/>
+              </a:ext>
+            </a:extLst>
+          </a:blip>
+          <a:stretch>
+            <a:fillRect/>
+          </a:stretch>
+        </p:blipFill>
+        <p:spPr>
+          <a:xfrm>
+            <a:off x="10131789" y="11925410"/>
+            <a:ext cx="4134591" cy="3702050"/>
+          </a:xfrm>
+          <a:prstGeom prst="rect">
+            <a:avLst/>
+          </a:prstGeom>
+        </p:spPr>
+      </p:pic>
+      <p:sp>
+        <p:nvSpPr>
+          <p:cNvPr id="37" name="Bent Arrow 36"/>
+          <p:cNvSpPr/>
+          <p:nvPr/>
+        </p:nvSpPr>
+        <p:spPr>
+          <a:xfrm rot="5400000">
+            <a:off x="15159869" y="12696023"/>
+            <a:ext cx="1371600" cy="2830808"/>
+          </a:xfrm>
+          <a:prstGeom prst="bentArrow">
+            <a:avLst>
+              <a:gd name="adj1" fmla="val 25000"/>
+              <a:gd name="adj2" fmla="val 24725"/>
+              <a:gd name="adj3" fmla="val 25000"/>
+              <a:gd name="adj4" fmla="val 29861"/>
+            </a:avLst>
+          </a:prstGeom>
+          <a:solidFill>
+            <a:schemeClr val="accent1">
+              <a:lumMod val="40000"/>
+              <a:lumOff val="60000"/>
+            </a:schemeClr>
+          </a:solidFill>
+        </p:spPr>
+        <p:style>
+          <a:lnRef idx="2">
+            <a:schemeClr val="accent1">
+              <a:shade val="50000"/>
+            </a:schemeClr>
+          </a:lnRef>
+          <a:fillRef idx="1">
+            <a:schemeClr val="accent1"/>
+          </a:fillRef>
+          <a:effectRef idx="0">
+            <a:schemeClr val="accent1"/>
+          </a:effectRef>
+          <a:fontRef idx="minor">
+            <a:schemeClr val="lt1"/>
+          </a:fontRef>
+        </p:style>
+        <p:txBody>
+          <a:bodyPr rtlCol="0" anchor="ctr"/>
+          <a:lstStyle/>
+          <a:p>
+            <a:pPr algn="ctr"/>
+            <a:endParaRPr lang="en-US">
+              <a:solidFill>
+                <a:schemeClr val="tx1"/>
+              </a:solidFill>
+            </a:endParaRPr>
+          </a:p>
+        </p:txBody>
+      </p:sp>
+      <p:pic>
+        <p:nvPicPr>
+          <p:cNvPr id="11" name="Picture 10"/>
+          <p:cNvPicPr>
+            <a:picLocks noChangeAspect="1"/>
+          </p:cNvPicPr>
+          <p:nvPr/>
+        </p:nvPicPr>
+        <p:blipFill>
+          <a:blip r:embed="rId12">
+            <a:extLst>
+              <a:ext uri="{28A0092B-C50C-407E-A947-70E740481C1C}">
+                <a14:useLocalDpi xmlns:a14="http://schemas.microsoft.com/office/drawing/2010/main" val="0"/>
+              </a:ext>
+            </a:extLst>
+          </a:blip>
+          <a:stretch>
+            <a:fillRect/>
+          </a:stretch>
+        </p:blipFill>
+        <p:spPr>
+          <a:xfrm>
+            <a:off x="14780478" y="14948935"/>
+            <a:ext cx="3708471" cy="2006222"/>
+          </a:xfrm>
+          <a:prstGeom prst="rect">
+            <a:avLst/>
+          </a:prstGeom>
+        </p:spPr>
+      </p:pic>
+      <p:pic>
+        <p:nvPicPr>
+          <p:cNvPr id="12" name="Picture 11"/>
+          <p:cNvPicPr>
+            <a:picLocks noChangeAspect="1"/>
+          </p:cNvPicPr>
+          <p:nvPr/>
+        </p:nvPicPr>
+        <p:blipFill>
+          <a:blip r:embed="rId13" cstate="print">
+            <a:extLst>
+              <a:ext uri="{28A0092B-C50C-407E-A947-70E740481C1C}">
+                <a14:useLocalDpi xmlns:a14="http://schemas.microsoft.com/office/drawing/2010/main" val="0"/>
+              </a:ext>
+            </a:extLst>
+          </a:blip>
+          <a:stretch>
+            <a:fillRect/>
+          </a:stretch>
+        </p:blipFill>
+        <p:spPr>
+          <a:xfrm>
+            <a:off x="19339729" y="11837117"/>
+            <a:ext cx="2162629" cy="1800755"/>
+          </a:xfrm>
+          <a:prstGeom prst="rect">
+            <a:avLst/>
+          </a:prstGeom>
+        </p:spPr>
+      </p:pic>
+      <p:sp>
+        <p:nvSpPr>
+          <p:cNvPr id="40" name="Bent Arrow 39"/>
+          <p:cNvSpPr/>
+          <p:nvPr/>
+        </p:nvSpPr>
+        <p:spPr>
+          <a:xfrm rot="5400000" flipH="1">
+            <a:off x="19324798" y="13137184"/>
+            <a:ext cx="1371600" cy="2603367"/>
+          </a:xfrm>
+          <a:prstGeom prst="bentArrow">
+            <a:avLst>
+              <a:gd name="adj1" fmla="val 24054"/>
+              <a:gd name="adj2" fmla="val 26397"/>
+              <a:gd name="adj3" fmla="val 24440"/>
+              <a:gd name="adj4" fmla="val 21152"/>
+            </a:avLst>
+          </a:prstGeom>
+          <a:solidFill>
+            <a:schemeClr val="accent1">
+              <a:lumMod val="40000"/>
+              <a:lumOff val="60000"/>
+            </a:schemeClr>
+          </a:solidFill>
+        </p:spPr>
+        <p:style>
+          <a:lnRef idx="2">
+            <a:schemeClr val="accent1">
+              <a:shade val="50000"/>
+            </a:schemeClr>
+          </a:lnRef>
+          <a:fillRef idx="1">
+            <a:schemeClr val="accent1"/>
+          </a:fillRef>
+          <a:effectRef idx="0">
+            <a:schemeClr val="accent1"/>
+          </a:effectRef>
+          <a:fontRef idx="minor">
+            <a:schemeClr val="lt1"/>
+          </a:fontRef>
+        </p:style>
+        <p:txBody>
+          <a:bodyPr rtlCol="0" anchor="ctr"/>
+          <a:lstStyle/>
+          <a:p>
+            <a:pPr algn="ctr"/>
+            <a:endParaRPr lang="en-US">
+              <a:solidFill>
+                <a:schemeClr val="tx1"/>
+              </a:solidFill>
+            </a:endParaRPr>
+          </a:p>
+        </p:txBody>
+      </p:sp>
+      <p:sp>
+        <p:nvSpPr>
+          <p:cNvPr id="42" name="Rounded Rectangle 41"/>
+          <p:cNvSpPr/>
+          <p:nvPr/>
+        </p:nvSpPr>
+        <p:spPr>
+          <a:xfrm>
+            <a:off x="6936368" y="10776856"/>
+            <a:ext cx="7330012" cy="6691994"/>
+          </a:xfrm>
+          <a:prstGeom prst="roundRect">
+            <a:avLst>
+              <a:gd name="adj" fmla="val 4711"/>
+            </a:avLst>
+          </a:prstGeom>
+          <a:noFill/>
+        </p:spPr>
+        <p:style>
+          <a:lnRef idx="2">
+            <a:schemeClr val="accent1">
+              <a:shade val="50000"/>
+            </a:schemeClr>
+          </a:lnRef>
+          <a:fillRef idx="1">
+            <a:schemeClr val="accent1"/>
+          </a:fillRef>
+          <a:effectRef idx="0">
+            <a:schemeClr val="accent1"/>
+          </a:effectRef>
+          <a:fontRef idx="minor">
+            <a:schemeClr val="lt1"/>
+          </a:fontRef>
+        </p:style>
+        <p:txBody>
+          <a:bodyPr rtlCol="0" anchor="ctr"/>
+          <a:lstStyle/>
+          <a:p>
+            <a:pPr algn="ctr"/>
+            <a:endParaRPr lang="en-US"/>
+          </a:p>
+        </p:txBody>
+      </p:sp>
+      <p:sp>
+        <p:nvSpPr>
+          <p:cNvPr id="43" name="Rounded Rectangle 42"/>
+          <p:cNvSpPr/>
+          <p:nvPr/>
+        </p:nvSpPr>
+        <p:spPr>
+          <a:xfrm>
+            <a:off x="14331255" y="10776856"/>
+            <a:ext cx="7261919" cy="6691994"/>
+          </a:xfrm>
+          <a:prstGeom prst="roundRect">
+            <a:avLst>
+              <a:gd name="adj" fmla="val 6141"/>
+            </a:avLst>
+          </a:prstGeom>
+          <a:noFill/>
+        </p:spPr>
+        <p:style>
+          <a:lnRef idx="2">
+            <a:schemeClr val="accent1">
+              <a:shade val="50000"/>
+            </a:schemeClr>
+          </a:lnRef>
+          <a:fillRef idx="1">
+            <a:schemeClr val="accent1"/>
+          </a:fillRef>
+          <a:effectRef idx="0">
+            <a:schemeClr val="accent1"/>
+          </a:effectRef>
+          <a:fontRef idx="minor">
+            <a:schemeClr val="lt1"/>
+          </a:fontRef>
+        </p:style>
+        <p:txBody>
+          <a:bodyPr rtlCol="0" anchor="ctr"/>
+          <a:lstStyle/>
+          <a:p>
+            <a:pPr algn="ctr"/>
+            <a:endParaRPr lang="en-US"/>
+          </a:p>
+        </p:txBody>
+      </p:sp>
+      <p:sp>
+        <p:nvSpPr>
+          <p:cNvPr id="16" name="TextBox 15"/>
+          <p:cNvSpPr txBox="1"/>
+          <p:nvPr/>
+        </p:nvSpPr>
+        <p:spPr>
+          <a:xfrm>
+            <a:off x="1570350" y="10804223"/>
+            <a:ext cx="4210051" cy="584775"/>
+          </a:xfrm>
+          <a:prstGeom prst="rect">
+            <a:avLst/>
+          </a:prstGeom>
+          <a:noFill/>
+        </p:spPr>
+        <p:txBody>
+          <a:bodyPr wrap="square" rtlCol="0">
+            <a:spAutoFit/>
+          </a:bodyPr>
+          <a:lstStyle/>
+          <a:p>
+            <a:r>
+              <a:rPr lang="en-US" sz="3200" dirty="0" smtClean="0"/>
+              <a:t>Stage 1: Data Collection</a:t>
+            </a:r>
+            <a:endParaRPr lang="en-US" sz="3200" dirty="0"/>
+          </a:p>
+        </p:txBody>
+      </p:sp>
+      <p:sp>
+        <p:nvSpPr>
+          <p:cNvPr id="46" name="TextBox 45"/>
+          <p:cNvSpPr txBox="1"/>
+          <p:nvPr/>
+        </p:nvSpPr>
+        <p:spPr>
+          <a:xfrm>
+            <a:off x="7828131" y="10815253"/>
+            <a:ext cx="5546486" cy="584775"/>
+          </a:xfrm>
+          <a:prstGeom prst="rect">
+            <a:avLst/>
+          </a:prstGeom>
+          <a:noFill/>
+        </p:spPr>
+        <p:txBody>
+          <a:bodyPr wrap="square" rtlCol="0">
+            <a:spAutoFit/>
+          </a:bodyPr>
+          <a:lstStyle/>
+          <a:p>
+            <a:r>
+              <a:rPr lang="en-US" sz="3200" dirty="0" smtClean="0"/>
+              <a:t>Stage 2: Unsupervised Learning</a:t>
+            </a:r>
+            <a:endParaRPr lang="en-US" sz="3200" dirty="0"/>
+          </a:p>
+        </p:txBody>
+      </p:sp>
+      <p:sp>
+        <p:nvSpPr>
+          <p:cNvPr id="47" name="TextBox 46"/>
+          <p:cNvSpPr txBox="1"/>
+          <p:nvPr/>
+        </p:nvSpPr>
+        <p:spPr>
+          <a:xfrm>
+            <a:off x="14655911" y="10863949"/>
+            <a:ext cx="6521791" cy="584775"/>
+          </a:xfrm>
+          <a:prstGeom prst="rect">
+            <a:avLst/>
+          </a:prstGeom>
+          <a:noFill/>
+        </p:spPr>
+        <p:txBody>
+          <a:bodyPr wrap="square" rtlCol="0">
+            <a:spAutoFit/>
+          </a:bodyPr>
+          <a:lstStyle/>
+          <a:p>
+            <a:r>
+              <a:rPr lang="en-US" sz="3200" dirty="0" smtClean="0"/>
+              <a:t>Stage 3: Code Analytics and Prediction</a:t>
+            </a:r>
+            <a:endParaRPr lang="en-US" sz="3200" dirty="0"/>
+          </a:p>
+        </p:txBody>
+      </p:sp>
+      <p:sp>
+        <p:nvSpPr>
+          <p:cNvPr id="48" name="8 CuadroTexto"/>
+          <p:cNvSpPr txBox="1"/>
+          <p:nvPr/>
+        </p:nvSpPr>
+        <p:spPr>
+          <a:xfrm>
+            <a:off x="26595206" y="17582994"/>
+            <a:ext cx="12564038" cy="1323439"/>
+          </a:xfrm>
+          <a:prstGeom prst="rect">
+            <a:avLst/>
+          </a:prstGeom>
+          <a:noFill/>
+        </p:spPr>
+        <p:txBody>
+          <a:bodyPr wrap="square" rtlCol="0">
+            <a:spAutoFit/>
+          </a:bodyPr>
+          <a:lstStyle/>
+          <a:p>
+            <a:pPr algn="ctr"/>
+            <a:r>
+              <a:rPr lang="en-US" sz="8000" dirty="0" smtClean="0">
+                <a:ln w="18415" cmpd="sng">
+                  <a:noFill/>
+                  <a:prstDash val="solid"/>
+                </a:ln>
+                <a:effectLst>
+                  <a:outerShdw blurRad="63500" dir="3600000" algn="tl" rotWithShape="0">
+                    <a:srgbClr val="000000">
+                      <a:alpha val="70000"/>
+                    </a:srgbClr>
+                  </a:outerShdw>
+                </a:effectLst>
+                <a:cs typeface="Times New Roman" panose="02020603050405020304" pitchFamily="18" charset="0"/>
+              </a:rPr>
+              <a:t>Mobile App </a:t>
+            </a:r>
+            <a:r>
+              <a:rPr lang="en-US" sz="8000" dirty="0" smtClean="0">
+                <a:ln w="18415" cmpd="sng">
+                  <a:noFill/>
+                  <a:prstDash val="solid"/>
+                </a:ln>
+                <a:effectLst>
+                  <a:outerShdw blurRad="63500" dir="3600000" algn="tl" rotWithShape="0">
+                    <a:srgbClr val="000000">
+                      <a:alpha val="70000"/>
+                    </a:srgbClr>
+                  </a:outerShdw>
+                </a:effectLst>
+                <a:cs typeface="Times New Roman" panose="02020603050405020304" pitchFamily="18" charset="0"/>
+              </a:rPr>
+              <a:t>Visualizations</a:t>
+            </a:r>
+            <a:endParaRPr lang="en-US" sz="8000" dirty="0">
+              <a:ln w="18415" cmpd="sng">
+                <a:noFill/>
+                <a:prstDash val="solid"/>
+              </a:ln>
+              <a:effectLst>
+                <a:outerShdw blurRad="63500" dir="3600000" algn="tl" rotWithShape="0">
+                  <a:srgbClr val="000000">
+                    <a:alpha val="70000"/>
+                  </a:srgbClr>
+                </a:outerShdw>
+              </a:effectLst>
+              <a:cs typeface="Times New Roman" panose="02020603050405020304" pitchFamily="18" charset="0"/>
+            </a:endParaRPr>
+          </a:p>
+        </p:txBody>
+      </p:sp>
+      <p:sp>
+        <p:nvSpPr>
+          <p:cNvPr id="49" name="8 CuadroTexto"/>
+          <p:cNvSpPr txBox="1"/>
+          <p:nvPr/>
+        </p:nvSpPr>
+        <p:spPr>
+          <a:xfrm>
+            <a:off x="6139102" y="30548091"/>
+            <a:ext cx="8924544" cy="1323439"/>
+          </a:xfrm>
+          <a:prstGeom prst="rect">
+            <a:avLst/>
+          </a:prstGeom>
+          <a:noFill/>
+        </p:spPr>
+        <p:txBody>
+          <a:bodyPr wrap="square" rtlCol="0">
+            <a:spAutoFit/>
+          </a:bodyPr>
+          <a:lstStyle/>
+          <a:p>
+            <a:pPr algn="ctr"/>
+            <a:r>
+              <a:rPr lang="en-US" sz="8000" dirty="0" smtClean="0">
+                <a:ln w="18415" cmpd="sng">
+                  <a:noFill/>
+                  <a:prstDash val="solid"/>
+                </a:ln>
+                <a:effectLst>
+                  <a:outerShdw blurRad="63500" dir="3600000" algn="tl" rotWithShape="0">
+                    <a:srgbClr val="000000">
+                      <a:alpha val="70000"/>
+                    </a:srgbClr>
+                  </a:outerShdw>
+                </a:effectLst>
+                <a:cs typeface="Times New Roman" panose="02020603050405020304" pitchFamily="18" charset="0"/>
+              </a:rPr>
+              <a:t>Procedural details</a:t>
+            </a:r>
+            <a:endParaRPr lang="en-US" sz="8000" dirty="0">
+              <a:ln w="18415" cmpd="sng">
+                <a:noFill/>
+                <a:prstDash val="solid"/>
+              </a:ln>
+              <a:effectLst>
+                <a:outerShdw blurRad="63500" dir="3600000" algn="tl" rotWithShape="0">
+                  <a:srgbClr val="000000">
+                    <a:alpha val="70000"/>
+                  </a:srgbClr>
+                </a:outerShdw>
+              </a:effectLst>
+              <a:cs typeface="Times New Roman" panose="02020603050405020304" pitchFamily="18" charset="0"/>
+            </a:endParaRPr>
+          </a:p>
+        </p:txBody>
+      </p:sp>
+      <p:sp>
+        <p:nvSpPr>
+          <p:cNvPr id="50" name="8 CuadroTexto"/>
+          <p:cNvSpPr txBox="1"/>
+          <p:nvPr/>
+        </p:nvSpPr>
+        <p:spPr>
+          <a:xfrm>
+            <a:off x="26058100" y="30548090"/>
+            <a:ext cx="13638249" cy="1323439"/>
+          </a:xfrm>
+          <a:prstGeom prst="rect">
+            <a:avLst/>
+          </a:prstGeom>
+          <a:noFill/>
+        </p:spPr>
+        <p:txBody>
+          <a:bodyPr wrap="square" rtlCol="0">
+            <a:spAutoFit/>
+          </a:bodyPr>
+          <a:lstStyle/>
+          <a:p>
+            <a:pPr algn="ctr"/>
+            <a:r>
+              <a:rPr lang="en-US" sz="8000" dirty="0">
+                <a:ln w="18415" cmpd="sng">
+                  <a:noFill/>
+                  <a:prstDash val="solid"/>
+                </a:ln>
+                <a:effectLst>
+                  <a:outerShdw blurRad="63500" dir="3600000" algn="tl" rotWithShape="0">
+                    <a:srgbClr val="000000">
+                      <a:alpha val="70000"/>
+                    </a:srgbClr>
+                  </a:outerShdw>
+                </a:effectLst>
+                <a:cs typeface="Times New Roman" panose="02020603050405020304" pitchFamily="18" charset="0"/>
+              </a:rPr>
+              <a:t>Admin Dashboard Visualization</a:t>
+            </a:r>
+          </a:p>
+        </p:txBody>
+      </p:sp>
+      <p:pic>
+        <p:nvPicPr>
+          <p:cNvPr id="2" name="Picture 1"/>
+          <p:cNvPicPr>
+            <a:picLocks noChangeAspect="1"/>
+          </p:cNvPicPr>
+          <p:nvPr/>
+        </p:nvPicPr>
+        <p:blipFill>
+          <a:blip r:embed="rId14">
+            <a:extLst>
+              <a:ext uri="{28A0092B-C50C-407E-A947-70E740481C1C}">
+                <a14:useLocalDpi xmlns:a14="http://schemas.microsoft.com/office/drawing/2010/main" val="0"/>
+              </a:ext>
+            </a:extLst>
+          </a:blip>
+          <a:stretch>
+            <a:fillRect/>
+          </a:stretch>
+        </p:blipFill>
+        <p:spPr>
+          <a:xfrm>
+            <a:off x="22557622" y="19050014"/>
+            <a:ext cx="20876591" cy="11112484"/>
+          </a:xfrm>
+          <a:prstGeom prst="rect">
+            <a:avLst/>
+          </a:prstGeom>
+        </p:spPr>
+      </p:pic>
+      <p:pic>
+        <p:nvPicPr>
+          <p:cNvPr id="17" name="Picture 16"/>
+          <p:cNvPicPr>
+            <a:picLocks noChangeAspect="1"/>
+          </p:cNvPicPr>
+          <p:nvPr/>
+        </p:nvPicPr>
+        <p:blipFill>
+          <a:blip r:embed="rId15" cstate="print">
+            <a:extLst>
+              <a:ext uri="{28A0092B-C50C-407E-A947-70E740481C1C}">
+                <a14:useLocalDpi xmlns:a14="http://schemas.microsoft.com/office/drawing/2010/main" val="0"/>
+              </a:ext>
+            </a:extLst>
+          </a:blip>
+          <a:stretch>
+            <a:fillRect/>
+          </a:stretch>
+        </p:blipFill>
+        <p:spPr>
+          <a:xfrm>
+            <a:off x="616715" y="19248729"/>
+            <a:ext cx="11386488" cy="10509499"/>
+          </a:xfrm>
+          <a:prstGeom prst="rect">
+            <a:avLst/>
+          </a:prstGeom>
+        </p:spPr>
+      </p:pic>
+      <p:pic>
+        <p:nvPicPr>
+          <p:cNvPr id="18" name="Picture 17"/>
+          <p:cNvPicPr>
+            <a:picLocks noChangeAspect="1"/>
+          </p:cNvPicPr>
+          <p:nvPr/>
+        </p:nvPicPr>
+        <p:blipFill>
+          <a:blip r:embed="rId16" cstate="print">
+            <a:extLst>
+              <a:ext uri="{28A0092B-C50C-407E-A947-70E740481C1C}">
+                <a14:useLocalDpi xmlns:a14="http://schemas.microsoft.com/office/drawing/2010/main" val="0"/>
+              </a:ext>
+            </a:extLst>
+          </a:blip>
+          <a:stretch>
+            <a:fillRect/>
+          </a:stretch>
+        </p:blipFill>
+        <p:spPr>
+          <a:xfrm>
+            <a:off x="12097666" y="19248729"/>
+            <a:ext cx="9373223" cy="4981638"/>
+          </a:xfrm>
+          <a:prstGeom prst="rect">
+            <a:avLst/>
+          </a:prstGeom>
+        </p:spPr>
+      </p:pic>
+      <p:pic>
+        <p:nvPicPr>
+          <p:cNvPr id="19" name="Picture 18"/>
+          <p:cNvPicPr>
+            <a:picLocks noChangeAspect="1"/>
+          </p:cNvPicPr>
+          <p:nvPr/>
+        </p:nvPicPr>
+        <p:blipFill>
+          <a:blip r:embed="rId17" cstate="print">
+            <a:extLst>
+              <a:ext uri="{28A0092B-C50C-407E-A947-70E740481C1C}">
+                <a14:useLocalDpi xmlns:a14="http://schemas.microsoft.com/office/drawing/2010/main" val="0"/>
+              </a:ext>
+            </a:extLst>
+          </a:blip>
+          <a:stretch>
+            <a:fillRect/>
+          </a:stretch>
+        </p:blipFill>
+        <p:spPr>
+          <a:xfrm>
+            <a:off x="12086095" y="24316412"/>
+            <a:ext cx="9384794" cy="5486313"/>
+          </a:xfrm>
+          <a:prstGeom prst="rect">
+            <a:avLst/>
+          </a:prstGeom>
+        </p:spPr>
+      </p:pic>
+      <p:pic>
+        <p:nvPicPr>
+          <p:cNvPr id="22" name="Picture 21"/>
+          <p:cNvPicPr>
+            <a:picLocks noChangeAspect="1"/>
+          </p:cNvPicPr>
+          <p:nvPr/>
+        </p:nvPicPr>
+        <p:blipFill>
+          <a:blip r:embed="rId18" cstate="print">
+            <a:extLst>
+              <a:ext uri="{28A0092B-C50C-407E-A947-70E740481C1C}">
+                <a14:useLocalDpi xmlns:a14="http://schemas.microsoft.com/office/drawing/2010/main" val="0"/>
+              </a:ext>
+            </a:extLst>
+          </a:blip>
+          <a:stretch>
+            <a:fillRect/>
+          </a:stretch>
+        </p:blipFill>
+        <p:spPr>
+          <a:xfrm>
+            <a:off x="640302" y="7683296"/>
+            <a:ext cx="2797611" cy="2797611"/>
           </a:xfrm>
           <a:prstGeom prst="rect">
             <a:avLst/>
@@ -3984,124 +5066,16 @@
           </a:p>
         </p:txBody>
       </p:sp>
-      <p:sp>
-        <p:nvSpPr>
-          <p:cNvPr id="41" name="Oval Callout 40"/>
-          <p:cNvSpPr/>
-          <p:nvPr/>
-        </p:nvSpPr>
-        <p:spPr>
-          <a:xfrm>
-            <a:off x="6371335" y="6860641"/>
-            <a:ext cx="4924932" cy="2171963"/>
-          </a:xfrm>
-          <a:prstGeom prst="wedgeEllipseCallout">
-            <a:avLst>
-              <a:gd name="adj1" fmla="val 60878"/>
-              <a:gd name="adj2" fmla="val 55033"/>
-            </a:avLst>
-          </a:prstGeom>
-          <a:solidFill>
-            <a:schemeClr val="accent6">
-              <a:lumMod val="40000"/>
-              <a:lumOff val="60000"/>
-            </a:schemeClr>
-          </a:solidFill>
-        </p:spPr>
-        <p:style>
-          <a:lnRef idx="2">
-            <a:schemeClr val="accent1">
-              <a:shade val="50000"/>
-            </a:schemeClr>
-          </a:lnRef>
-          <a:fillRef idx="1">
-            <a:schemeClr val="accent1"/>
-          </a:fillRef>
-          <a:effectRef idx="0">
-            <a:schemeClr val="accent1"/>
-          </a:effectRef>
-          <a:fontRef idx="minor">
-            <a:schemeClr val="lt1"/>
-          </a:fontRef>
-        </p:style>
-        <p:txBody>
-          <a:bodyPr rtlCol="0" anchor="ctr"/>
-          <a:lstStyle/>
-          <a:p>
-            <a:pPr algn="ctr"/>
-            <a:r>
-              <a:rPr lang="en-US" sz="3200" dirty="0" smtClean="0">
-                <a:solidFill>
-                  <a:schemeClr val="tx1"/>
-                </a:solidFill>
-                <a:effectLst>
-                  <a:outerShdw blurRad="38100" dist="38100" dir="2700000" algn="tl">
-                    <a:srgbClr val="000000">
-                      <a:alpha val="43137"/>
-                    </a:srgbClr>
-                  </a:outerShdw>
-                </a:effectLst>
-              </a:rPr>
-              <a:t>Hi! I am Heimdall!</a:t>
-            </a:r>
-          </a:p>
-          <a:p>
-            <a:pPr algn="ctr"/>
-            <a:r>
-              <a:rPr lang="en-US" sz="3200" dirty="0" smtClean="0">
-                <a:solidFill>
-                  <a:schemeClr val="tx1"/>
-                </a:solidFill>
-                <a:effectLst>
-                  <a:outerShdw blurRad="38100" dist="38100" dir="2700000" algn="tl">
-                    <a:srgbClr val="000000">
-                      <a:alpha val="43137"/>
-                    </a:srgbClr>
-                  </a:outerShdw>
-                </a:effectLst>
-              </a:rPr>
-              <a:t>I </a:t>
-            </a:r>
-            <a:r>
-              <a:rPr lang="en-US" sz="3200" dirty="0" smtClean="0">
-                <a:solidFill>
-                  <a:schemeClr val="tx1"/>
-                </a:solidFill>
-                <a:effectLst>
-                  <a:outerShdw blurRad="38100" dist="38100" dir="2700000" algn="tl">
-                    <a:srgbClr val="000000">
-                      <a:alpha val="43137"/>
-                    </a:srgbClr>
-                  </a:outerShdw>
-                </a:effectLst>
-              </a:rPr>
-              <a:t>am here to protect you!</a:t>
-            </a:r>
-            <a:endParaRPr lang="en-US" sz="3200" dirty="0">
-              <a:solidFill>
-                <a:schemeClr val="tx1"/>
-              </a:solidFill>
-              <a:effectLst>
-                <a:outerShdw blurRad="38100" dist="38100" dir="2700000" algn="tl">
-                  <a:srgbClr val="000000">
-                    <a:alpha val="43137"/>
-                  </a:srgbClr>
-                </a:outerShdw>
-              </a:effectLst>
-            </a:endParaRPr>
-          </a:p>
-        </p:txBody>
-      </p:sp>
       <p:pic>
         <p:nvPicPr>
-          <p:cNvPr id="45" name="Picture 44"/>
+          <p:cNvPr id="13" name="Picture 12"/>
           <p:cNvPicPr>
             <a:picLocks noChangeAspect="1"/>
           </p:cNvPicPr>
           <p:nvPr/>
         </p:nvPicPr>
         <p:blipFill>
-          <a:blip r:embed="rId8">
+          <a:blip r:embed="rId19" cstate="print">
             <a:extLst>
               <a:ext uri="{28A0092B-C50C-407E-A947-70E740481C1C}">
                 <a14:useLocalDpi xmlns:a14="http://schemas.microsoft.com/office/drawing/2010/main" val="0"/>
@@ -4114,8 +5088,8 @@
         </p:blipFill>
         <p:spPr>
           <a:xfrm>
-            <a:off x="530115" y="13159902"/>
-            <a:ext cx="2907798" cy="2414021"/>
+            <a:off x="21833999" y="7609680"/>
+            <a:ext cx="5536703" cy="7507239"/>
           </a:xfrm>
           <a:prstGeom prst="rect">
             <a:avLst/>
@@ -4124,14 +5098,14 @@
       </p:pic>
       <p:pic>
         <p:nvPicPr>
-          <p:cNvPr id="62" name="Picture 61"/>
+          <p:cNvPr id="14" name="Picture 13"/>
           <p:cNvPicPr>
             <a:picLocks noChangeAspect="1"/>
           </p:cNvPicPr>
           <p:nvPr/>
         </p:nvPicPr>
         <p:blipFill>
-          <a:blip r:embed="rId9" cstate="print">
+          <a:blip r:embed="rId20" cstate="print">
             <a:extLst>
               <a:ext uri="{28A0092B-C50C-407E-A947-70E740481C1C}">
                 <a14:useLocalDpi xmlns:a14="http://schemas.microsoft.com/office/drawing/2010/main" val="0"/>
@@ -4144,8 +5118,8 @@
         </p:blipFill>
         <p:spPr>
           <a:xfrm>
-            <a:off x="4001139" y="11400028"/>
-            <a:ext cx="2903350" cy="3217009"/>
+            <a:off x="38490396" y="7623514"/>
+            <a:ext cx="5536703" cy="7507239"/>
           </a:xfrm>
           <a:prstGeom prst="rect">
             <a:avLst/>
@@ -4154,14 +5128,14 @@
       </p:pic>
       <p:pic>
         <p:nvPicPr>
-          <p:cNvPr id="63" name="Picture 62"/>
+          <p:cNvPr id="20" name="Picture 19"/>
           <p:cNvPicPr>
             <a:picLocks noChangeAspect="1"/>
           </p:cNvPicPr>
           <p:nvPr/>
         </p:nvPicPr>
         <p:blipFill>
-          <a:blip r:embed="rId10" cstate="print">
+          <a:blip r:embed="rId21" cstate="print">
             <a:extLst>
               <a:ext uri="{28A0092B-C50C-407E-A947-70E740481C1C}">
                 <a14:useLocalDpi xmlns:a14="http://schemas.microsoft.com/office/drawing/2010/main" val="0"/>
@@ -4174,8 +5148,8 @@
         </p:blipFill>
         <p:spPr>
           <a:xfrm>
-            <a:off x="446263" y="15450080"/>
-            <a:ext cx="4253835" cy="1526294"/>
+            <a:off x="33133607" y="7620641"/>
+            <a:ext cx="5536703" cy="7507239"/>
           </a:xfrm>
           <a:prstGeom prst="rect">
             <a:avLst/>
@@ -4184,14 +5158,14 @@
       </p:pic>
       <p:pic>
         <p:nvPicPr>
-          <p:cNvPr id="6" name="Picture 5"/>
+          <p:cNvPr id="24" name="Picture 23"/>
           <p:cNvPicPr>
             <a:picLocks noChangeAspect="1"/>
           </p:cNvPicPr>
           <p:nvPr/>
         </p:nvPicPr>
         <p:blipFill>
-          <a:blip r:embed="rId11">
+          <a:blip r:embed="rId22" cstate="print">
             <a:extLst>
               <a:ext uri="{28A0092B-C50C-407E-A947-70E740481C1C}">
                 <a14:useLocalDpi xmlns:a14="http://schemas.microsoft.com/office/drawing/2010/main" val="0"/>
@@ -4204,8 +5178,8 @@
         </p:blipFill>
         <p:spPr>
           <a:xfrm>
-            <a:off x="6978632" y="14332050"/>
-            <a:ext cx="2639060" cy="2996348"/>
+            <a:off x="27214683" y="7620641"/>
+            <a:ext cx="5536703" cy="7507239"/>
           </a:xfrm>
           <a:prstGeom prst="rect">
             <a:avLst/>
@@ -4214,465 +5188,14 @@
       </p:pic>
       <p:sp>
         <p:nvSpPr>
-          <p:cNvPr id="7" name="Bent Arrow 6"/>
-          <p:cNvSpPr/>
-          <p:nvPr/>
-        </p:nvSpPr>
-        <p:spPr>
-          <a:xfrm>
-            <a:off x="1181099" y="11925410"/>
-            <a:ext cx="2820039" cy="1085101"/>
-          </a:xfrm>
-          <a:prstGeom prst="bentArrow">
-            <a:avLst>
-              <a:gd name="adj1" fmla="val 25000"/>
-              <a:gd name="adj2" fmla="val 25000"/>
-              <a:gd name="adj3" fmla="val 25000"/>
-              <a:gd name="adj4" fmla="val 31461"/>
-            </a:avLst>
-          </a:prstGeom>
-          <a:solidFill>
-            <a:schemeClr val="accent1">
-              <a:lumMod val="60000"/>
-              <a:lumOff val="40000"/>
-            </a:schemeClr>
-          </a:solidFill>
-        </p:spPr>
-        <p:style>
-          <a:lnRef idx="2">
-            <a:schemeClr val="accent1">
-              <a:shade val="50000"/>
-            </a:schemeClr>
-          </a:lnRef>
-          <a:fillRef idx="1">
-            <a:schemeClr val="accent1"/>
-          </a:fillRef>
-          <a:effectRef idx="0">
-            <a:schemeClr val="accent1"/>
-          </a:effectRef>
-          <a:fontRef idx="minor">
-            <a:schemeClr val="lt1"/>
-          </a:fontRef>
-        </p:style>
-        <p:txBody>
-          <a:bodyPr rtlCol="0" anchor="ctr"/>
-          <a:lstStyle/>
-          <a:p>
-            <a:pPr algn="ctr"/>
-            <a:endParaRPr lang="en-US">
-              <a:solidFill>
-                <a:schemeClr val="tx1"/>
-              </a:solidFill>
-            </a:endParaRPr>
-          </a:p>
-        </p:txBody>
-      </p:sp>
-      <p:sp>
-        <p:nvSpPr>
-          <p:cNvPr id="8" name="Bent Arrow 7"/>
-          <p:cNvSpPr/>
-          <p:nvPr/>
-        </p:nvSpPr>
-        <p:spPr>
-          <a:xfrm rot="10800000" flipH="1">
-            <a:off x="5549287" y="14488186"/>
-            <a:ext cx="1371600" cy="2218663"/>
-          </a:xfrm>
-          <a:prstGeom prst="bentArrow">
-            <a:avLst>
-              <a:gd name="adj1" fmla="val 21081"/>
-              <a:gd name="adj2" fmla="val 21021"/>
-              <a:gd name="adj3" fmla="val 25000"/>
-              <a:gd name="adj4" fmla="val 21426"/>
-            </a:avLst>
-          </a:prstGeom>
-          <a:solidFill>
-            <a:schemeClr val="accent1">
-              <a:lumMod val="40000"/>
-              <a:lumOff val="60000"/>
-            </a:schemeClr>
-          </a:solidFill>
-        </p:spPr>
-        <p:style>
-          <a:lnRef idx="2">
-            <a:schemeClr val="accent1">
-              <a:shade val="50000"/>
-            </a:schemeClr>
-          </a:lnRef>
-          <a:fillRef idx="1">
-            <a:schemeClr val="accent1"/>
-          </a:fillRef>
-          <a:effectRef idx="0">
-            <a:schemeClr val="accent1"/>
-          </a:effectRef>
-          <a:fontRef idx="minor">
-            <a:schemeClr val="lt1"/>
-          </a:fontRef>
-        </p:style>
-        <p:txBody>
-          <a:bodyPr rtlCol="0" anchor="ctr"/>
-          <a:lstStyle/>
-          <a:p>
-            <a:pPr algn="ctr"/>
-            <a:endParaRPr lang="en-US">
-              <a:solidFill>
-                <a:schemeClr val="tx1"/>
-              </a:solidFill>
-            </a:endParaRPr>
-          </a:p>
-        </p:txBody>
-      </p:sp>
-      <p:sp>
-        <p:nvSpPr>
-          <p:cNvPr id="33" name="Bent Arrow 32"/>
-          <p:cNvSpPr/>
-          <p:nvPr/>
-        </p:nvSpPr>
-        <p:spPr>
-          <a:xfrm rot="5400000" flipH="1">
-            <a:off x="10528777" y="14685393"/>
-            <a:ext cx="1371600" cy="3078935"/>
-          </a:xfrm>
-          <a:prstGeom prst="bentArrow">
-            <a:avLst>
-              <a:gd name="adj1" fmla="val 21408"/>
-              <a:gd name="adj2" fmla="val 21021"/>
-              <a:gd name="adj3" fmla="val 25000"/>
-              <a:gd name="adj4" fmla="val 31778"/>
-            </a:avLst>
-          </a:prstGeom>
-          <a:solidFill>
-            <a:schemeClr val="accent1">
-              <a:lumMod val="40000"/>
-              <a:lumOff val="60000"/>
-            </a:schemeClr>
-          </a:solidFill>
-        </p:spPr>
-        <p:style>
-          <a:lnRef idx="2">
-            <a:schemeClr val="accent1">
-              <a:shade val="50000"/>
-            </a:schemeClr>
-          </a:lnRef>
-          <a:fillRef idx="1">
-            <a:schemeClr val="accent1"/>
-          </a:fillRef>
-          <a:effectRef idx="0">
-            <a:schemeClr val="accent1"/>
-          </a:effectRef>
-          <a:fontRef idx="minor">
-            <a:schemeClr val="lt1"/>
-          </a:fontRef>
-        </p:style>
-        <p:txBody>
-          <a:bodyPr rtlCol="0" anchor="ctr"/>
-          <a:lstStyle/>
-          <a:p>
-            <a:pPr algn="ctr"/>
-            <a:endParaRPr lang="en-US">
-              <a:solidFill>
-                <a:schemeClr val="tx1"/>
-              </a:solidFill>
-            </a:endParaRPr>
-          </a:p>
-        </p:txBody>
-      </p:sp>
-      <p:pic>
-        <p:nvPicPr>
-          <p:cNvPr id="9" name="Picture 8"/>
-          <p:cNvPicPr>
-            <a:picLocks noChangeAspect="1"/>
-          </p:cNvPicPr>
-          <p:nvPr/>
-        </p:nvPicPr>
-        <p:blipFill>
-          <a:blip r:embed="rId12">
-            <a:extLst>
-              <a:ext uri="{28A0092B-C50C-407E-A947-70E740481C1C}">
-                <a14:useLocalDpi xmlns:a14="http://schemas.microsoft.com/office/drawing/2010/main" val="0"/>
-              </a:ext>
-            </a:extLst>
-          </a:blip>
-          <a:stretch>
-            <a:fillRect/>
-          </a:stretch>
-        </p:blipFill>
-        <p:spPr>
-          <a:xfrm>
-            <a:off x="10131789" y="11925410"/>
-            <a:ext cx="4134591" cy="3702050"/>
-          </a:xfrm>
-          <a:prstGeom prst="rect">
-            <a:avLst/>
-          </a:prstGeom>
-        </p:spPr>
-      </p:pic>
-      <p:sp>
-        <p:nvSpPr>
-          <p:cNvPr id="37" name="Bent Arrow 36"/>
-          <p:cNvSpPr/>
-          <p:nvPr/>
-        </p:nvSpPr>
-        <p:spPr>
-          <a:xfrm rot="5400000">
-            <a:off x="15159869" y="12696023"/>
-            <a:ext cx="1371600" cy="2830808"/>
-          </a:xfrm>
-          <a:prstGeom prst="bentArrow">
-            <a:avLst>
-              <a:gd name="adj1" fmla="val 25000"/>
-              <a:gd name="adj2" fmla="val 24725"/>
-              <a:gd name="adj3" fmla="val 25000"/>
-              <a:gd name="adj4" fmla="val 29861"/>
-            </a:avLst>
-          </a:prstGeom>
-          <a:solidFill>
-            <a:schemeClr val="accent1">
-              <a:lumMod val="40000"/>
-              <a:lumOff val="60000"/>
-            </a:schemeClr>
-          </a:solidFill>
-        </p:spPr>
-        <p:style>
-          <a:lnRef idx="2">
-            <a:schemeClr val="accent1">
-              <a:shade val="50000"/>
-            </a:schemeClr>
-          </a:lnRef>
-          <a:fillRef idx="1">
-            <a:schemeClr val="accent1"/>
-          </a:fillRef>
-          <a:effectRef idx="0">
-            <a:schemeClr val="accent1"/>
-          </a:effectRef>
-          <a:fontRef idx="minor">
-            <a:schemeClr val="lt1"/>
-          </a:fontRef>
-        </p:style>
-        <p:txBody>
-          <a:bodyPr rtlCol="0" anchor="ctr"/>
-          <a:lstStyle/>
-          <a:p>
-            <a:pPr algn="ctr"/>
-            <a:endParaRPr lang="en-US">
-              <a:solidFill>
-                <a:schemeClr val="tx1"/>
-              </a:solidFill>
-            </a:endParaRPr>
-          </a:p>
-        </p:txBody>
-      </p:sp>
-      <p:pic>
-        <p:nvPicPr>
-          <p:cNvPr id="11" name="Picture 10"/>
-          <p:cNvPicPr>
-            <a:picLocks noChangeAspect="1"/>
-          </p:cNvPicPr>
-          <p:nvPr/>
-        </p:nvPicPr>
-        <p:blipFill>
-          <a:blip r:embed="rId13">
-            <a:extLst>
-              <a:ext uri="{28A0092B-C50C-407E-A947-70E740481C1C}">
-                <a14:useLocalDpi xmlns:a14="http://schemas.microsoft.com/office/drawing/2010/main" val="0"/>
-              </a:ext>
-            </a:extLst>
-          </a:blip>
-          <a:stretch>
-            <a:fillRect/>
-          </a:stretch>
-        </p:blipFill>
-        <p:spPr>
-          <a:xfrm>
-            <a:off x="14780478" y="14948935"/>
-            <a:ext cx="3708471" cy="2006222"/>
-          </a:xfrm>
-          <a:prstGeom prst="rect">
-            <a:avLst/>
-          </a:prstGeom>
-        </p:spPr>
-      </p:pic>
-      <p:pic>
-        <p:nvPicPr>
-          <p:cNvPr id="12" name="Picture 11"/>
-          <p:cNvPicPr>
-            <a:picLocks noChangeAspect="1"/>
-          </p:cNvPicPr>
-          <p:nvPr/>
-        </p:nvPicPr>
-        <p:blipFill>
-          <a:blip r:embed="rId14" cstate="print">
-            <a:extLst>
-              <a:ext uri="{28A0092B-C50C-407E-A947-70E740481C1C}">
-                <a14:useLocalDpi xmlns:a14="http://schemas.microsoft.com/office/drawing/2010/main" val="0"/>
-              </a:ext>
-            </a:extLst>
-          </a:blip>
-          <a:stretch>
-            <a:fillRect/>
-          </a:stretch>
-        </p:blipFill>
-        <p:spPr>
-          <a:xfrm>
-            <a:off x="19339729" y="11837117"/>
-            <a:ext cx="2162629" cy="1800755"/>
-          </a:xfrm>
-          <a:prstGeom prst="rect">
-            <a:avLst/>
-          </a:prstGeom>
-        </p:spPr>
-      </p:pic>
-      <p:sp>
-        <p:nvSpPr>
-          <p:cNvPr id="40" name="Bent Arrow 39"/>
-          <p:cNvSpPr/>
-          <p:nvPr/>
-        </p:nvSpPr>
-        <p:spPr>
-          <a:xfrm rot="5400000" flipH="1">
-            <a:off x="19324798" y="13137184"/>
-            <a:ext cx="1371600" cy="2603367"/>
-          </a:xfrm>
-          <a:prstGeom prst="bentArrow">
-            <a:avLst>
-              <a:gd name="adj1" fmla="val 24054"/>
-              <a:gd name="adj2" fmla="val 26397"/>
-              <a:gd name="adj3" fmla="val 24440"/>
-              <a:gd name="adj4" fmla="val 21152"/>
-            </a:avLst>
-          </a:prstGeom>
-          <a:solidFill>
-            <a:schemeClr val="accent1">
-              <a:lumMod val="40000"/>
-              <a:lumOff val="60000"/>
-            </a:schemeClr>
-          </a:solidFill>
-        </p:spPr>
-        <p:style>
-          <a:lnRef idx="2">
-            <a:schemeClr val="accent1">
-              <a:shade val="50000"/>
-            </a:schemeClr>
-          </a:lnRef>
-          <a:fillRef idx="1">
-            <a:schemeClr val="accent1"/>
-          </a:fillRef>
-          <a:effectRef idx="0">
-            <a:schemeClr val="accent1"/>
-          </a:effectRef>
-          <a:fontRef idx="minor">
-            <a:schemeClr val="lt1"/>
-          </a:fontRef>
-        </p:style>
-        <p:txBody>
-          <a:bodyPr rtlCol="0" anchor="ctr"/>
-          <a:lstStyle/>
-          <a:p>
-            <a:pPr algn="ctr"/>
-            <a:endParaRPr lang="en-US">
-              <a:solidFill>
-                <a:schemeClr val="tx1"/>
-              </a:solidFill>
-            </a:endParaRPr>
-          </a:p>
-        </p:txBody>
-      </p:sp>
-      <p:sp>
-        <p:nvSpPr>
-          <p:cNvPr id="42" name="Rounded Rectangle 41"/>
-          <p:cNvSpPr/>
-          <p:nvPr/>
-        </p:nvSpPr>
-        <p:spPr>
-          <a:xfrm>
-            <a:off x="6936368" y="10776856"/>
-            <a:ext cx="7330012" cy="6691994"/>
-          </a:xfrm>
-          <a:prstGeom prst="roundRect">
-            <a:avLst>
-              <a:gd name="adj" fmla="val 4711"/>
-            </a:avLst>
-          </a:prstGeom>
-          <a:noFill/>
-        </p:spPr>
-        <p:style>
-          <a:lnRef idx="2">
-            <a:schemeClr val="accent1">
-              <a:shade val="50000"/>
-            </a:schemeClr>
-          </a:lnRef>
-          <a:fillRef idx="1">
-            <a:schemeClr val="accent1"/>
-          </a:fillRef>
-          <a:effectRef idx="0">
-            <a:schemeClr val="accent1"/>
-          </a:effectRef>
-          <a:fontRef idx="minor">
-            <a:schemeClr val="lt1"/>
-          </a:fontRef>
-        </p:style>
-        <p:txBody>
-          <a:bodyPr rtlCol="0" anchor="ctr"/>
-          <a:lstStyle/>
-          <a:p>
-            <a:pPr algn="ctr"/>
-            <a:endParaRPr lang="en-US"/>
-          </a:p>
-        </p:txBody>
-      </p:sp>
-      <p:sp>
-        <p:nvSpPr>
-          <p:cNvPr id="43" name="Rounded Rectangle 42"/>
-          <p:cNvSpPr/>
-          <p:nvPr/>
-        </p:nvSpPr>
-        <p:spPr>
-          <a:xfrm>
-            <a:off x="14331255" y="10776856"/>
-            <a:ext cx="7261919" cy="6691994"/>
-          </a:xfrm>
-          <a:prstGeom prst="roundRect">
-            <a:avLst>
-              <a:gd name="adj" fmla="val 6141"/>
-            </a:avLst>
-          </a:prstGeom>
-          <a:noFill/>
-        </p:spPr>
-        <p:style>
-          <a:lnRef idx="2">
-            <a:schemeClr val="accent1">
-              <a:shade val="50000"/>
-            </a:schemeClr>
-          </a:lnRef>
-          <a:fillRef idx="1">
-            <a:schemeClr val="accent1"/>
-          </a:fillRef>
-          <a:effectRef idx="0">
-            <a:schemeClr val="accent1"/>
-          </a:effectRef>
-          <a:fontRef idx="minor">
-            <a:schemeClr val="lt1"/>
-          </a:fontRef>
-        </p:style>
-        <p:txBody>
-          <a:bodyPr rtlCol="0" anchor="ctr"/>
-          <a:lstStyle/>
-          <a:p>
-            <a:pPr algn="ctr"/>
-            <a:endParaRPr lang="en-US"/>
-          </a:p>
-        </p:txBody>
-      </p:sp>
-      <p:sp>
-        <p:nvSpPr>
-          <p:cNvPr id="16" name="TextBox 15"/>
+          <p:cNvPr id="28" name="TextBox 27"/>
           <p:cNvSpPr txBox="1"/>
           <p:nvPr/>
         </p:nvSpPr>
         <p:spPr>
           <a:xfrm>
-            <a:off x="1570350" y="10804223"/>
-            <a:ext cx="4210051" cy="584775"/>
+            <a:off x="22631482" y="15366059"/>
+            <a:ext cx="3941736" cy="646331"/>
           </a:xfrm>
           <a:prstGeom prst="rect">
             <a:avLst/>
@@ -4685,24 +5208,25 @@
           </a:bodyPr>
           <a:lstStyle/>
           <a:p>
-            <a:r>
-              <a:rPr lang="en-US" sz="3200" dirty="0" smtClean="0"/>
-              <a:t>Stage 1: Data Collection</a:t>
-            </a:r>
-            <a:endParaRPr lang="en-US" sz="3200" dirty="0"/>
-          </a:p>
-        </p:txBody>
-      </p:sp>
-      <p:sp>
-        <p:nvSpPr>
-          <p:cNvPr id="46" name="TextBox 45"/>
+            <a:pPr algn="ctr"/>
+            <a:r>
+              <a:rPr lang="en-US" sz="3600" dirty="0" smtClean="0"/>
+              <a:t>List of installed apps</a:t>
+            </a:r>
+            <a:endParaRPr lang="en-US" sz="3600" dirty="0"/>
+          </a:p>
+        </p:txBody>
+      </p:sp>
+      <p:sp>
+        <p:nvSpPr>
+          <p:cNvPr id="55" name="TextBox 54"/>
           <p:cNvSpPr txBox="1"/>
           <p:nvPr/>
         </p:nvSpPr>
         <p:spPr>
           <a:xfrm>
-            <a:off x="7828131" y="10815253"/>
-            <a:ext cx="5546486" cy="584775"/>
+            <a:off x="28012166" y="15366059"/>
+            <a:ext cx="3941736" cy="1200329"/>
           </a:xfrm>
           <a:prstGeom prst="rect">
             <a:avLst/>
@@ -4715,24 +5239,25 @@
           </a:bodyPr>
           <a:lstStyle/>
           <a:p>
-            <a:r>
-              <a:rPr lang="en-US" sz="3200" dirty="0" smtClean="0"/>
-              <a:t>Stage 2: Unsupervised Learning</a:t>
-            </a:r>
-            <a:endParaRPr lang="en-US" sz="3200" dirty="0"/>
-          </a:p>
-        </p:txBody>
-      </p:sp>
-      <p:sp>
-        <p:nvSpPr>
-          <p:cNvPr id="47" name="TextBox 46"/>
+            <a:pPr algn="ctr"/>
+            <a:r>
+              <a:rPr lang="en-US" sz="3600" dirty="0" smtClean="0"/>
+              <a:t>New app installed notification</a:t>
+            </a:r>
+            <a:endParaRPr lang="en-US" sz="3600" dirty="0"/>
+          </a:p>
+        </p:txBody>
+      </p:sp>
+      <p:sp>
+        <p:nvSpPr>
+          <p:cNvPr id="57" name="TextBox 56"/>
           <p:cNvSpPr txBox="1"/>
           <p:nvPr/>
         </p:nvSpPr>
         <p:spPr>
           <a:xfrm>
-            <a:off x="14655911" y="10863949"/>
-            <a:ext cx="6521791" cy="584775"/>
+            <a:off x="34206700" y="15304294"/>
+            <a:ext cx="3941736" cy="1200329"/>
           </a:xfrm>
           <a:prstGeom prst="rect">
             <a:avLst/>
@@ -4745,24 +5270,25 @@
           </a:bodyPr>
           <a:lstStyle/>
           <a:p>
-            <a:r>
-              <a:rPr lang="en-US" sz="3200" dirty="0" smtClean="0"/>
-              <a:t>Stage 3: Code Analytics and Prediction</a:t>
-            </a:r>
-            <a:endParaRPr lang="en-US" sz="3200" dirty="0"/>
-          </a:p>
-        </p:txBody>
-      </p:sp>
-      <p:sp>
-        <p:nvSpPr>
-          <p:cNvPr id="48" name="8 CuadroTexto"/>
+            <a:pPr algn="ctr"/>
+            <a:r>
+              <a:rPr lang="en-US" sz="3600" dirty="0" smtClean="0"/>
+              <a:t>New app installed details</a:t>
+            </a:r>
+            <a:endParaRPr lang="en-US" sz="3600" dirty="0"/>
+          </a:p>
+        </p:txBody>
+      </p:sp>
+      <p:sp>
+        <p:nvSpPr>
+          <p:cNvPr id="60" name="TextBox 59"/>
           <p:cNvSpPr txBox="1"/>
           <p:nvPr/>
         </p:nvSpPr>
         <p:spPr>
           <a:xfrm>
-            <a:off x="26033383" y="17656637"/>
-            <a:ext cx="13833987" cy="1323439"/>
+            <a:off x="39287879" y="15387377"/>
+            <a:ext cx="3941736" cy="1754326"/>
           </a:xfrm>
           <a:prstGeom prst="rect">
             <a:avLst/>
@@ -4777,213 +5303,13 @@
           <a:p>
             <a:pPr algn="ctr"/>
             <a:r>
-              <a:rPr lang="en-US" sz="8000" dirty="0" smtClean="0">
-                <a:ln w="18415" cmpd="sng">
-                  <a:noFill/>
-                  <a:prstDash val="solid"/>
-                </a:ln>
-                <a:effectLst>
-                  <a:outerShdw blurRad="63500" dir="3600000" algn="tl" rotWithShape="0">
-                    <a:srgbClr val="000000">
-                      <a:alpha val="70000"/>
-                    </a:srgbClr>
-                  </a:outerShdw>
-                </a:effectLst>
-                <a:cs typeface="Times New Roman" panose="02020603050405020304" pitchFamily="18" charset="0"/>
-              </a:rPr>
-              <a:t>Admin Dashboard Visualization</a:t>
-            </a:r>
-            <a:endParaRPr lang="en-US" sz="8000" dirty="0">
-              <a:ln w="18415" cmpd="sng">
-                <a:noFill/>
-                <a:prstDash val="solid"/>
-              </a:ln>
-              <a:effectLst>
-                <a:outerShdw blurRad="63500" dir="3600000" algn="tl" rotWithShape="0">
-                  <a:srgbClr val="000000">
-                    <a:alpha val="70000"/>
-                  </a:srgbClr>
-                </a:outerShdw>
-              </a:effectLst>
-              <a:cs typeface="Times New Roman" panose="02020603050405020304" pitchFamily="18" charset="0"/>
-            </a:endParaRPr>
-          </a:p>
-        </p:txBody>
-      </p:sp>
-      <p:sp>
-        <p:nvSpPr>
-          <p:cNvPr id="49" name="8 CuadroTexto"/>
-          <p:cNvSpPr txBox="1"/>
-          <p:nvPr/>
-        </p:nvSpPr>
-        <p:spPr>
-          <a:xfrm>
-            <a:off x="6139102" y="30548091"/>
-            <a:ext cx="8924544" cy="1323439"/>
-          </a:xfrm>
-          <a:prstGeom prst="rect">
-            <a:avLst/>
-          </a:prstGeom>
-          <a:noFill/>
-        </p:spPr>
-        <p:txBody>
-          <a:bodyPr wrap="square" rtlCol="0">
-            <a:spAutoFit/>
-          </a:bodyPr>
-          <a:lstStyle/>
-          <a:p>
-            <a:pPr algn="ctr"/>
-            <a:r>
-              <a:rPr lang="en-US" sz="8000" dirty="0" smtClean="0">
-                <a:ln w="18415" cmpd="sng">
-                  <a:noFill/>
-                  <a:prstDash val="solid"/>
-                </a:ln>
-                <a:effectLst>
-                  <a:outerShdw blurRad="63500" dir="3600000" algn="tl" rotWithShape="0">
-                    <a:srgbClr val="000000">
-                      <a:alpha val="70000"/>
-                    </a:srgbClr>
-                  </a:outerShdw>
-                </a:effectLst>
-                <a:cs typeface="Times New Roman" panose="02020603050405020304" pitchFamily="18" charset="0"/>
-              </a:rPr>
-              <a:t>Mobile Visualization</a:t>
-            </a:r>
-            <a:endParaRPr lang="en-US" sz="8000" dirty="0">
-              <a:ln w="18415" cmpd="sng">
-                <a:noFill/>
-                <a:prstDash val="solid"/>
-              </a:ln>
-              <a:effectLst>
-                <a:outerShdw blurRad="63500" dir="3600000" algn="tl" rotWithShape="0">
-                  <a:srgbClr val="000000">
-                    <a:alpha val="70000"/>
-                  </a:srgbClr>
-                </a:outerShdw>
-              </a:effectLst>
-              <a:cs typeface="Times New Roman" panose="02020603050405020304" pitchFamily="18" charset="0"/>
-            </a:endParaRPr>
-          </a:p>
-        </p:txBody>
-      </p:sp>
-      <p:sp>
-        <p:nvSpPr>
-          <p:cNvPr id="50" name="8 CuadroTexto"/>
-          <p:cNvSpPr txBox="1"/>
-          <p:nvPr/>
-        </p:nvSpPr>
-        <p:spPr>
-          <a:xfrm>
-            <a:off x="28488105" y="30502354"/>
-            <a:ext cx="8924544" cy="1323439"/>
-          </a:xfrm>
-          <a:prstGeom prst="rect">
-            <a:avLst/>
-          </a:prstGeom>
-          <a:noFill/>
-        </p:spPr>
-        <p:txBody>
-          <a:bodyPr wrap="square" rtlCol="0">
-            <a:spAutoFit/>
-          </a:bodyPr>
-          <a:lstStyle/>
-          <a:p>
-            <a:pPr algn="ctr"/>
-            <a:r>
-              <a:rPr lang="en-US" sz="8000" dirty="0" smtClean="0">
-                <a:ln w="18415" cmpd="sng">
-                  <a:noFill/>
-                  <a:prstDash val="solid"/>
-                </a:ln>
-                <a:effectLst>
-                  <a:outerShdw blurRad="63500" dir="3600000" algn="tl" rotWithShape="0">
-                    <a:srgbClr val="000000">
-                      <a:alpha val="70000"/>
-                    </a:srgbClr>
-                  </a:outerShdw>
-                </a:effectLst>
-                <a:cs typeface="Times New Roman" panose="02020603050405020304" pitchFamily="18" charset="0"/>
-              </a:rPr>
-              <a:t>Recommendations</a:t>
-            </a:r>
-            <a:endParaRPr lang="en-US" sz="8000" dirty="0">
-              <a:ln w="18415" cmpd="sng">
-                <a:noFill/>
-                <a:prstDash val="solid"/>
-              </a:ln>
-              <a:effectLst>
-                <a:outerShdw blurRad="63500" dir="3600000" algn="tl" rotWithShape="0">
-                  <a:srgbClr val="000000">
-                    <a:alpha val="70000"/>
-                  </a:srgbClr>
-                </a:outerShdw>
-              </a:effectLst>
-              <a:cs typeface="Times New Roman" panose="02020603050405020304" pitchFamily="18" charset="0"/>
-            </a:endParaRPr>
-          </a:p>
-        </p:txBody>
-      </p:sp>
-      <p:pic>
-        <p:nvPicPr>
-          <p:cNvPr id="20" name="Picture 19" descr="Screen Clipping"/>
-          <p:cNvPicPr>
-            <a:picLocks noChangeAspect="1"/>
-          </p:cNvPicPr>
-          <p:nvPr/>
-        </p:nvPicPr>
-        <p:blipFill>
-          <a:blip r:embed="rId15">
-            <a:extLst>
-              <a:ext uri="{28A0092B-C50C-407E-A947-70E740481C1C}">
-                <a14:useLocalDpi xmlns:a14="http://schemas.microsoft.com/office/drawing/2010/main" val="0"/>
-              </a:ext>
-            </a:extLst>
-          </a:blip>
-          <a:stretch>
-            <a:fillRect/>
-          </a:stretch>
-        </p:blipFill>
-        <p:spPr>
-          <a:xfrm>
-            <a:off x="22625543" y="6413424"/>
-            <a:ext cx="20587231" cy="10847386"/>
-          </a:xfrm>
-          <a:prstGeom prst="rect">
-            <a:avLst/>
-          </a:prstGeom>
-        </p:spPr>
-      </p:pic>
-      <p:pic>
-        <p:nvPicPr>
-          <p:cNvPr id="21" name="Picture 20"/>
-          <p:cNvPicPr>
-            <a:picLocks noChangeAspect="1"/>
-          </p:cNvPicPr>
-          <p:nvPr/>
-        </p:nvPicPr>
-        <p:blipFill>
-          <a:blip r:embed="rId16">
-            <a:extLst>
-              <a:ext uri="{28A0092B-C50C-407E-A947-70E740481C1C}">
-                <a14:useLocalDpi xmlns:a14="http://schemas.microsoft.com/office/drawing/2010/main" val="0"/>
-              </a:ext>
-            </a:extLst>
-          </a:blip>
-          <a:stretch>
-            <a:fillRect/>
-          </a:stretch>
-        </p:blipFill>
-        <p:spPr>
-          <a:xfrm>
-            <a:off x="2655192" y="19908419"/>
-            <a:ext cx="15486105" cy="9310664"/>
-          </a:xfrm>
-          <a:prstGeom prst="rect">
-            <a:avLst/>
-          </a:prstGeom>
-        </p:spPr>
-      </p:pic>
+              <a:rPr lang="en-US" sz="3600" dirty="0" smtClean="0"/>
+              <a:t>New app installed privacy and security details</a:t>
+            </a:r>
+            <a:endParaRPr lang="en-US" sz="3600" dirty="0"/>
+          </a:p>
+        </p:txBody>
+      </p:sp>
     </p:spTree>
     <p:extLst>
       <p:ext uri="{BB962C8B-B14F-4D97-AF65-F5344CB8AC3E}">

--- a/documentation/posters/PosterSessionMITRE.pptx
+++ b/documentation/posters/PosterSessionMITRE.pptx
@@ -3324,7 +3324,87 @@
                 </a:effectLst>
                 <a:cs typeface="Times New Roman" panose="02020603050405020304" pitchFamily="18" charset="0"/>
               </a:rPr>
-              <a:t>, N. Banerjee, R. Robucci, T. Zhu, A. Joshi, T. Finin</a:t>
+              <a:t>, N. Banerjee, </a:t>
+            </a:r>
+            <a:r>
+              <a:rPr lang="en-US" sz="8000" dirty="0">
+                <a:ln w="18415" cmpd="sng">
+                  <a:noFill/>
+                  <a:prstDash val="solid"/>
+                </a:ln>
+                <a:solidFill>
+                  <a:srgbClr val="FFFFFF"/>
+                </a:solidFill>
+                <a:effectLst>
+                  <a:outerShdw blurRad="63500" dir="3600000" algn="tl" rotWithShape="0">
+                    <a:srgbClr val="000000">
+                      <a:alpha val="70000"/>
+                    </a:srgbClr>
+                  </a:outerShdw>
+                </a:effectLst>
+                <a:cs typeface="Times New Roman" panose="02020603050405020304" pitchFamily="18" charset="0"/>
+              </a:rPr>
+              <a:t>A. Joshi, R</a:t>
+            </a:r>
+            <a:r>
+              <a:rPr lang="en-US" sz="8000" dirty="0" smtClean="0">
+                <a:ln w="18415" cmpd="sng">
+                  <a:noFill/>
+                  <a:prstDash val="solid"/>
+                </a:ln>
+                <a:solidFill>
+                  <a:srgbClr val="FFFFFF"/>
+                </a:solidFill>
+                <a:effectLst>
+                  <a:outerShdw blurRad="63500" dir="3600000" algn="tl" rotWithShape="0">
+                    <a:srgbClr val="000000">
+                      <a:alpha val="70000"/>
+                    </a:srgbClr>
+                  </a:outerShdw>
+                </a:effectLst>
+                <a:cs typeface="Times New Roman" panose="02020603050405020304" pitchFamily="18" charset="0"/>
+              </a:rPr>
+              <a:t>. Robucci, T. Zhu, </a:t>
+            </a:r>
+            <a:r>
+              <a:rPr lang="en-US" sz="8000" dirty="0" smtClean="0">
+                <a:ln w="18415" cmpd="sng">
+                  <a:noFill/>
+                  <a:prstDash val="solid"/>
+                </a:ln>
+                <a:solidFill>
+                  <a:srgbClr val="FFFFFF"/>
+                </a:solidFill>
+                <a:effectLst>
+                  <a:outerShdw blurRad="63500" dir="3600000" algn="tl" rotWithShape="0">
+                    <a:srgbClr val="000000">
+                      <a:alpha val="70000"/>
+                    </a:srgbClr>
+                  </a:outerShdw>
+                </a:effectLst>
+                <a:cs typeface="Times New Roman" panose="02020603050405020304" pitchFamily="18" charset="0"/>
+              </a:rPr>
+              <a:t>T</a:t>
+            </a:r>
+            <a:r>
+              <a:rPr lang="en-US" sz="8000" dirty="0" smtClean="0">
+                <a:ln w="18415" cmpd="sng">
+                  <a:noFill/>
+                  <a:prstDash val="solid"/>
+                </a:ln>
+                <a:solidFill>
+                  <a:srgbClr val="FFFFFF"/>
+                </a:solidFill>
+                <a:effectLst>
+                  <a:outerShdw blurRad="63500" dir="3600000" algn="tl" rotWithShape="0">
+                    <a:srgbClr val="000000">
+                      <a:alpha val="70000"/>
+                    </a:srgbClr>
+                  </a:outerShdw>
+                </a:effectLst>
+                <a:cs typeface="Times New Roman" panose="02020603050405020304" pitchFamily="18" charset="0"/>
+              </a:rPr>
+              <a:t>. Finin</a:t>
             </a:r>
             <a:endParaRPr lang="en-US" sz="8000" dirty="0">
               <a:ln w="18415" cmpd="sng">
@@ -4718,24 +4798,7 @@
                 </a:effectLst>
                 <a:cs typeface="Times New Roman" panose="02020603050405020304" pitchFamily="18" charset="0"/>
               </a:rPr>
-              <a:t>Mobile App </a:t>
-            </a:r>
-            <a:r>
-              <a:rPr lang="en-US" sz="8000" dirty="0" smtClean="0">
-                <a:ln w="18415" cmpd="sng">
-                  <a:noFill/>
-                  <a:prstDash val="solid"/>
-                </a:ln>
-                <a:effectLst>
-                  <a:outerShdw blurRad="63500" dir="3600000" algn="tl" rotWithShape="0">
-                    <a:srgbClr val="000000">
-                      <a:alpha val="70000"/>
-                    </a:srgbClr>
-                  </a:outerShdw>
-                </a:effectLst>
-                <a:cs typeface="Times New Roman" panose="02020603050405020304" pitchFamily="18" charset="0"/>
-              </a:rPr>
-              <a:t>Visualizations</a:t>
+              <a:t>Mobile App Visualizations</a:t>
             </a:r>
             <a:endParaRPr lang="en-US" sz="8000" dirty="0">
               <a:ln w="18415" cmpd="sng">

--- a/documentation/posters/PosterSessionMITRE.pptx
+++ b/documentation/posters/PosterSessionMITRE.pptx
@@ -3364,47 +3364,7 @@
                 </a:effectLst>
                 <a:cs typeface="Times New Roman" panose="02020603050405020304" pitchFamily="18" charset="0"/>
               </a:rPr>
-              <a:t>. Robucci, T. Zhu, </a:t>
-            </a:r>
-            <a:r>
-              <a:rPr lang="en-US" sz="8000" dirty="0" smtClean="0">
-                <a:ln w="18415" cmpd="sng">
-                  <a:noFill/>
-                  <a:prstDash val="solid"/>
-                </a:ln>
-                <a:solidFill>
-                  <a:srgbClr val="FFFFFF"/>
-                </a:solidFill>
-                <a:effectLst>
-                  <a:outerShdw blurRad="63500" dir="3600000" algn="tl" rotWithShape="0">
-                    <a:srgbClr val="000000">
-                      <a:alpha val="70000"/>
-                    </a:srgbClr>
-                  </a:outerShdw>
-                </a:effectLst>
-                <a:cs typeface="Times New Roman" panose="02020603050405020304" pitchFamily="18" charset="0"/>
-              </a:rPr>
-              <a:t>T</a:t>
-            </a:r>
-            <a:r>
-              <a:rPr lang="en-US" sz="8000" dirty="0" smtClean="0">
-                <a:ln w="18415" cmpd="sng">
-                  <a:noFill/>
-                  <a:prstDash val="solid"/>
-                </a:ln>
-                <a:solidFill>
-                  <a:srgbClr val="FFFFFF"/>
-                </a:solidFill>
-                <a:effectLst>
-                  <a:outerShdw blurRad="63500" dir="3600000" algn="tl" rotWithShape="0">
-                    <a:srgbClr val="000000">
-                      <a:alpha val="70000"/>
-                    </a:srgbClr>
-                  </a:outerShdw>
-                </a:effectLst>
-                <a:cs typeface="Times New Roman" panose="02020603050405020304" pitchFamily="18" charset="0"/>
-              </a:rPr>
-              <a:t>. Finin</a:t>
+              <a:t>. Robucci, T. Zhu, T. Finin</a:t>
             </a:r>
             <a:endParaRPr lang="en-US" sz="8000" dirty="0">
               <a:ln w="18415" cmpd="sng">
@@ -3525,8 +3485,8 @@
         </p:nvSpPr>
         <p:spPr>
           <a:xfrm>
-            <a:off x="29020335" y="31825793"/>
-            <a:ext cx="14870865" cy="1092607"/>
+            <a:off x="11389532" y="32002856"/>
+            <a:ext cx="21112136" cy="1092607"/>
           </a:xfrm>
           <a:prstGeom prst="rect">
             <a:avLst/>
@@ -3561,7 +3521,31 @@
                 </a:solidFill>
                 <a:cs typeface="Times New Roman" panose="02020603050405020304" pitchFamily="18" charset="0"/>
               </a:rPr>
-              <a:t>upported by NSF #0910838 </a:t>
+              <a:t>upported by </a:t>
+            </a:r>
+            <a:r>
+              <a:rPr lang="en-US" sz="6500" dirty="0" smtClean="0">
+                <a:solidFill>
+                  <a:schemeClr val="tx1">
+                    <a:lumMod val="65000"/>
+                    <a:lumOff val="35000"/>
+                  </a:schemeClr>
+                </a:solidFill>
+                <a:cs typeface="Times New Roman" panose="02020603050405020304" pitchFamily="18" charset="0"/>
+              </a:rPr>
+              <a:t>MITRE and NSF Grants </a:t>
+            </a:r>
+            <a:r>
+              <a:rPr lang="en-US" sz="6500" dirty="0" smtClean="0">
+                <a:solidFill>
+                  <a:schemeClr val="tx1">
+                    <a:lumMod val="65000"/>
+                    <a:lumOff val="35000"/>
+                  </a:schemeClr>
+                </a:solidFill>
+                <a:cs typeface="Times New Roman" panose="02020603050405020304" pitchFamily="18" charset="0"/>
+              </a:rPr>
+              <a:t>#0910838 </a:t>
             </a:r>
             <a:r>
               <a:rPr lang="en-US" sz="6500" dirty="0">
@@ -3621,7 +3605,7 @@
         </p:blipFill>
         <p:spPr>
           <a:xfrm>
-            <a:off x="21112136" y="31270142"/>
+            <a:off x="42151120" y="31209809"/>
             <a:ext cx="1666928" cy="1666928"/>
           </a:xfrm>
           <a:prstGeom prst="rect">
@@ -4211,7 +4195,7 @@
         </p:blipFill>
         <p:spPr>
           <a:xfrm>
-            <a:off x="6978632" y="14332050"/>
+            <a:off x="7010650" y="14308201"/>
             <a:ext cx="2639060" cy="2996348"/>
           </a:xfrm>
           <a:prstGeom prst="rect">
@@ -4855,7 +4839,24 @@
                 </a:effectLst>
                 <a:cs typeface="Times New Roman" panose="02020603050405020304" pitchFamily="18" charset="0"/>
               </a:rPr>
-              <a:t>Procedural details</a:t>
+              <a:t>Procedural </a:t>
+            </a:r>
+            <a:r>
+              <a:rPr lang="en-US" sz="8000" dirty="0" smtClean="0">
+                <a:ln w="18415" cmpd="sng">
+                  <a:noFill/>
+                  <a:prstDash val="solid"/>
+                </a:ln>
+                <a:effectLst>
+                  <a:outerShdw blurRad="63500" dir="3600000" algn="tl" rotWithShape="0">
+                    <a:srgbClr val="000000">
+                      <a:alpha val="70000"/>
+                    </a:srgbClr>
+                  </a:outerShdw>
+                </a:effectLst>
+                <a:cs typeface="Times New Roman" panose="02020603050405020304" pitchFamily="18" charset="0"/>
+              </a:rPr>
+              <a:t>Details</a:t>
             </a:r>
             <a:endParaRPr lang="en-US" sz="8000" dirty="0">
               <a:ln w="18415" cmpd="sng">
@@ -5151,8 +5152,8 @@
         </p:blipFill>
         <p:spPr>
           <a:xfrm>
-            <a:off x="21833999" y="7609680"/>
-            <a:ext cx="5536703" cy="7507239"/>
+            <a:off x="21319501" y="6405522"/>
+            <a:ext cx="6928523" cy="8797401"/>
           </a:xfrm>
           <a:prstGeom prst="rect">
             <a:avLst/>
@@ -5181,8 +5182,8 @@
         </p:blipFill>
         <p:spPr>
           <a:xfrm>
-            <a:off x="38490396" y="7623514"/>
-            <a:ext cx="5536703" cy="7507239"/>
+            <a:off x="37310305" y="6402649"/>
+            <a:ext cx="7049606" cy="8782790"/>
           </a:xfrm>
           <a:prstGeom prst="rect">
             <a:avLst/>
@@ -5211,8 +5212,8 @@
         </p:blipFill>
         <p:spPr>
           <a:xfrm>
-            <a:off x="33133607" y="7620641"/>
-            <a:ext cx="5536703" cy="7507239"/>
+            <a:off x="31886103" y="6405522"/>
+            <a:ext cx="7049606" cy="8779917"/>
           </a:xfrm>
           <a:prstGeom prst="rect">
             <a:avLst/>
@@ -5241,8 +5242,8 @@
         </p:blipFill>
         <p:spPr>
           <a:xfrm>
-            <a:off x="27214683" y="7620641"/>
-            <a:ext cx="5536703" cy="7507239"/>
+            <a:off x="26544183" y="6405522"/>
+            <a:ext cx="7049606" cy="8779917"/>
           </a:xfrm>
           <a:prstGeom prst="rect">
             <a:avLst/>
@@ -5257,7 +5258,7 @@
         </p:nvSpPr>
         <p:spPr>
           <a:xfrm>
-            <a:off x="22631482" y="15366059"/>
+            <a:off x="22812894" y="15385709"/>
             <a:ext cx="3941736" cy="646331"/>
           </a:xfrm>
           <a:prstGeom prst="rect">
@@ -5288,8 +5289,8 @@
         </p:nvSpPr>
         <p:spPr>
           <a:xfrm>
-            <a:off x="28012166" y="15366059"/>
-            <a:ext cx="3941736" cy="1200329"/>
+            <a:off x="27880678" y="15356171"/>
+            <a:ext cx="4376616" cy="1200329"/>
           </a:xfrm>
           <a:prstGeom prst="rect">
             <a:avLst/>
@@ -5319,8 +5320,8 @@
         </p:nvSpPr>
         <p:spPr>
           <a:xfrm>
-            <a:off x="34206700" y="15304294"/>
-            <a:ext cx="3941736" cy="1200329"/>
+            <a:off x="33366864" y="15387643"/>
+            <a:ext cx="4088083" cy="1200329"/>
           </a:xfrm>
           <a:prstGeom prst="rect">
             <a:avLst/>
@@ -5350,7 +5351,7 @@
         </p:nvSpPr>
         <p:spPr>
           <a:xfrm>
-            <a:off x="39287879" y="15387377"/>
+            <a:off x="38864240" y="15356171"/>
             <a:ext cx="3941736" cy="1754326"/>
           </a:xfrm>
           <a:prstGeom prst="rect">

--- a/documentation/posters/PosterSessionMITRE.pptx
+++ b/documentation/posters/PosterSessionMITRE.pptx
@@ -254,7 +254,7 @@
           <a:p>
             <a:fld id="{DFD128C4-98CE-46E2-91F4-BE933B3E29A8}" type="datetimeFigureOut">
               <a:rPr lang="en-US" smtClean="0"/>
-              <a:t>8/30/2015</a:t>
+              <a:t>8/31/2015</a:t>
             </a:fld>
             <a:endParaRPr lang="en-US" dirty="0"/>
           </a:p>
@@ -424,7 +424,7 @@
           <a:p>
             <a:fld id="{DFD128C4-98CE-46E2-91F4-BE933B3E29A8}" type="datetimeFigureOut">
               <a:rPr lang="en-US" smtClean="0"/>
-              <a:t>8/30/2015</a:t>
+              <a:t>8/31/2015</a:t>
             </a:fld>
             <a:endParaRPr lang="en-US" dirty="0"/>
           </a:p>
@@ -604,7 +604,7 @@
           <a:p>
             <a:fld id="{DFD128C4-98CE-46E2-91F4-BE933B3E29A8}" type="datetimeFigureOut">
               <a:rPr lang="en-US" smtClean="0"/>
-              <a:t>8/30/2015</a:t>
+              <a:t>8/31/2015</a:t>
             </a:fld>
             <a:endParaRPr lang="en-US" dirty="0"/>
           </a:p>
@@ -774,7 +774,7 @@
           <a:p>
             <a:fld id="{DFD128C4-98CE-46E2-91F4-BE933B3E29A8}" type="datetimeFigureOut">
               <a:rPr lang="en-US" smtClean="0"/>
-              <a:t>8/30/2015</a:t>
+              <a:t>8/31/2015</a:t>
             </a:fld>
             <a:endParaRPr lang="en-US" dirty="0"/>
           </a:p>
@@ -1018,7 +1018,7 @@
           <a:p>
             <a:fld id="{DFD128C4-98CE-46E2-91F4-BE933B3E29A8}" type="datetimeFigureOut">
               <a:rPr lang="en-US" smtClean="0"/>
-              <a:t>8/30/2015</a:t>
+              <a:t>8/31/2015</a:t>
             </a:fld>
             <a:endParaRPr lang="en-US" dirty="0"/>
           </a:p>
@@ -1250,7 +1250,7 @@
           <a:p>
             <a:fld id="{DFD128C4-98CE-46E2-91F4-BE933B3E29A8}" type="datetimeFigureOut">
               <a:rPr lang="en-US" smtClean="0"/>
-              <a:t>8/30/2015</a:t>
+              <a:t>8/31/2015</a:t>
             </a:fld>
             <a:endParaRPr lang="en-US" dirty="0"/>
           </a:p>
@@ -1617,7 +1617,7 @@
           <a:p>
             <a:fld id="{DFD128C4-98CE-46E2-91F4-BE933B3E29A8}" type="datetimeFigureOut">
               <a:rPr lang="en-US" smtClean="0"/>
-              <a:t>8/30/2015</a:t>
+              <a:t>8/31/2015</a:t>
             </a:fld>
             <a:endParaRPr lang="en-US" dirty="0"/>
           </a:p>
@@ -1735,7 +1735,7 @@
           <a:p>
             <a:fld id="{DFD128C4-98CE-46E2-91F4-BE933B3E29A8}" type="datetimeFigureOut">
               <a:rPr lang="en-US" smtClean="0"/>
-              <a:t>8/30/2015</a:t>
+              <a:t>8/31/2015</a:t>
             </a:fld>
             <a:endParaRPr lang="en-US" dirty="0"/>
           </a:p>
@@ -1830,7 +1830,7 @@
           <a:p>
             <a:fld id="{DFD128C4-98CE-46E2-91F4-BE933B3E29A8}" type="datetimeFigureOut">
               <a:rPr lang="en-US" smtClean="0"/>
-              <a:t>8/30/2015</a:t>
+              <a:t>8/31/2015</a:t>
             </a:fld>
             <a:endParaRPr lang="en-US" dirty="0"/>
           </a:p>
@@ -2107,7 +2107,7 @@
           <a:p>
             <a:fld id="{DFD128C4-98CE-46E2-91F4-BE933B3E29A8}" type="datetimeFigureOut">
               <a:rPr lang="en-US" smtClean="0"/>
-              <a:t>8/30/2015</a:t>
+              <a:t>8/31/2015</a:t>
             </a:fld>
             <a:endParaRPr lang="en-US" dirty="0"/>
           </a:p>
@@ -2364,7 +2364,7 @@
           <a:p>
             <a:fld id="{DFD128C4-98CE-46E2-91F4-BE933B3E29A8}" type="datetimeFigureOut">
               <a:rPr lang="en-US" smtClean="0"/>
-              <a:t>8/30/2015</a:t>
+              <a:t>8/31/2015</a:t>
             </a:fld>
             <a:endParaRPr lang="en-US" dirty="0"/>
           </a:p>
@@ -2577,7 +2577,7 @@
           <a:p>
             <a:fld id="{DFD128C4-98CE-46E2-91F4-BE933B3E29A8}" type="datetimeFigureOut">
               <a:rPr lang="en-US" smtClean="0"/>
-              <a:t>8/30/2015</a:t>
+              <a:t>8/31/2015</a:t>
             </a:fld>
             <a:endParaRPr lang="en-US" dirty="0"/>
           </a:p>
@@ -3521,31 +3521,7 @@
                 </a:solidFill>
                 <a:cs typeface="Times New Roman" panose="02020603050405020304" pitchFamily="18" charset="0"/>
               </a:rPr>
-              <a:t>upported by </a:t>
-            </a:r>
-            <a:r>
-              <a:rPr lang="en-US" sz="6500" dirty="0" smtClean="0">
-                <a:solidFill>
-                  <a:schemeClr val="tx1">
-                    <a:lumMod val="65000"/>
-                    <a:lumOff val="35000"/>
-                  </a:schemeClr>
-                </a:solidFill>
-                <a:cs typeface="Times New Roman" panose="02020603050405020304" pitchFamily="18" charset="0"/>
-              </a:rPr>
-              <a:t>MITRE and NSF Grants </a:t>
-            </a:r>
-            <a:r>
-              <a:rPr lang="en-US" sz="6500" dirty="0" smtClean="0">
-                <a:solidFill>
-                  <a:schemeClr val="tx1">
-                    <a:lumMod val="65000"/>
-                    <a:lumOff val="35000"/>
-                  </a:schemeClr>
-                </a:solidFill>
-                <a:cs typeface="Times New Roman" panose="02020603050405020304" pitchFamily="18" charset="0"/>
-              </a:rPr>
-              <a:t>#0910838 </a:t>
+              <a:t>upported by MITRE and NSF Grants #0910838 </a:t>
             </a:r>
             <a:r>
               <a:rPr lang="en-US" sz="6500" dirty="0">
@@ -3749,7 +3725,7 @@
         <p:spPr>
           <a:xfrm>
             <a:off x="263991" y="18762852"/>
-            <a:ext cx="21535306" cy="11631168"/>
+            <a:ext cx="23964012" cy="11631168"/>
           </a:xfrm>
           <a:prstGeom prst="roundRect">
             <a:avLst>
@@ -3815,8 +3791,8 @@
         </p:nvSpPr>
         <p:spPr>
           <a:xfrm>
-            <a:off x="22182724" y="18762852"/>
-            <a:ext cx="21535306" cy="11631168"/>
+            <a:off x="24511818" y="18762852"/>
+            <a:ext cx="19206211" cy="11631168"/>
           </a:xfrm>
           <a:prstGeom prst="roundRect">
             <a:avLst>
@@ -4839,24 +4815,7 @@
                 </a:effectLst>
                 <a:cs typeface="Times New Roman" panose="02020603050405020304" pitchFamily="18" charset="0"/>
               </a:rPr>
-              <a:t>Procedural </a:t>
-            </a:r>
-            <a:r>
-              <a:rPr lang="en-US" sz="8000" dirty="0" smtClean="0">
-                <a:ln w="18415" cmpd="sng">
-                  <a:noFill/>
-                  <a:prstDash val="solid"/>
-                </a:ln>
-                <a:effectLst>
-                  <a:outerShdw blurRad="63500" dir="3600000" algn="tl" rotWithShape="0">
-                    <a:srgbClr val="000000">
-                      <a:alpha val="70000"/>
-                    </a:srgbClr>
-                  </a:outerShdw>
-                </a:effectLst>
-                <a:cs typeface="Times New Roman" panose="02020603050405020304" pitchFamily="18" charset="0"/>
-              </a:rPr>
-              <a:t>Details</a:t>
+              <a:t>Procedural Details</a:t>
             </a:r>
             <a:endParaRPr lang="en-US" sz="8000" dirty="0">
               <a:ln w="18415" cmpd="sng">
@@ -4940,8 +4899,8 @@
         </p:blipFill>
         <p:spPr>
           <a:xfrm>
-            <a:off x="22557622" y="19050014"/>
-            <a:ext cx="20876591" cy="11112484"/>
+            <a:off x="24718298" y="19050014"/>
+            <a:ext cx="18715916" cy="11112484"/>
           </a:xfrm>
           <a:prstGeom prst="rect">
             <a:avLst/>
@@ -4970,8 +4929,8 @@
         </p:blipFill>
         <p:spPr>
           <a:xfrm>
-            <a:off x="616715" y="19248729"/>
-            <a:ext cx="11386488" cy="10509499"/>
+            <a:off x="616715" y="19248730"/>
+            <a:ext cx="11386488" cy="8571278"/>
           </a:xfrm>
           <a:prstGeom prst="rect">
             <a:avLst/>
@@ -5000,8 +4959,8 @@
         </p:blipFill>
         <p:spPr>
           <a:xfrm>
-            <a:off x="12097666" y="19248729"/>
-            <a:ext cx="9373223" cy="4981638"/>
+            <a:off x="12097666" y="19248728"/>
+            <a:ext cx="7901147" cy="5288925"/>
           </a:xfrm>
           <a:prstGeom prst="rect">
             <a:avLst/>
@@ -5030,8 +4989,8 @@
         </p:blipFill>
         <p:spPr>
           <a:xfrm>
-            <a:off x="12086095" y="24316412"/>
-            <a:ext cx="9384794" cy="5486313"/>
+            <a:off x="12068020" y="24691725"/>
+            <a:ext cx="7912718" cy="5486313"/>
           </a:xfrm>
           <a:prstGeom prst="rect">
             <a:avLst/>
@@ -5371,6 +5330,148 @@
               <a:t>New app installed privacy and security details</a:t>
             </a:r>
             <a:endParaRPr lang="en-US" sz="3600" dirty="0"/>
+          </a:p>
+        </p:txBody>
+      </p:sp>
+      <p:sp>
+        <p:nvSpPr>
+          <p:cNvPr id="21" name="TextBox 20"/>
+          <p:cNvSpPr txBox="1"/>
+          <p:nvPr/>
+        </p:nvSpPr>
+        <p:spPr>
+          <a:xfrm>
+            <a:off x="677952" y="27891912"/>
+            <a:ext cx="11362901" cy="2062103"/>
+          </a:xfrm>
+          <a:prstGeom prst="rect">
+            <a:avLst/>
+          </a:prstGeom>
+          <a:noFill/>
+        </p:spPr>
+        <p:txBody>
+          <a:bodyPr wrap="square" rtlCol="0">
+            <a:spAutoFit/>
+          </a:bodyPr>
+          <a:lstStyle/>
+          <a:p>
+            <a:pPr marL="457200" indent="-457200">
+              <a:buFont typeface="Arial" panose="020B0604020202020204" pitchFamily="34" charset="0"/>
+              <a:buChar char="•"/>
+            </a:pPr>
+            <a:r>
+              <a:rPr lang="en-US" sz="3200" dirty="0" smtClean="0"/>
+              <a:t>Certain permissions are requested by a lot of apps</a:t>
+            </a:r>
+          </a:p>
+          <a:p>
+            <a:pPr marL="457200" indent="-457200">
+              <a:buFont typeface="Arial" panose="020B0604020202020204" pitchFamily="34" charset="0"/>
+              <a:buChar char="•"/>
+            </a:pPr>
+            <a:r>
+              <a:rPr lang="en-US" sz="3200" dirty="0" smtClean="0"/>
+              <a:t>A lot of permissions = Feature vectors are there (with not equal amounts of information)</a:t>
+            </a:r>
+          </a:p>
+          <a:p>
+            <a:pPr marL="457200" indent="-457200">
+              <a:buFont typeface="Arial" panose="020B0604020202020204" pitchFamily="34" charset="0"/>
+              <a:buChar char="•"/>
+            </a:pPr>
+            <a:r>
+              <a:rPr lang="en-US" sz="3200" dirty="0" smtClean="0"/>
+              <a:t>Dimensionality reduction algorithms like SVD have been used</a:t>
+            </a:r>
+            <a:endParaRPr lang="en-US" sz="3200" dirty="0"/>
+          </a:p>
+        </p:txBody>
+      </p:sp>
+      <p:sp>
+        <p:nvSpPr>
+          <p:cNvPr id="54" name="TextBox 53"/>
+          <p:cNvSpPr txBox="1"/>
+          <p:nvPr/>
+        </p:nvSpPr>
+        <p:spPr>
+          <a:xfrm>
+            <a:off x="19998814" y="19268847"/>
+            <a:ext cx="3864144" cy="6494085"/>
+          </a:xfrm>
+          <a:prstGeom prst="rect">
+            <a:avLst/>
+          </a:prstGeom>
+          <a:noFill/>
+        </p:spPr>
+        <p:txBody>
+          <a:bodyPr wrap="square" rtlCol="0">
+            <a:spAutoFit/>
+          </a:bodyPr>
+          <a:lstStyle/>
+          <a:p>
+            <a:pPr marL="457200" indent="-457200">
+              <a:buFont typeface="Arial" panose="020B0604020202020204" pitchFamily="34" charset="0"/>
+              <a:buChar char="•"/>
+            </a:pPr>
+            <a:r>
+              <a:rPr lang="en-US" sz="3200" dirty="0"/>
+              <a:t>External and Internal cluster evaluation metrics used</a:t>
+            </a:r>
+          </a:p>
+          <a:p>
+            <a:pPr marL="457200" indent="-457200">
+              <a:buFont typeface="Arial" panose="020B0604020202020204" pitchFamily="34" charset="0"/>
+              <a:buChar char="•"/>
+            </a:pPr>
+            <a:r>
+              <a:rPr lang="en-US" sz="3200" dirty="0"/>
+              <a:t>Silhouette </a:t>
+            </a:r>
+            <a:r>
+              <a:rPr lang="en-US" sz="3200" dirty="0" smtClean="0"/>
+              <a:t>Score</a:t>
+            </a:r>
+            <a:r>
+              <a:rPr lang="en-US" sz="3200" dirty="0"/>
+              <a:t> </a:t>
+            </a:r>
+            <a:r>
+              <a:rPr lang="en-US" sz="3200" dirty="0" smtClean="0"/>
+              <a:t>= </a:t>
+            </a:r>
+            <a:r>
+              <a:rPr lang="en-US" sz="3200" dirty="0"/>
+              <a:t>(b - a) / max(a, b</a:t>
+            </a:r>
+            <a:r>
+              <a:rPr lang="en-US" sz="3200" dirty="0" smtClean="0"/>
+              <a:t>)</a:t>
+            </a:r>
+          </a:p>
+          <a:p>
+            <a:pPr marL="457200" indent="-457200">
+              <a:buFont typeface="Arial" panose="020B0604020202020204" pitchFamily="34" charset="0"/>
+              <a:buChar char="•"/>
+            </a:pPr>
+            <a:r>
+              <a:rPr lang="en-US" sz="3200" dirty="0" smtClean="0"/>
+              <a:t>a: Mean intra-cluster distance</a:t>
+            </a:r>
+          </a:p>
+          <a:p>
+            <a:pPr marL="457200" indent="-457200">
+              <a:buFont typeface="Arial" panose="020B0604020202020204" pitchFamily="34" charset="0"/>
+              <a:buChar char="•"/>
+            </a:pPr>
+            <a:r>
+              <a:rPr lang="en-US" sz="3200" dirty="0" smtClean="0"/>
+              <a:t>b: mean nearest-cluster distance between sample and nearest cluster </a:t>
+            </a:r>
+            <a:r>
+              <a:rPr lang="en-US" sz="3200" smtClean="0"/>
+              <a:t>that smple </a:t>
+            </a:r>
+            <a:endParaRPr lang="en-US" sz="3200" dirty="0"/>
           </a:p>
         </p:txBody>
       </p:sp>

--- a/documentation/posters/PosterSessionMITRE.pptx
+++ b/documentation/posters/PosterSessionMITRE.pptx
@@ -2984,116 +2984,6 @@
       </p:grpSpPr>
       <p:sp>
         <p:nvSpPr>
-          <p:cNvPr id="34" name="Rounded Rectangle 33"/>
-          <p:cNvSpPr/>
-          <p:nvPr/>
-        </p:nvSpPr>
-        <p:spPr>
-          <a:xfrm>
-            <a:off x="190839" y="5987073"/>
-            <a:ext cx="21535306" cy="11631168"/>
-          </a:xfrm>
-          <a:prstGeom prst="roundRect">
-            <a:avLst>
-              <a:gd name="adj" fmla="val 5103"/>
-            </a:avLst>
-          </a:prstGeom>
-          <a:solidFill>
-            <a:schemeClr val="accent4">
-              <a:lumMod val="20000"/>
-              <a:lumOff val="80000"/>
-            </a:schemeClr>
-          </a:solidFill>
-          <a:ln>
-            <a:noFill/>
-          </a:ln>
-          <a:effectLst>
-            <a:outerShdw blurRad="190500" dist="228600" dir="2700000" algn="ctr">
-              <a:srgbClr val="000000">
-                <a:alpha val="30000"/>
-              </a:srgbClr>
-            </a:outerShdw>
-          </a:effectLst>
-          <a:scene3d>
-            <a:camera prst="orthographicFront">
-              <a:rot lat="0" lon="0" rev="0"/>
-            </a:camera>
-            <a:lightRig rig="glow" dir="t">
-              <a:rot lat="0" lon="0" rev="4800000"/>
-            </a:lightRig>
-          </a:scene3d>
-          <a:sp3d prstMaterial="matte">
-            <a:bevelT w="127000" h="63500"/>
-          </a:sp3d>
-        </p:spPr>
-        <p:style>
-          <a:lnRef idx="0">
-            <a:schemeClr val="accent1"/>
-          </a:lnRef>
-          <a:fillRef idx="3">
-            <a:schemeClr val="accent1"/>
-          </a:fillRef>
-          <a:effectRef idx="3">
-            <a:schemeClr val="accent1"/>
-          </a:effectRef>
-          <a:fontRef idx="minor">
-            <a:schemeClr val="lt1"/>
-          </a:fontRef>
-        </p:style>
-        <p:txBody>
-          <a:bodyPr rtlCol="0" anchor="ctr"/>
-          <a:lstStyle/>
-          <a:p>
-            <a:pPr algn="ctr"/>
-            <a:endParaRPr lang="en-US" dirty="0"/>
-          </a:p>
-        </p:txBody>
-      </p:sp>
-      <p:sp>
-        <p:nvSpPr>
-          <p:cNvPr id="15" name="Rounded Rectangle 14"/>
-          <p:cNvSpPr/>
-          <p:nvPr/>
-        </p:nvSpPr>
-        <p:spPr>
-          <a:xfrm>
-            <a:off x="333375" y="10776856"/>
-            <a:ext cx="6571114" cy="6691994"/>
-          </a:xfrm>
-          <a:prstGeom prst="roundRect">
-            <a:avLst>
-              <a:gd name="adj" fmla="val 7375"/>
-            </a:avLst>
-          </a:prstGeom>
-          <a:noFill/>
-        </p:spPr>
-        <p:style>
-          <a:lnRef idx="2">
-            <a:schemeClr val="accent1">
-              <a:shade val="50000"/>
-            </a:schemeClr>
-          </a:lnRef>
-          <a:fillRef idx="1">
-            <a:schemeClr val="accent1"/>
-          </a:fillRef>
-          <a:effectRef idx="0">
-            <a:schemeClr val="accent1"/>
-          </a:effectRef>
-          <a:fontRef idx="minor">
-            <a:schemeClr val="lt1"/>
-          </a:fontRef>
-        </p:style>
-        <p:txBody>
-          <a:bodyPr rtlCol="0" anchor="ctr"/>
-          <a:lstStyle/>
-          <a:p>
-            <a:pPr algn="ctr"/>
-            <a:endParaRPr lang="en-US"/>
-          </a:p>
-        </p:txBody>
-      </p:sp>
-      <p:sp>
-        <p:nvSpPr>
           <p:cNvPr id="26" name="Rectangle 25"/>
           <p:cNvSpPr/>
           <p:nvPr/>
@@ -3101,7 +2991,7 @@
         <p:spPr>
           <a:xfrm>
             <a:off x="0" y="0"/>
-            <a:ext cx="43891200" cy="4251989"/>
+            <a:ext cx="43891200" cy="3897261"/>
           </a:xfrm>
           <a:prstGeom prst="rect">
             <a:avLst/>
@@ -3141,8 +3031,8 @@
         </p:nvSpPr>
         <p:spPr>
           <a:xfrm>
-            <a:off x="0" y="902315"/>
-            <a:ext cx="43891200" cy="1785104"/>
+            <a:off x="2787927" y="462236"/>
+            <a:ext cx="38285917" cy="1785104"/>
           </a:xfrm>
           <a:prstGeom prst="rect">
             <a:avLst/>
@@ -3211,7 +3101,7 @@
         </p:nvSpPr>
         <p:spPr>
           <a:xfrm>
-            <a:off x="0" y="2963624"/>
+            <a:off x="0" y="2580317"/>
             <a:ext cx="43891200" cy="1323439"/>
           </a:xfrm>
           <a:prstGeom prst="rect">
@@ -3394,7 +3284,7 @@
         </p:nvSpPr>
         <p:spPr>
           <a:xfrm>
-            <a:off x="0" y="4591845"/>
+            <a:off x="98898" y="3913508"/>
             <a:ext cx="43891200" cy="1323439"/>
           </a:xfrm>
           <a:prstGeom prst="rect">
@@ -3611,7 +3501,7 @@
         </p:blipFill>
         <p:spPr>
           <a:xfrm>
-            <a:off x="263991" y="525025"/>
+            <a:off x="221829" y="229215"/>
             <a:ext cx="2539682" cy="2539682"/>
           </a:xfrm>
           <a:prstGeom prst="rect">
@@ -3641,7 +3531,7 @@
         </p:blipFill>
         <p:spPr>
           <a:xfrm>
-            <a:off x="41362650" y="707214"/>
+            <a:off x="41362649" y="411403"/>
             <a:ext cx="2355380" cy="2175305"/>
           </a:xfrm>
           <a:prstGeom prst="rect">
@@ -3651,22 +3541,275 @@
       </p:pic>
       <p:sp>
         <p:nvSpPr>
-          <p:cNvPr id="56" name="Rounded Rectangle 55"/>
+          <p:cNvPr id="49" name="8 CuadroTexto"/>
+          <p:cNvSpPr txBox="1"/>
+          <p:nvPr/>
+        </p:nvSpPr>
+        <p:spPr>
+          <a:xfrm>
+            <a:off x="29518238" y="17892490"/>
+            <a:ext cx="8924544" cy="1323439"/>
+          </a:xfrm>
+          <a:prstGeom prst="rect">
+            <a:avLst/>
+          </a:prstGeom>
+          <a:noFill/>
+        </p:spPr>
+        <p:txBody>
+          <a:bodyPr wrap="square" rtlCol="0">
+            <a:spAutoFit/>
+          </a:bodyPr>
+          <a:lstStyle/>
+          <a:p>
+            <a:pPr algn="ctr"/>
+            <a:r>
+              <a:rPr lang="en-US" sz="8000" dirty="0" smtClean="0">
+                <a:ln w="18415" cmpd="sng">
+                  <a:noFill/>
+                  <a:prstDash val="solid"/>
+                </a:ln>
+                <a:effectLst>
+                  <a:outerShdw blurRad="63500" dir="3600000" algn="tl" rotWithShape="0">
+                    <a:srgbClr val="000000">
+                      <a:alpha val="70000"/>
+                    </a:srgbClr>
+                  </a:outerShdw>
+                </a:effectLst>
+                <a:cs typeface="Times New Roman" panose="02020603050405020304" pitchFamily="18" charset="0"/>
+              </a:rPr>
+              <a:t>Procedural Details</a:t>
+            </a:r>
+            <a:endParaRPr lang="en-US" sz="8000" dirty="0">
+              <a:ln w="18415" cmpd="sng">
+                <a:noFill/>
+                <a:prstDash val="solid"/>
+              </a:ln>
+              <a:effectLst>
+                <a:outerShdw blurRad="63500" dir="3600000" algn="tl" rotWithShape="0">
+                  <a:srgbClr val="000000">
+                    <a:alpha val="70000"/>
+                  </a:srgbClr>
+                </a:outerShdw>
+              </a:effectLst>
+              <a:cs typeface="Times New Roman" panose="02020603050405020304" pitchFamily="18" charset="0"/>
+            </a:endParaRPr>
+          </a:p>
+        </p:txBody>
+      </p:sp>
+      <p:sp>
+        <p:nvSpPr>
+          <p:cNvPr id="50" name="8 CuadroTexto"/>
+          <p:cNvSpPr txBox="1"/>
+          <p:nvPr/>
+        </p:nvSpPr>
+        <p:spPr>
+          <a:xfrm>
+            <a:off x="26058100" y="30866357"/>
+            <a:ext cx="13638249" cy="1323439"/>
+          </a:xfrm>
+          <a:prstGeom prst="rect">
+            <a:avLst/>
+          </a:prstGeom>
+          <a:noFill/>
+        </p:spPr>
+        <p:txBody>
+          <a:bodyPr wrap="square" rtlCol="0">
+            <a:spAutoFit/>
+          </a:bodyPr>
+          <a:lstStyle/>
+          <a:p>
+            <a:pPr algn="ctr"/>
+            <a:r>
+              <a:rPr lang="en-US" sz="8000" dirty="0">
+                <a:ln w="18415" cmpd="sng">
+                  <a:noFill/>
+                  <a:prstDash val="solid"/>
+                </a:ln>
+                <a:effectLst>
+                  <a:outerShdw blurRad="63500" dir="3600000" algn="tl" rotWithShape="0">
+                    <a:srgbClr val="000000">
+                      <a:alpha val="70000"/>
+                    </a:srgbClr>
+                  </a:outerShdw>
+                </a:effectLst>
+                <a:cs typeface="Times New Roman" panose="02020603050405020304" pitchFamily="18" charset="0"/>
+              </a:rPr>
+              <a:t>Admin Dashboard Visualization</a:t>
+            </a:r>
+          </a:p>
+        </p:txBody>
+      </p:sp>
+      <p:sp>
+        <p:nvSpPr>
+          <p:cNvPr id="59" name="Rounded Rectangle 58"/>
           <p:cNvSpPr/>
           <p:nvPr/>
         </p:nvSpPr>
         <p:spPr>
           <a:xfrm>
-            <a:off x="22109572" y="5987073"/>
-            <a:ext cx="21535306" cy="11631168"/>
+            <a:off x="22156438" y="19111847"/>
+            <a:ext cx="21561591" cy="11631168"/>
           </a:xfrm>
           <a:prstGeom prst="roundRect">
             <a:avLst>
-              <a:gd name="adj" fmla="val 4464"/>
+              <a:gd name="adj" fmla="val 4778"/>
             </a:avLst>
           </a:prstGeom>
           <a:solidFill>
-            <a:schemeClr val="accent2">
+            <a:schemeClr val="bg2">
+              <a:lumMod val="90000"/>
+            </a:schemeClr>
+          </a:solidFill>
+          <a:ln>
+            <a:noFill/>
+          </a:ln>
+          <a:effectLst>
+            <a:outerShdw blurRad="190500" dist="228600" dir="2700000" algn="ctr">
+              <a:srgbClr val="000000">
+                <a:alpha val="30000"/>
+              </a:srgbClr>
+            </a:outerShdw>
+          </a:effectLst>
+          <a:scene3d>
+            <a:camera prst="orthographicFront">
+              <a:rot lat="0" lon="0" rev="0"/>
+            </a:camera>
+            <a:lightRig rig="glow" dir="t">
+              <a:rot lat="0" lon="0" rev="4800000"/>
+            </a:lightRig>
+          </a:scene3d>
+          <a:sp3d prstMaterial="matte">
+            <a:bevelT w="127000" h="63500"/>
+          </a:sp3d>
+        </p:spPr>
+        <p:style>
+          <a:lnRef idx="0">
+            <a:schemeClr val="accent1"/>
+          </a:lnRef>
+          <a:fillRef idx="3">
+            <a:schemeClr val="accent1"/>
+          </a:fillRef>
+          <a:effectRef idx="3">
+            <a:schemeClr val="accent1"/>
+          </a:effectRef>
+          <a:fontRef idx="minor">
+            <a:schemeClr val="lt1"/>
+          </a:fontRef>
+        </p:style>
+        <p:txBody>
+          <a:bodyPr rtlCol="0" anchor="ctr"/>
+          <a:lstStyle/>
+          <a:p>
+            <a:pPr algn="ctr"/>
+            <a:endParaRPr lang="en-US"/>
+          </a:p>
+        </p:txBody>
+      </p:sp>
+      <p:pic>
+        <p:nvPicPr>
+          <p:cNvPr id="2" name="Picture 1"/>
+          <p:cNvPicPr>
+            <a:picLocks noChangeAspect="1"/>
+          </p:cNvPicPr>
+          <p:nvPr/>
+        </p:nvPicPr>
+        <p:blipFill>
+          <a:blip r:embed="rId5">
+            <a:extLst>
+              <a:ext uri="{28A0092B-C50C-407E-A947-70E740481C1C}">
+                <a14:useLocalDpi xmlns:a14="http://schemas.microsoft.com/office/drawing/2010/main" val="0"/>
+              </a:ext>
+            </a:extLst>
+          </a:blip>
+          <a:stretch>
+            <a:fillRect/>
+          </a:stretch>
+        </p:blipFill>
+        <p:spPr>
+          <a:xfrm>
+            <a:off x="22412466" y="19399009"/>
+            <a:ext cx="21036282" cy="11112484"/>
+          </a:xfrm>
+          <a:prstGeom prst="rect">
+            <a:avLst/>
+          </a:prstGeom>
+        </p:spPr>
+      </p:pic>
+      <p:sp>
+        <p:nvSpPr>
+          <p:cNvPr id="61" name="8 CuadroTexto"/>
+          <p:cNvSpPr txBox="1"/>
+          <p:nvPr/>
+        </p:nvSpPr>
+        <p:spPr>
+          <a:xfrm>
+            <a:off x="6191496" y="17887770"/>
+            <a:ext cx="8924544" cy="1323439"/>
+          </a:xfrm>
+          <a:prstGeom prst="rect">
+            <a:avLst/>
+          </a:prstGeom>
+          <a:noFill/>
+        </p:spPr>
+        <p:txBody>
+          <a:bodyPr wrap="square" rtlCol="0">
+            <a:spAutoFit/>
+          </a:bodyPr>
+          <a:lstStyle/>
+          <a:p>
+            <a:pPr algn="ctr"/>
+            <a:r>
+              <a:rPr lang="en-US" sz="8000" dirty="0" smtClean="0">
+                <a:ln w="18415" cmpd="sng">
+                  <a:noFill/>
+                  <a:prstDash val="solid"/>
+                </a:ln>
+                <a:effectLst>
+                  <a:outerShdw blurRad="63500" dir="3600000" algn="tl" rotWithShape="0">
+                    <a:srgbClr val="000000">
+                      <a:alpha val="70000"/>
+                    </a:srgbClr>
+                  </a:outerShdw>
+                </a:effectLst>
+                <a:cs typeface="Times New Roman" panose="02020603050405020304" pitchFamily="18" charset="0"/>
+              </a:rPr>
+              <a:t>System Architecture</a:t>
+            </a:r>
+            <a:endParaRPr lang="en-US" sz="8000" dirty="0">
+              <a:ln w="18415" cmpd="sng">
+                <a:noFill/>
+                <a:prstDash val="solid"/>
+              </a:ln>
+              <a:effectLst>
+                <a:outerShdw blurRad="63500" dir="3600000" algn="tl" rotWithShape="0">
+                  <a:srgbClr val="000000">
+                    <a:alpha val="70000"/>
+                  </a:srgbClr>
+                </a:outerShdw>
+              </a:effectLst>
+              <a:cs typeface="Times New Roman" panose="02020603050405020304" pitchFamily="18" charset="0"/>
+            </a:endParaRPr>
+          </a:p>
+        </p:txBody>
+      </p:sp>
+      <p:sp>
+        <p:nvSpPr>
+          <p:cNvPr id="34" name="Rounded Rectangle 33"/>
+          <p:cNvSpPr/>
+          <p:nvPr/>
+        </p:nvSpPr>
+        <p:spPr>
+          <a:xfrm>
+            <a:off x="243233" y="5033760"/>
+            <a:ext cx="21535306" cy="12903071"/>
+          </a:xfrm>
+          <a:prstGeom prst="roundRect">
+            <a:avLst>
+              <a:gd name="adj" fmla="val 5103"/>
+            </a:avLst>
+          </a:prstGeom>
+          <a:solidFill>
+            <a:schemeClr val="accent4">
               <a:lumMod val="20000"/>
               <a:lumOff val="80000"/>
             </a:schemeClr>
@@ -3712,10 +3855,1372 @@
           <a:lstStyle/>
           <a:p>
             <a:pPr algn="ctr"/>
-            <a:endParaRPr lang="en-US"/>
-          </a:p>
-        </p:txBody>
-      </p:sp>
+            <a:endParaRPr lang="en-US" dirty="0"/>
+          </a:p>
+        </p:txBody>
+      </p:sp>
+      <p:pic>
+        <p:nvPicPr>
+          <p:cNvPr id="36" name="Picture 35"/>
+          <p:cNvPicPr>
+            <a:picLocks noChangeAspect="1"/>
+          </p:cNvPicPr>
+          <p:nvPr/>
+        </p:nvPicPr>
+        <p:blipFill>
+          <a:blip r:embed="rId6" cstate="print">
+            <a:extLst>
+              <a:ext uri="{28A0092B-C50C-407E-A947-70E740481C1C}">
+                <a14:useLocalDpi xmlns:a14="http://schemas.microsoft.com/office/drawing/2010/main" val="0"/>
+              </a:ext>
+            </a:extLst>
+          </a:blip>
+          <a:stretch>
+            <a:fillRect/>
+          </a:stretch>
+        </p:blipFill>
+        <p:spPr>
+          <a:xfrm>
+            <a:off x="17292905" y="7157169"/>
+            <a:ext cx="2761975" cy="2761975"/>
+          </a:xfrm>
+          <a:prstGeom prst="rect">
+            <a:avLst/>
+          </a:prstGeom>
+        </p:spPr>
+      </p:pic>
+      <p:pic>
+        <p:nvPicPr>
+          <p:cNvPr id="38" name="Picture 37"/>
+          <p:cNvPicPr>
+            <a:picLocks noChangeAspect="1"/>
+          </p:cNvPicPr>
+          <p:nvPr/>
+        </p:nvPicPr>
+        <p:blipFill>
+          <a:blip r:embed="rId7" cstate="print">
+            <a:extLst>
+              <a:ext uri="{28A0092B-C50C-407E-A947-70E740481C1C}">
+                <a14:useLocalDpi xmlns:a14="http://schemas.microsoft.com/office/drawing/2010/main" val="0"/>
+              </a:ext>
+            </a:extLst>
+          </a:blip>
+          <a:stretch>
+            <a:fillRect/>
+          </a:stretch>
+        </p:blipFill>
+        <p:spPr>
+          <a:xfrm>
+            <a:off x="11932311" y="7745504"/>
+            <a:ext cx="2446555" cy="2446555"/>
+          </a:xfrm>
+          <a:prstGeom prst="rect">
+            <a:avLst/>
+          </a:prstGeom>
+        </p:spPr>
+      </p:pic>
+      <p:sp>
+        <p:nvSpPr>
+          <p:cNvPr id="41" name="Oval Callout 40"/>
+          <p:cNvSpPr/>
+          <p:nvPr/>
+        </p:nvSpPr>
+        <p:spPr>
+          <a:xfrm>
+            <a:off x="6914629" y="6248363"/>
+            <a:ext cx="4924932" cy="2171963"/>
+          </a:xfrm>
+          <a:prstGeom prst="wedgeEllipseCallout">
+            <a:avLst>
+              <a:gd name="adj1" fmla="val 60878"/>
+              <a:gd name="adj2" fmla="val 55033"/>
+            </a:avLst>
+          </a:prstGeom>
+          <a:solidFill>
+            <a:schemeClr val="accent6">
+              <a:lumMod val="40000"/>
+              <a:lumOff val="60000"/>
+            </a:schemeClr>
+          </a:solidFill>
+        </p:spPr>
+        <p:style>
+          <a:lnRef idx="2">
+            <a:schemeClr val="accent1">
+              <a:shade val="50000"/>
+            </a:schemeClr>
+          </a:lnRef>
+          <a:fillRef idx="1">
+            <a:schemeClr val="accent1"/>
+          </a:fillRef>
+          <a:effectRef idx="0">
+            <a:schemeClr val="accent1"/>
+          </a:effectRef>
+          <a:fontRef idx="minor">
+            <a:schemeClr val="lt1"/>
+          </a:fontRef>
+        </p:style>
+        <p:txBody>
+          <a:bodyPr rtlCol="0" anchor="ctr"/>
+          <a:lstStyle/>
+          <a:p>
+            <a:pPr algn="ctr"/>
+            <a:r>
+              <a:rPr lang="en-US" sz="3200" dirty="0" smtClean="0">
+                <a:solidFill>
+                  <a:schemeClr val="tx1"/>
+                </a:solidFill>
+                <a:effectLst>
+                  <a:outerShdw blurRad="38100" dist="38100" dir="2700000" algn="tl">
+                    <a:srgbClr val="000000">
+                      <a:alpha val="43137"/>
+                    </a:srgbClr>
+                  </a:outerShdw>
+                </a:effectLst>
+              </a:rPr>
+              <a:t>Hi! I am Heimdall!</a:t>
+            </a:r>
+          </a:p>
+          <a:p>
+            <a:pPr algn="ctr"/>
+            <a:r>
+              <a:rPr lang="en-US" sz="3200" dirty="0" smtClean="0">
+                <a:solidFill>
+                  <a:schemeClr val="tx1"/>
+                </a:solidFill>
+                <a:effectLst>
+                  <a:outerShdw blurRad="38100" dist="38100" dir="2700000" algn="tl">
+                    <a:srgbClr val="000000">
+                      <a:alpha val="43137"/>
+                    </a:srgbClr>
+                  </a:outerShdw>
+                </a:effectLst>
+              </a:rPr>
+              <a:t>I am here to protect you!</a:t>
+            </a:r>
+            <a:endParaRPr lang="en-US" sz="3200" dirty="0">
+              <a:solidFill>
+                <a:schemeClr val="tx1"/>
+              </a:solidFill>
+              <a:effectLst>
+                <a:outerShdw blurRad="38100" dist="38100" dir="2700000" algn="tl">
+                  <a:srgbClr val="000000">
+                    <a:alpha val="43137"/>
+                  </a:srgbClr>
+                </a:outerShdw>
+              </a:effectLst>
+            </a:endParaRPr>
+          </a:p>
+        </p:txBody>
+      </p:sp>
+      <p:grpSp>
+        <p:nvGrpSpPr>
+          <p:cNvPr id="53" name="Group 52"/>
+          <p:cNvGrpSpPr/>
+          <p:nvPr/>
+        </p:nvGrpSpPr>
+        <p:grpSpPr>
+          <a:xfrm>
+            <a:off x="380986" y="10988147"/>
+            <a:ext cx="21259799" cy="6691994"/>
+            <a:chOff x="385769" y="9897831"/>
+            <a:chExt cx="21259799" cy="6691994"/>
+          </a:xfrm>
+        </p:grpSpPr>
+        <p:sp>
+          <p:nvSpPr>
+            <p:cNvPr id="15" name="Rounded Rectangle 14"/>
+            <p:cNvSpPr/>
+            <p:nvPr/>
+          </p:nvSpPr>
+          <p:spPr>
+            <a:xfrm>
+              <a:off x="385769" y="9897831"/>
+              <a:ext cx="6571114" cy="6691994"/>
+            </a:xfrm>
+            <a:prstGeom prst="roundRect">
+              <a:avLst>
+                <a:gd name="adj" fmla="val 7375"/>
+              </a:avLst>
+            </a:prstGeom>
+            <a:noFill/>
+          </p:spPr>
+          <p:style>
+            <a:lnRef idx="2">
+              <a:schemeClr val="accent1">
+                <a:shade val="50000"/>
+              </a:schemeClr>
+            </a:lnRef>
+            <a:fillRef idx="1">
+              <a:schemeClr val="accent1"/>
+            </a:fillRef>
+            <a:effectRef idx="0">
+              <a:schemeClr val="accent1"/>
+            </a:effectRef>
+            <a:fontRef idx="minor">
+              <a:schemeClr val="lt1"/>
+            </a:fontRef>
+          </p:style>
+          <p:txBody>
+            <a:bodyPr rtlCol="0" anchor="ctr"/>
+            <a:lstStyle/>
+            <a:p>
+              <a:pPr algn="ctr"/>
+              <a:endParaRPr lang="en-US"/>
+            </a:p>
+          </p:txBody>
+        </p:sp>
+        <p:pic>
+          <p:nvPicPr>
+            <p:cNvPr id="6" name="Picture 5"/>
+            <p:cNvPicPr>
+              <a:picLocks noChangeAspect="1"/>
+            </p:cNvPicPr>
+            <p:nvPr/>
+          </p:nvPicPr>
+          <p:blipFill>
+            <a:blip r:embed="rId8">
+              <a:extLst>
+                <a:ext uri="{28A0092B-C50C-407E-A947-70E740481C1C}">
+                  <a14:useLocalDpi xmlns:a14="http://schemas.microsoft.com/office/drawing/2010/main" val="0"/>
+                </a:ext>
+              </a:extLst>
+            </a:blip>
+            <a:stretch>
+              <a:fillRect/>
+            </a:stretch>
+          </p:blipFill>
+          <p:spPr>
+            <a:xfrm>
+              <a:off x="7063044" y="13429176"/>
+              <a:ext cx="2639060" cy="2996348"/>
+            </a:xfrm>
+            <a:prstGeom prst="rect">
+              <a:avLst/>
+            </a:prstGeom>
+          </p:spPr>
+        </p:pic>
+        <p:sp>
+          <p:nvSpPr>
+            <p:cNvPr id="42" name="Rounded Rectangle 41"/>
+            <p:cNvSpPr/>
+            <p:nvPr/>
+          </p:nvSpPr>
+          <p:spPr>
+            <a:xfrm>
+              <a:off x="6988762" y="9897831"/>
+              <a:ext cx="7330012" cy="6691994"/>
+            </a:xfrm>
+            <a:prstGeom prst="roundRect">
+              <a:avLst>
+                <a:gd name="adj" fmla="val 4711"/>
+              </a:avLst>
+            </a:prstGeom>
+            <a:noFill/>
+          </p:spPr>
+          <p:style>
+            <a:lnRef idx="2">
+              <a:schemeClr val="accent1">
+                <a:shade val="50000"/>
+              </a:schemeClr>
+            </a:lnRef>
+            <a:fillRef idx="1">
+              <a:schemeClr val="accent1"/>
+            </a:fillRef>
+            <a:effectRef idx="0">
+              <a:schemeClr val="accent1"/>
+            </a:effectRef>
+            <a:fontRef idx="minor">
+              <a:schemeClr val="lt1"/>
+            </a:fontRef>
+          </p:style>
+          <p:txBody>
+            <a:bodyPr rtlCol="0" anchor="ctr"/>
+            <a:lstStyle/>
+            <a:p>
+              <a:pPr algn="ctr"/>
+              <a:endParaRPr lang="en-US"/>
+            </a:p>
+          </p:txBody>
+        </p:sp>
+        <p:sp>
+          <p:nvSpPr>
+            <p:cNvPr id="43" name="Rounded Rectangle 42"/>
+            <p:cNvSpPr/>
+            <p:nvPr/>
+          </p:nvSpPr>
+          <p:spPr>
+            <a:xfrm>
+              <a:off x="14383649" y="9897831"/>
+              <a:ext cx="7261919" cy="6691994"/>
+            </a:xfrm>
+            <a:prstGeom prst="roundRect">
+              <a:avLst>
+                <a:gd name="adj" fmla="val 6141"/>
+              </a:avLst>
+            </a:prstGeom>
+            <a:noFill/>
+          </p:spPr>
+          <p:style>
+            <a:lnRef idx="2">
+              <a:schemeClr val="accent1">
+                <a:shade val="50000"/>
+              </a:schemeClr>
+            </a:lnRef>
+            <a:fillRef idx="1">
+              <a:schemeClr val="accent1"/>
+            </a:fillRef>
+            <a:effectRef idx="0">
+              <a:schemeClr val="accent1"/>
+            </a:effectRef>
+            <a:fontRef idx="minor">
+              <a:schemeClr val="lt1"/>
+            </a:fontRef>
+          </p:style>
+          <p:txBody>
+            <a:bodyPr rtlCol="0" anchor="ctr"/>
+            <a:lstStyle/>
+            <a:p>
+              <a:pPr algn="ctr"/>
+              <a:endParaRPr lang="en-US"/>
+            </a:p>
+          </p:txBody>
+        </p:sp>
+        <p:grpSp>
+          <p:nvGrpSpPr>
+            <p:cNvPr id="52" name="Group 51"/>
+            <p:cNvGrpSpPr/>
+            <p:nvPr/>
+          </p:nvGrpSpPr>
+          <p:grpSpPr>
+            <a:xfrm>
+              <a:off x="498657" y="9925198"/>
+              <a:ext cx="21056095" cy="6172151"/>
+              <a:chOff x="498657" y="9925198"/>
+              <a:chExt cx="21056095" cy="6172151"/>
+            </a:xfrm>
+          </p:grpSpPr>
+          <p:pic>
+            <p:nvPicPr>
+              <p:cNvPr id="45" name="Picture 44"/>
+              <p:cNvPicPr>
+                <a:picLocks noChangeAspect="1"/>
+              </p:cNvPicPr>
+              <p:nvPr/>
+            </p:nvPicPr>
+            <p:blipFill>
+              <a:blip r:embed="rId9">
+                <a:extLst>
+                  <a:ext uri="{28A0092B-C50C-407E-A947-70E740481C1C}">
+                    <a14:useLocalDpi xmlns:a14="http://schemas.microsoft.com/office/drawing/2010/main" val="0"/>
+                  </a:ext>
+                </a:extLst>
+              </a:blip>
+              <a:stretch>
+                <a:fillRect/>
+              </a:stretch>
+            </p:blipFill>
+            <p:spPr>
+              <a:xfrm>
+                <a:off x="582509" y="12280877"/>
+                <a:ext cx="2907798" cy="2414021"/>
+              </a:xfrm>
+              <a:prstGeom prst="rect">
+                <a:avLst/>
+              </a:prstGeom>
+            </p:spPr>
+          </p:pic>
+          <p:pic>
+            <p:nvPicPr>
+              <p:cNvPr id="62" name="Picture 61"/>
+              <p:cNvPicPr>
+                <a:picLocks noChangeAspect="1"/>
+              </p:cNvPicPr>
+              <p:nvPr/>
+            </p:nvPicPr>
+            <p:blipFill>
+              <a:blip r:embed="rId10" cstate="print">
+                <a:extLst>
+                  <a:ext uri="{28A0092B-C50C-407E-A947-70E740481C1C}">
+                    <a14:useLocalDpi xmlns:a14="http://schemas.microsoft.com/office/drawing/2010/main" val="0"/>
+                  </a:ext>
+                </a:extLst>
+              </a:blip>
+              <a:stretch>
+                <a:fillRect/>
+              </a:stretch>
+            </p:blipFill>
+            <p:spPr>
+              <a:xfrm>
+                <a:off x="4053533" y="10521003"/>
+                <a:ext cx="2903350" cy="3217009"/>
+              </a:xfrm>
+              <a:prstGeom prst="rect">
+                <a:avLst/>
+              </a:prstGeom>
+            </p:spPr>
+          </p:pic>
+          <p:pic>
+            <p:nvPicPr>
+              <p:cNvPr id="63" name="Picture 62"/>
+              <p:cNvPicPr>
+                <a:picLocks noChangeAspect="1"/>
+              </p:cNvPicPr>
+              <p:nvPr/>
+            </p:nvPicPr>
+            <p:blipFill>
+              <a:blip r:embed="rId11" cstate="print">
+                <a:extLst>
+                  <a:ext uri="{28A0092B-C50C-407E-A947-70E740481C1C}">
+                    <a14:useLocalDpi xmlns:a14="http://schemas.microsoft.com/office/drawing/2010/main" val="0"/>
+                  </a:ext>
+                </a:extLst>
+              </a:blip>
+              <a:stretch>
+                <a:fillRect/>
+              </a:stretch>
+            </p:blipFill>
+            <p:spPr>
+              <a:xfrm>
+                <a:off x="498657" y="14571055"/>
+                <a:ext cx="4253835" cy="1526294"/>
+              </a:xfrm>
+              <a:prstGeom prst="rect">
+                <a:avLst/>
+              </a:prstGeom>
+            </p:spPr>
+          </p:pic>
+          <p:sp>
+            <p:nvSpPr>
+              <p:cNvPr id="7" name="Bent Arrow 6"/>
+              <p:cNvSpPr/>
+              <p:nvPr/>
+            </p:nvSpPr>
+            <p:spPr>
+              <a:xfrm>
+                <a:off x="1233493" y="11046385"/>
+                <a:ext cx="2820039" cy="1085101"/>
+              </a:xfrm>
+              <a:prstGeom prst="bentArrow">
+                <a:avLst>
+                  <a:gd name="adj1" fmla="val 25000"/>
+                  <a:gd name="adj2" fmla="val 25000"/>
+                  <a:gd name="adj3" fmla="val 25000"/>
+                  <a:gd name="adj4" fmla="val 31461"/>
+                </a:avLst>
+              </a:prstGeom>
+              <a:solidFill>
+                <a:schemeClr val="accent1">
+                  <a:lumMod val="60000"/>
+                  <a:lumOff val="40000"/>
+                </a:schemeClr>
+              </a:solidFill>
+            </p:spPr>
+            <p:style>
+              <a:lnRef idx="2">
+                <a:schemeClr val="accent1">
+                  <a:shade val="50000"/>
+                </a:schemeClr>
+              </a:lnRef>
+              <a:fillRef idx="1">
+                <a:schemeClr val="accent1"/>
+              </a:fillRef>
+              <a:effectRef idx="0">
+                <a:schemeClr val="accent1"/>
+              </a:effectRef>
+              <a:fontRef idx="minor">
+                <a:schemeClr val="lt1"/>
+              </a:fontRef>
+            </p:style>
+            <p:txBody>
+              <a:bodyPr rtlCol="0" anchor="ctr"/>
+              <a:lstStyle/>
+              <a:p>
+                <a:pPr algn="ctr"/>
+                <a:endParaRPr lang="en-US">
+                  <a:solidFill>
+                    <a:schemeClr val="tx1"/>
+                  </a:solidFill>
+                </a:endParaRPr>
+              </a:p>
+            </p:txBody>
+          </p:sp>
+          <p:sp>
+            <p:nvSpPr>
+              <p:cNvPr id="8" name="Bent Arrow 7"/>
+              <p:cNvSpPr/>
+              <p:nvPr/>
+            </p:nvSpPr>
+            <p:spPr>
+              <a:xfrm rot="10800000" flipH="1">
+                <a:off x="5601681" y="13609161"/>
+                <a:ext cx="1371600" cy="2218663"/>
+              </a:xfrm>
+              <a:prstGeom prst="bentArrow">
+                <a:avLst>
+                  <a:gd name="adj1" fmla="val 21081"/>
+                  <a:gd name="adj2" fmla="val 21021"/>
+                  <a:gd name="adj3" fmla="val 25000"/>
+                  <a:gd name="adj4" fmla="val 21426"/>
+                </a:avLst>
+              </a:prstGeom>
+              <a:solidFill>
+                <a:schemeClr val="accent1">
+                  <a:lumMod val="40000"/>
+                  <a:lumOff val="60000"/>
+                </a:schemeClr>
+              </a:solidFill>
+            </p:spPr>
+            <p:style>
+              <a:lnRef idx="2">
+                <a:schemeClr val="accent1">
+                  <a:shade val="50000"/>
+                </a:schemeClr>
+              </a:lnRef>
+              <a:fillRef idx="1">
+                <a:schemeClr val="accent1"/>
+              </a:fillRef>
+              <a:effectRef idx="0">
+                <a:schemeClr val="accent1"/>
+              </a:effectRef>
+              <a:fontRef idx="minor">
+                <a:schemeClr val="lt1"/>
+              </a:fontRef>
+            </p:style>
+            <p:txBody>
+              <a:bodyPr rtlCol="0" anchor="ctr"/>
+              <a:lstStyle/>
+              <a:p>
+                <a:pPr algn="ctr"/>
+                <a:endParaRPr lang="en-US">
+                  <a:solidFill>
+                    <a:schemeClr val="tx1"/>
+                  </a:solidFill>
+                </a:endParaRPr>
+              </a:p>
+            </p:txBody>
+          </p:sp>
+          <p:sp>
+            <p:nvSpPr>
+              <p:cNvPr id="33" name="Bent Arrow 32"/>
+              <p:cNvSpPr/>
+              <p:nvPr/>
+            </p:nvSpPr>
+            <p:spPr>
+              <a:xfrm rot="5400000" flipH="1">
+                <a:off x="10581171" y="13806368"/>
+                <a:ext cx="1371600" cy="3078935"/>
+              </a:xfrm>
+              <a:prstGeom prst="bentArrow">
+                <a:avLst>
+                  <a:gd name="adj1" fmla="val 21408"/>
+                  <a:gd name="adj2" fmla="val 21021"/>
+                  <a:gd name="adj3" fmla="val 25000"/>
+                  <a:gd name="adj4" fmla="val 31778"/>
+                </a:avLst>
+              </a:prstGeom>
+              <a:solidFill>
+                <a:schemeClr val="accent1">
+                  <a:lumMod val="40000"/>
+                  <a:lumOff val="60000"/>
+                </a:schemeClr>
+              </a:solidFill>
+            </p:spPr>
+            <p:style>
+              <a:lnRef idx="2">
+                <a:schemeClr val="accent1">
+                  <a:shade val="50000"/>
+                </a:schemeClr>
+              </a:lnRef>
+              <a:fillRef idx="1">
+                <a:schemeClr val="accent1"/>
+              </a:fillRef>
+              <a:effectRef idx="0">
+                <a:schemeClr val="accent1"/>
+              </a:effectRef>
+              <a:fontRef idx="minor">
+                <a:schemeClr val="lt1"/>
+              </a:fontRef>
+            </p:style>
+            <p:txBody>
+              <a:bodyPr rtlCol="0" anchor="ctr"/>
+              <a:lstStyle/>
+              <a:p>
+                <a:pPr algn="ctr"/>
+                <a:endParaRPr lang="en-US">
+                  <a:solidFill>
+                    <a:schemeClr val="tx1"/>
+                  </a:solidFill>
+                </a:endParaRPr>
+              </a:p>
+            </p:txBody>
+          </p:sp>
+          <p:pic>
+            <p:nvPicPr>
+              <p:cNvPr id="9" name="Picture 8"/>
+              <p:cNvPicPr>
+                <a:picLocks noChangeAspect="1"/>
+              </p:cNvPicPr>
+              <p:nvPr/>
+            </p:nvPicPr>
+            <p:blipFill>
+              <a:blip r:embed="rId12">
+                <a:extLst>
+                  <a:ext uri="{28A0092B-C50C-407E-A947-70E740481C1C}">
+                    <a14:useLocalDpi xmlns:a14="http://schemas.microsoft.com/office/drawing/2010/main" val="0"/>
+                  </a:ext>
+                </a:extLst>
+              </a:blip>
+              <a:stretch>
+                <a:fillRect/>
+              </a:stretch>
+            </p:blipFill>
+            <p:spPr>
+              <a:xfrm>
+                <a:off x="10184183" y="11046385"/>
+                <a:ext cx="4134591" cy="3702050"/>
+              </a:xfrm>
+              <a:prstGeom prst="rect">
+                <a:avLst/>
+              </a:prstGeom>
+            </p:spPr>
+          </p:pic>
+          <p:sp>
+            <p:nvSpPr>
+              <p:cNvPr id="37" name="Bent Arrow 36"/>
+              <p:cNvSpPr/>
+              <p:nvPr/>
+            </p:nvSpPr>
+            <p:spPr>
+              <a:xfrm rot="5400000">
+                <a:off x="15212263" y="11816998"/>
+                <a:ext cx="1371600" cy="2830808"/>
+              </a:xfrm>
+              <a:prstGeom prst="bentArrow">
+                <a:avLst>
+                  <a:gd name="adj1" fmla="val 25000"/>
+                  <a:gd name="adj2" fmla="val 24725"/>
+                  <a:gd name="adj3" fmla="val 25000"/>
+                  <a:gd name="adj4" fmla="val 29861"/>
+                </a:avLst>
+              </a:prstGeom>
+              <a:solidFill>
+                <a:schemeClr val="accent1">
+                  <a:lumMod val="40000"/>
+                  <a:lumOff val="60000"/>
+                </a:schemeClr>
+              </a:solidFill>
+            </p:spPr>
+            <p:style>
+              <a:lnRef idx="2">
+                <a:schemeClr val="accent1">
+                  <a:shade val="50000"/>
+                </a:schemeClr>
+              </a:lnRef>
+              <a:fillRef idx="1">
+                <a:schemeClr val="accent1"/>
+              </a:fillRef>
+              <a:effectRef idx="0">
+                <a:schemeClr val="accent1"/>
+              </a:effectRef>
+              <a:fontRef idx="minor">
+                <a:schemeClr val="lt1"/>
+              </a:fontRef>
+            </p:style>
+            <p:txBody>
+              <a:bodyPr rtlCol="0" anchor="ctr"/>
+              <a:lstStyle/>
+              <a:p>
+                <a:pPr algn="ctr"/>
+                <a:endParaRPr lang="en-US">
+                  <a:solidFill>
+                    <a:schemeClr val="tx1"/>
+                  </a:solidFill>
+                </a:endParaRPr>
+              </a:p>
+            </p:txBody>
+          </p:sp>
+          <p:pic>
+            <p:nvPicPr>
+              <p:cNvPr id="11" name="Picture 10"/>
+              <p:cNvPicPr>
+                <a:picLocks noChangeAspect="1"/>
+              </p:cNvPicPr>
+              <p:nvPr/>
+            </p:nvPicPr>
+            <p:blipFill>
+              <a:blip r:embed="rId13">
+                <a:extLst>
+                  <a:ext uri="{28A0092B-C50C-407E-A947-70E740481C1C}">
+                    <a14:useLocalDpi xmlns:a14="http://schemas.microsoft.com/office/drawing/2010/main" val="0"/>
+                  </a:ext>
+                </a:extLst>
+              </a:blip>
+              <a:stretch>
+                <a:fillRect/>
+              </a:stretch>
+            </p:blipFill>
+            <p:spPr>
+              <a:xfrm>
+                <a:off x="14832872" y="14069910"/>
+                <a:ext cx="3708471" cy="2006222"/>
+              </a:xfrm>
+              <a:prstGeom prst="rect">
+                <a:avLst/>
+              </a:prstGeom>
+            </p:spPr>
+          </p:pic>
+          <p:pic>
+            <p:nvPicPr>
+              <p:cNvPr id="12" name="Picture 11"/>
+              <p:cNvPicPr>
+                <a:picLocks noChangeAspect="1"/>
+              </p:cNvPicPr>
+              <p:nvPr/>
+            </p:nvPicPr>
+            <p:blipFill>
+              <a:blip r:embed="rId14" cstate="print">
+                <a:extLst>
+                  <a:ext uri="{28A0092B-C50C-407E-A947-70E740481C1C}">
+                    <a14:useLocalDpi xmlns:a14="http://schemas.microsoft.com/office/drawing/2010/main" val="0"/>
+                  </a:ext>
+                </a:extLst>
+              </a:blip>
+              <a:stretch>
+                <a:fillRect/>
+              </a:stretch>
+            </p:blipFill>
+            <p:spPr>
+              <a:xfrm>
+                <a:off x="19392123" y="10958092"/>
+                <a:ext cx="2162629" cy="1800755"/>
+              </a:xfrm>
+              <a:prstGeom prst="rect">
+                <a:avLst/>
+              </a:prstGeom>
+            </p:spPr>
+          </p:pic>
+          <p:sp>
+            <p:nvSpPr>
+              <p:cNvPr id="40" name="Bent Arrow 39"/>
+              <p:cNvSpPr/>
+              <p:nvPr/>
+            </p:nvSpPr>
+            <p:spPr>
+              <a:xfrm rot="5400000" flipH="1">
+                <a:off x="19377192" y="12258159"/>
+                <a:ext cx="1371600" cy="2603367"/>
+              </a:xfrm>
+              <a:prstGeom prst="bentArrow">
+                <a:avLst>
+                  <a:gd name="adj1" fmla="val 24054"/>
+                  <a:gd name="adj2" fmla="val 26397"/>
+                  <a:gd name="adj3" fmla="val 24440"/>
+                  <a:gd name="adj4" fmla="val 21152"/>
+                </a:avLst>
+              </a:prstGeom>
+              <a:solidFill>
+                <a:schemeClr val="accent1">
+                  <a:lumMod val="40000"/>
+                  <a:lumOff val="60000"/>
+                </a:schemeClr>
+              </a:solidFill>
+            </p:spPr>
+            <p:style>
+              <a:lnRef idx="2">
+                <a:schemeClr val="accent1">
+                  <a:shade val="50000"/>
+                </a:schemeClr>
+              </a:lnRef>
+              <a:fillRef idx="1">
+                <a:schemeClr val="accent1"/>
+              </a:fillRef>
+              <a:effectRef idx="0">
+                <a:schemeClr val="accent1"/>
+              </a:effectRef>
+              <a:fontRef idx="minor">
+                <a:schemeClr val="lt1"/>
+              </a:fontRef>
+            </p:style>
+            <p:txBody>
+              <a:bodyPr rtlCol="0" anchor="ctr"/>
+              <a:lstStyle/>
+              <a:p>
+                <a:pPr algn="ctr"/>
+                <a:endParaRPr lang="en-US">
+                  <a:solidFill>
+                    <a:schemeClr val="tx1"/>
+                  </a:solidFill>
+                </a:endParaRPr>
+              </a:p>
+            </p:txBody>
+          </p:sp>
+          <p:sp>
+            <p:nvSpPr>
+              <p:cNvPr id="16" name="TextBox 15"/>
+              <p:cNvSpPr txBox="1"/>
+              <p:nvPr/>
+            </p:nvSpPr>
+            <p:spPr>
+              <a:xfrm>
+                <a:off x="1622744" y="9925198"/>
+                <a:ext cx="4210051" cy="584775"/>
+              </a:xfrm>
+              <a:prstGeom prst="rect">
+                <a:avLst/>
+              </a:prstGeom>
+              <a:noFill/>
+            </p:spPr>
+            <p:txBody>
+              <a:bodyPr wrap="square" rtlCol="0">
+                <a:spAutoFit/>
+              </a:bodyPr>
+              <a:lstStyle/>
+              <a:p>
+                <a:r>
+                  <a:rPr lang="en-US" sz="3200" dirty="0" smtClean="0"/>
+                  <a:t>Stage 1: Data Collection</a:t>
+                </a:r>
+                <a:endParaRPr lang="en-US" sz="3200" dirty="0"/>
+              </a:p>
+            </p:txBody>
+          </p:sp>
+          <p:sp>
+            <p:nvSpPr>
+              <p:cNvPr id="46" name="TextBox 45"/>
+              <p:cNvSpPr txBox="1"/>
+              <p:nvPr/>
+            </p:nvSpPr>
+            <p:spPr>
+              <a:xfrm>
+                <a:off x="7880525" y="9936228"/>
+                <a:ext cx="5546486" cy="584775"/>
+              </a:xfrm>
+              <a:prstGeom prst="rect">
+                <a:avLst/>
+              </a:prstGeom>
+              <a:noFill/>
+            </p:spPr>
+            <p:txBody>
+              <a:bodyPr wrap="square" rtlCol="0">
+                <a:spAutoFit/>
+              </a:bodyPr>
+              <a:lstStyle/>
+              <a:p>
+                <a:r>
+                  <a:rPr lang="en-US" sz="3200" dirty="0" smtClean="0"/>
+                  <a:t>Stage 2: Unsupervised Learning</a:t>
+                </a:r>
+                <a:endParaRPr lang="en-US" sz="3200" dirty="0"/>
+              </a:p>
+            </p:txBody>
+          </p:sp>
+          <p:sp>
+            <p:nvSpPr>
+              <p:cNvPr id="47" name="TextBox 46"/>
+              <p:cNvSpPr txBox="1"/>
+              <p:nvPr/>
+            </p:nvSpPr>
+            <p:spPr>
+              <a:xfrm>
+                <a:off x="14708305" y="9984924"/>
+                <a:ext cx="6521791" cy="584775"/>
+              </a:xfrm>
+              <a:prstGeom prst="rect">
+                <a:avLst/>
+              </a:prstGeom>
+              <a:noFill/>
+            </p:spPr>
+            <p:txBody>
+              <a:bodyPr wrap="square" rtlCol="0">
+                <a:spAutoFit/>
+              </a:bodyPr>
+              <a:lstStyle/>
+              <a:p>
+                <a:r>
+                  <a:rPr lang="en-US" sz="3200" dirty="0" smtClean="0"/>
+                  <a:t>Stage 3: Code Analytics and Prediction</a:t>
+                </a:r>
+                <a:endParaRPr lang="en-US" sz="3200" dirty="0"/>
+              </a:p>
+            </p:txBody>
+          </p:sp>
+        </p:grpSp>
+      </p:grpSp>
+      <p:pic>
+        <p:nvPicPr>
+          <p:cNvPr id="22" name="Picture 21"/>
+          <p:cNvPicPr>
+            <a:picLocks noChangeAspect="1"/>
+          </p:cNvPicPr>
+          <p:nvPr/>
+        </p:nvPicPr>
+        <p:blipFill>
+          <a:blip r:embed="rId15" cstate="print">
+            <a:extLst>
+              <a:ext uri="{28A0092B-C50C-407E-A947-70E740481C1C}">
+                <a14:useLocalDpi xmlns:a14="http://schemas.microsoft.com/office/drawing/2010/main" val="0"/>
+              </a:ext>
+            </a:extLst>
+          </a:blip>
+          <a:stretch>
+            <a:fillRect/>
+          </a:stretch>
+        </p:blipFill>
+        <p:spPr>
+          <a:xfrm>
+            <a:off x="2128199" y="7077610"/>
+            <a:ext cx="2797611" cy="2797611"/>
+          </a:xfrm>
+          <a:prstGeom prst="rect">
+            <a:avLst/>
+          </a:prstGeom>
+        </p:spPr>
+      </p:pic>
+      <p:sp>
+        <p:nvSpPr>
+          <p:cNvPr id="39" name="Curved Down Arrow 38"/>
+          <p:cNvSpPr/>
+          <p:nvPr/>
+        </p:nvSpPr>
+        <p:spPr>
+          <a:xfrm>
+            <a:off x="3188283" y="5743451"/>
+            <a:ext cx="16407817" cy="1495549"/>
+          </a:xfrm>
+          <a:prstGeom prst="curvedDownArrow">
+            <a:avLst>
+              <a:gd name="adj1" fmla="val 41633"/>
+              <a:gd name="adj2" fmla="val 105489"/>
+              <a:gd name="adj3" fmla="val 43114"/>
+            </a:avLst>
+          </a:prstGeom>
+          <a:solidFill>
+            <a:schemeClr val="accent1">
+              <a:lumMod val="40000"/>
+              <a:lumOff val="60000"/>
+            </a:schemeClr>
+          </a:solidFill>
+          <a:effectLst>
+            <a:glow rad="63500">
+              <a:schemeClr val="accent1">
+                <a:satMod val="175000"/>
+                <a:alpha val="40000"/>
+              </a:schemeClr>
+            </a:glow>
+          </a:effectLst>
+        </p:spPr>
+        <p:style>
+          <a:lnRef idx="2">
+            <a:schemeClr val="accent1">
+              <a:shade val="50000"/>
+            </a:schemeClr>
+          </a:lnRef>
+          <a:fillRef idx="1">
+            <a:schemeClr val="accent1"/>
+          </a:fillRef>
+          <a:effectRef idx="0">
+            <a:schemeClr val="accent1"/>
+          </a:effectRef>
+          <a:fontRef idx="minor">
+            <a:schemeClr val="lt1"/>
+          </a:fontRef>
+        </p:style>
+        <p:txBody>
+          <a:bodyPr rtlCol="0" anchor="ctr"/>
+          <a:lstStyle/>
+          <a:p>
+            <a:pPr algn="ctr"/>
+            <a:endParaRPr lang="en-US">
+              <a:solidFill>
+                <a:schemeClr val="tx1"/>
+              </a:solidFill>
+            </a:endParaRPr>
+          </a:p>
+        </p:txBody>
+      </p:sp>
+      <p:sp>
+        <p:nvSpPr>
+          <p:cNvPr id="48" name="8 CuadroTexto"/>
+          <p:cNvSpPr txBox="1"/>
+          <p:nvPr/>
+        </p:nvSpPr>
+        <p:spPr>
+          <a:xfrm>
+            <a:off x="4728867" y="30866357"/>
+            <a:ext cx="12564038" cy="1323439"/>
+          </a:xfrm>
+          <a:prstGeom prst="rect">
+            <a:avLst/>
+          </a:prstGeom>
+          <a:noFill/>
+        </p:spPr>
+        <p:txBody>
+          <a:bodyPr wrap="square" rtlCol="0">
+            <a:spAutoFit/>
+          </a:bodyPr>
+          <a:lstStyle/>
+          <a:p>
+            <a:pPr algn="ctr"/>
+            <a:r>
+              <a:rPr lang="en-US" sz="8000" dirty="0" smtClean="0">
+                <a:ln w="18415" cmpd="sng">
+                  <a:noFill/>
+                  <a:prstDash val="solid"/>
+                </a:ln>
+                <a:effectLst>
+                  <a:outerShdw blurRad="63500" dir="3600000" algn="tl" rotWithShape="0">
+                    <a:srgbClr val="000000">
+                      <a:alpha val="70000"/>
+                    </a:srgbClr>
+                  </a:outerShdw>
+                </a:effectLst>
+                <a:cs typeface="Times New Roman" panose="02020603050405020304" pitchFamily="18" charset="0"/>
+              </a:rPr>
+              <a:t>Mobile App Visualizations</a:t>
+            </a:r>
+            <a:endParaRPr lang="en-US" sz="8000" dirty="0">
+              <a:ln w="18415" cmpd="sng">
+                <a:noFill/>
+                <a:prstDash val="solid"/>
+              </a:ln>
+              <a:effectLst>
+                <a:outerShdw blurRad="63500" dir="3600000" algn="tl" rotWithShape="0">
+                  <a:srgbClr val="000000">
+                    <a:alpha val="70000"/>
+                  </a:srgbClr>
+                </a:outerShdw>
+              </a:effectLst>
+              <a:cs typeface="Times New Roman" panose="02020603050405020304" pitchFamily="18" charset="0"/>
+            </a:endParaRPr>
+          </a:p>
+        </p:txBody>
+      </p:sp>
+      <p:grpSp>
+        <p:nvGrpSpPr>
+          <p:cNvPr id="44" name="Group 43"/>
+          <p:cNvGrpSpPr/>
+          <p:nvPr/>
+        </p:nvGrpSpPr>
+        <p:grpSpPr>
+          <a:xfrm>
+            <a:off x="-509319" y="19072860"/>
+            <a:ext cx="23040410" cy="11631168"/>
+            <a:chOff x="-509319" y="18100907"/>
+            <a:chExt cx="23040410" cy="11631168"/>
+          </a:xfrm>
+        </p:grpSpPr>
+        <p:sp>
+          <p:nvSpPr>
+            <p:cNvPr id="56" name="Rounded Rectangle 55"/>
+            <p:cNvSpPr/>
+            <p:nvPr/>
+          </p:nvSpPr>
+          <p:spPr>
+            <a:xfrm>
+              <a:off x="280752" y="18100907"/>
+              <a:ext cx="21535306" cy="11631168"/>
+            </a:xfrm>
+            <a:prstGeom prst="roundRect">
+              <a:avLst>
+                <a:gd name="adj" fmla="val 4464"/>
+              </a:avLst>
+            </a:prstGeom>
+            <a:solidFill>
+              <a:schemeClr val="accent2">
+                <a:lumMod val="20000"/>
+                <a:lumOff val="80000"/>
+              </a:schemeClr>
+            </a:solidFill>
+            <a:ln>
+              <a:noFill/>
+            </a:ln>
+            <a:effectLst>
+              <a:outerShdw blurRad="190500" dist="228600" dir="2700000" algn="ctr">
+                <a:srgbClr val="000000">
+                  <a:alpha val="30000"/>
+                </a:srgbClr>
+              </a:outerShdw>
+            </a:effectLst>
+            <a:scene3d>
+              <a:camera prst="orthographicFront">
+                <a:rot lat="0" lon="0" rev="0"/>
+              </a:camera>
+              <a:lightRig rig="glow" dir="t">
+                <a:rot lat="0" lon="0" rev="4800000"/>
+              </a:lightRig>
+            </a:scene3d>
+            <a:sp3d prstMaterial="matte">
+              <a:bevelT w="127000" h="63500"/>
+            </a:sp3d>
+          </p:spPr>
+          <p:style>
+            <a:lnRef idx="0">
+              <a:schemeClr val="accent1"/>
+            </a:lnRef>
+            <a:fillRef idx="3">
+              <a:schemeClr val="accent1"/>
+            </a:fillRef>
+            <a:effectRef idx="3">
+              <a:schemeClr val="accent1"/>
+            </a:effectRef>
+            <a:fontRef idx="minor">
+              <a:schemeClr val="lt1"/>
+            </a:fontRef>
+          </p:style>
+          <p:txBody>
+            <a:bodyPr rtlCol="0" anchor="ctr"/>
+            <a:lstStyle/>
+            <a:p>
+              <a:pPr algn="ctr"/>
+              <a:endParaRPr lang="en-US"/>
+            </a:p>
+          </p:txBody>
+        </p:sp>
+        <p:pic>
+          <p:nvPicPr>
+            <p:cNvPr id="13" name="Picture 12"/>
+            <p:cNvPicPr>
+              <a:picLocks noChangeAspect="1"/>
+            </p:cNvPicPr>
+            <p:nvPr/>
+          </p:nvPicPr>
+          <p:blipFill>
+            <a:blip r:embed="rId16" cstate="print">
+              <a:extLst>
+                <a:ext uri="{28A0092B-C50C-407E-A947-70E740481C1C}">
+                  <a14:useLocalDpi xmlns:a14="http://schemas.microsoft.com/office/drawing/2010/main" val="0"/>
+                </a:ext>
+              </a:extLst>
+            </a:blip>
+            <a:stretch>
+              <a:fillRect/>
+            </a:stretch>
+          </p:blipFill>
+          <p:spPr>
+            <a:xfrm>
+              <a:off x="-509319" y="18519356"/>
+              <a:ext cx="6928523" cy="8797401"/>
+            </a:xfrm>
+            <a:prstGeom prst="rect">
+              <a:avLst/>
+            </a:prstGeom>
+          </p:spPr>
+        </p:pic>
+        <p:pic>
+          <p:nvPicPr>
+            <p:cNvPr id="14" name="Picture 13"/>
+            <p:cNvPicPr>
+              <a:picLocks noChangeAspect="1"/>
+            </p:cNvPicPr>
+            <p:nvPr/>
+          </p:nvPicPr>
+          <p:blipFill>
+            <a:blip r:embed="rId17" cstate="print">
+              <a:extLst>
+                <a:ext uri="{28A0092B-C50C-407E-A947-70E740481C1C}">
+                  <a14:useLocalDpi xmlns:a14="http://schemas.microsoft.com/office/drawing/2010/main" val="0"/>
+                </a:ext>
+              </a:extLst>
+            </a:blip>
+            <a:stretch>
+              <a:fillRect/>
+            </a:stretch>
+          </p:blipFill>
+          <p:spPr>
+            <a:xfrm>
+              <a:off x="15481485" y="18516483"/>
+              <a:ext cx="7049606" cy="8782790"/>
+            </a:xfrm>
+            <a:prstGeom prst="rect">
+              <a:avLst/>
+            </a:prstGeom>
+          </p:spPr>
+        </p:pic>
+        <p:pic>
+          <p:nvPicPr>
+            <p:cNvPr id="20" name="Picture 19"/>
+            <p:cNvPicPr>
+              <a:picLocks noChangeAspect="1"/>
+            </p:cNvPicPr>
+            <p:nvPr/>
+          </p:nvPicPr>
+          <p:blipFill>
+            <a:blip r:embed="rId18" cstate="print">
+              <a:extLst>
+                <a:ext uri="{28A0092B-C50C-407E-A947-70E740481C1C}">
+                  <a14:useLocalDpi xmlns:a14="http://schemas.microsoft.com/office/drawing/2010/main" val="0"/>
+                </a:ext>
+              </a:extLst>
+            </a:blip>
+            <a:stretch>
+              <a:fillRect/>
+            </a:stretch>
+          </p:blipFill>
+          <p:spPr>
+            <a:xfrm>
+              <a:off x="10057283" y="18519356"/>
+              <a:ext cx="7049606" cy="8779917"/>
+            </a:xfrm>
+            <a:prstGeom prst="rect">
+              <a:avLst/>
+            </a:prstGeom>
+          </p:spPr>
+        </p:pic>
+        <p:pic>
+          <p:nvPicPr>
+            <p:cNvPr id="24" name="Picture 23"/>
+            <p:cNvPicPr>
+              <a:picLocks noChangeAspect="1"/>
+            </p:cNvPicPr>
+            <p:nvPr/>
+          </p:nvPicPr>
+          <p:blipFill>
+            <a:blip r:embed="rId19" cstate="print">
+              <a:extLst>
+                <a:ext uri="{28A0092B-C50C-407E-A947-70E740481C1C}">
+                  <a14:useLocalDpi xmlns:a14="http://schemas.microsoft.com/office/drawing/2010/main" val="0"/>
+                </a:ext>
+              </a:extLst>
+            </a:blip>
+            <a:stretch>
+              <a:fillRect/>
+            </a:stretch>
+          </p:blipFill>
+          <p:spPr>
+            <a:xfrm>
+              <a:off x="4715363" y="18519356"/>
+              <a:ext cx="7049606" cy="8779917"/>
+            </a:xfrm>
+            <a:prstGeom prst="rect">
+              <a:avLst/>
+            </a:prstGeom>
+          </p:spPr>
+        </p:pic>
+        <p:sp>
+          <p:nvSpPr>
+            <p:cNvPr id="28" name="TextBox 27"/>
+            <p:cNvSpPr txBox="1"/>
+            <p:nvPr/>
+          </p:nvSpPr>
+          <p:spPr>
+            <a:xfrm>
+              <a:off x="984074" y="27499543"/>
+              <a:ext cx="3941736" cy="646331"/>
+            </a:xfrm>
+            <a:prstGeom prst="rect">
+              <a:avLst/>
+            </a:prstGeom>
+            <a:noFill/>
+          </p:spPr>
+          <p:txBody>
+            <a:bodyPr wrap="square" rtlCol="0">
+              <a:spAutoFit/>
+            </a:bodyPr>
+            <a:lstStyle/>
+            <a:p>
+              <a:pPr algn="ctr"/>
+              <a:r>
+                <a:rPr lang="en-US" sz="3600" dirty="0" smtClean="0"/>
+                <a:t>List of installed apps</a:t>
+              </a:r>
+              <a:endParaRPr lang="en-US" sz="3600" dirty="0"/>
+            </a:p>
+          </p:txBody>
+        </p:sp>
+        <p:sp>
+          <p:nvSpPr>
+            <p:cNvPr id="55" name="TextBox 54"/>
+            <p:cNvSpPr txBox="1"/>
+            <p:nvPr/>
+          </p:nvSpPr>
+          <p:spPr>
+            <a:xfrm>
+              <a:off x="6051858" y="27470005"/>
+              <a:ext cx="4376616" cy="1200329"/>
+            </a:xfrm>
+            <a:prstGeom prst="rect">
+              <a:avLst/>
+            </a:prstGeom>
+            <a:noFill/>
+          </p:spPr>
+          <p:txBody>
+            <a:bodyPr wrap="square" rtlCol="0">
+              <a:spAutoFit/>
+            </a:bodyPr>
+            <a:lstStyle/>
+            <a:p>
+              <a:pPr algn="ctr"/>
+              <a:r>
+                <a:rPr lang="en-US" sz="3600" dirty="0" smtClean="0"/>
+                <a:t>New app installed notification</a:t>
+              </a:r>
+              <a:endParaRPr lang="en-US" sz="3600" dirty="0"/>
+            </a:p>
+          </p:txBody>
+        </p:sp>
+        <p:sp>
+          <p:nvSpPr>
+            <p:cNvPr id="57" name="TextBox 56"/>
+            <p:cNvSpPr txBox="1"/>
+            <p:nvPr/>
+          </p:nvSpPr>
+          <p:spPr>
+            <a:xfrm>
+              <a:off x="11538044" y="27501477"/>
+              <a:ext cx="4088083" cy="1200329"/>
+            </a:xfrm>
+            <a:prstGeom prst="rect">
+              <a:avLst/>
+            </a:prstGeom>
+            <a:noFill/>
+          </p:spPr>
+          <p:txBody>
+            <a:bodyPr wrap="square" rtlCol="0">
+              <a:spAutoFit/>
+            </a:bodyPr>
+            <a:lstStyle/>
+            <a:p>
+              <a:pPr algn="ctr"/>
+              <a:r>
+                <a:rPr lang="en-US" sz="3600" dirty="0" smtClean="0"/>
+                <a:t>New app installed details</a:t>
+              </a:r>
+              <a:endParaRPr lang="en-US" sz="3600" dirty="0"/>
+            </a:p>
+          </p:txBody>
+        </p:sp>
+        <p:sp>
+          <p:nvSpPr>
+            <p:cNvPr id="60" name="TextBox 59"/>
+            <p:cNvSpPr txBox="1"/>
+            <p:nvPr/>
+          </p:nvSpPr>
+          <p:spPr>
+            <a:xfrm>
+              <a:off x="17035420" y="27470005"/>
+              <a:ext cx="3941736" cy="1754326"/>
+            </a:xfrm>
+            <a:prstGeom prst="rect">
+              <a:avLst/>
+            </a:prstGeom>
+            <a:noFill/>
+          </p:spPr>
+          <p:txBody>
+            <a:bodyPr wrap="square" rtlCol="0">
+              <a:spAutoFit/>
+            </a:bodyPr>
+            <a:lstStyle/>
+            <a:p>
+              <a:pPr algn="ctr"/>
+              <a:r>
+                <a:rPr lang="en-US" sz="3600" dirty="0" smtClean="0"/>
+                <a:t>New app installed privacy and security details</a:t>
+              </a:r>
+              <a:endParaRPr lang="en-US" sz="3600" dirty="0"/>
+            </a:p>
+          </p:txBody>
+        </p:sp>
+      </p:grpSp>
       <p:sp>
         <p:nvSpPr>
           <p:cNvPr id="58" name="Rounded Rectangle 57"/>
@@ -3724,8 +5229,8 @@
         </p:nvSpPr>
         <p:spPr>
           <a:xfrm>
-            <a:off x="263991" y="18762852"/>
-            <a:ext cx="23964012" cy="11631168"/>
+            <a:off x="21998504" y="5103703"/>
+            <a:ext cx="21719525" cy="12833127"/>
           </a:xfrm>
           <a:prstGeom prst="roundRect">
             <a:avLst>
@@ -3783,1345 +5288,9 @@
           </a:p>
         </p:txBody>
       </p:sp>
-      <p:sp>
-        <p:nvSpPr>
-          <p:cNvPr id="59" name="Rounded Rectangle 58"/>
-          <p:cNvSpPr/>
-          <p:nvPr/>
-        </p:nvSpPr>
-        <p:spPr>
-          <a:xfrm>
-            <a:off x="24511818" y="18762852"/>
-            <a:ext cx="19206211" cy="11631168"/>
-          </a:xfrm>
-          <a:prstGeom prst="roundRect">
-            <a:avLst>
-              <a:gd name="adj" fmla="val 4778"/>
-            </a:avLst>
-          </a:prstGeom>
-          <a:solidFill>
-            <a:schemeClr val="bg2">
-              <a:lumMod val="90000"/>
-            </a:schemeClr>
-          </a:solidFill>
-          <a:ln>
-            <a:noFill/>
-          </a:ln>
-          <a:effectLst>
-            <a:outerShdw blurRad="190500" dist="228600" dir="2700000" algn="ctr">
-              <a:srgbClr val="000000">
-                <a:alpha val="30000"/>
-              </a:srgbClr>
-            </a:outerShdw>
-          </a:effectLst>
-          <a:scene3d>
-            <a:camera prst="orthographicFront">
-              <a:rot lat="0" lon="0" rev="0"/>
-            </a:camera>
-            <a:lightRig rig="glow" dir="t">
-              <a:rot lat="0" lon="0" rev="4800000"/>
-            </a:lightRig>
-          </a:scene3d>
-          <a:sp3d prstMaterial="matte">
-            <a:bevelT w="127000" h="63500"/>
-          </a:sp3d>
-        </p:spPr>
-        <p:style>
-          <a:lnRef idx="0">
-            <a:schemeClr val="accent1"/>
-          </a:lnRef>
-          <a:fillRef idx="3">
-            <a:schemeClr val="accent1"/>
-          </a:fillRef>
-          <a:effectRef idx="3">
-            <a:schemeClr val="accent1"/>
-          </a:effectRef>
-          <a:fontRef idx="minor">
-            <a:schemeClr val="lt1"/>
-          </a:fontRef>
-        </p:style>
-        <p:txBody>
-          <a:bodyPr rtlCol="0" anchor="ctr"/>
-          <a:lstStyle/>
-          <a:p>
-            <a:pPr algn="ctr"/>
-            <a:endParaRPr lang="en-US"/>
-          </a:p>
-        </p:txBody>
-      </p:sp>
-      <p:sp>
-        <p:nvSpPr>
-          <p:cNvPr id="61" name="8 CuadroTexto"/>
-          <p:cNvSpPr txBox="1"/>
-          <p:nvPr/>
-        </p:nvSpPr>
-        <p:spPr>
-          <a:xfrm>
-            <a:off x="6139102" y="17656638"/>
-            <a:ext cx="8924544" cy="1323439"/>
-          </a:xfrm>
-          <a:prstGeom prst="rect">
-            <a:avLst/>
-          </a:prstGeom>
-          <a:noFill/>
-        </p:spPr>
-        <p:txBody>
-          <a:bodyPr wrap="square" rtlCol="0">
-            <a:spAutoFit/>
-          </a:bodyPr>
-          <a:lstStyle/>
-          <a:p>
-            <a:pPr algn="ctr"/>
-            <a:r>
-              <a:rPr lang="en-US" sz="8000" dirty="0" smtClean="0">
-                <a:ln w="18415" cmpd="sng">
-                  <a:noFill/>
-                  <a:prstDash val="solid"/>
-                </a:ln>
-                <a:effectLst>
-                  <a:outerShdw blurRad="63500" dir="3600000" algn="tl" rotWithShape="0">
-                    <a:srgbClr val="000000">
-                      <a:alpha val="70000"/>
-                    </a:srgbClr>
-                  </a:outerShdw>
-                </a:effectLst>
-                <a:cs typeface="Times New Roman" panose="02020603050405020304" pitchFamily="18" charset="0"/>
-              </a:rPr>
-              <a:t>System Architecture</a:t>
-            </a:r>
-            <a:endParaRPr lang="en-US" sz="8000" dirty="0">
-              <a:ln w="18415" cmpd="sng">
-                <a:noFill/>
-                <a:prstDash val="solid"/>
-              </a:ln>
-              <a:effectLst>
-                <a:outerShdw blurRad="63500" dir="3600000" algn="tl" rotWithShape="0">
-                  <a:srgbClr val="000000">
-                    <a:alpha val="70000"/>
-                  </a:srgbClr>
-                </a:outerShdw>
-              </a:effectLst>
-              <a:cs typeface="Times New Roman" panose="02020603050405020304" pitchFamily="18" charset="0"/>
-            </a:endParaRPr>
-          </a:p>
-        </p:txBody>
-      </p:sp>
-      <p:pic>
-        <p:nvPicPr>
-          <p:cNvPr id="36" name="Picture 35"/>
-          <p:cNvPicPr>
-            <a:picLocks noChangeAspect="1"/>
-          </p:cNvPicPr>
-          <p:nvPr/>
-        </p:nvPicPr>
-        <p:blipFill>
-          <a:blip r:embed="rId5" cstate="print">
-            <a:extLst>
-              <a:ext uri="{28A0092B-C50C-407E-A947-70E740481C1C}">
-                <a14:useLocalDpi xmlns:a14="http://schemas.microsoft.com/office/drawing/2010/main" val="0"/>
-              </a:ext>
-            </a:extLst>
-          </a:blip>
-          <a:stretch>
-            <a:fillRect/>
-          </a:stretch>
-        </p:blipFill>
-        <p:spPr>
-          <a:xfrm>
-            <a:off x="18708914" y="7711464"/>
-            <a:ext cx="2761975" cy="2761975"/>
-          </a:xfrm>
-          <a:prstGeom prst="rect">
-            <a:avLst/>
-          </a:prstGeom>
-        </p:spPr>
-      </p:pic>
-      <p:pic>
-        <p:nvPicPr>
-          <p:cNvPr id="38" name="Picture 37"/>
-          <p:cNvPicPr>
-            <a:picLocks noChangeAspect="1"/>
-          </p:cNvPicPr>
-          <p:nvPr/>
-        </p:nvPicPr>
-        <p:blipFill>
-          <a:blip r:embed="rId6" cstate="print">
-            <a:extLst>
-              <a:ext uri="{28A0092B-C50C-407E-A947-70E740481C1C}">
-                <a14:useLocalDpi xmlns:a14="http://schemas.microsoft.com/office/drawing/2010/main" val="0"/>
-              </a:ext>
-            </a:extLst>
-          </a:blip>
-          <a:stretch>
-            <a:fillRect/>
-          </a:stretch>
-        </p:blipFill>
-        <p:spPr>
-          <a:xfrm>
-            <a:off x="11679694" y="8133753"/>
-            <a:ext cx="2446555" cy="2446555"/>
-          </a:xfrm>
-          <a:prstGeom prst="rect">
-            <a:avLst/>
-          </a:prstGeom>
-        </p:spPr>
-      </p:pic>
-      <p:sp>
-        <p:nvSpPr>
-          <p:cNvPr id="41" name="Oval Callout 40"/>
-          <p:cNvSpPr/>
-          <p:nvPr/>
-        </p:nvSpPr>
-        <p:spPr>
-          <a:xfrm>
-            <a:off x="6371335" y="6860641"/>
-            <a:ext cx="4924932" cy="2171963"/>
-          </a:xfrm>
-          <a:prstGeom prst="wedgeEllipseCallout">
-            <a:avLst>
-              <a:gd name="adj1" fmla="val 60878"/>
-              <a:gd name="adj2" fmla="val 55033"/>
-            </a:avLst>
-          </a:prstGeom>
-          <a:solidFill>
-            <a:schemeClr val="accent6">
-              <a:lumMod val="40000"/>
-              <a:lumOff val="60000"/>
-            </a:schemeClr>
-          </a:solidFill>
-        </p:spPr>
-        <p:style>
-          <a:lnRef idx="2">
-            <a:schemeClr val="accent1">
-              <a:shade val="50000"/>
-            </a:schemeClr>
-          </a:lnRef>
-          <a:fillRef idx="1">
-            <a:schemeClr val="accent1"/>
-          </a:fillRef>
-          <a:effectRef idx="0">
-            <a:schemeClr val="accent1"/>
-          </a:effectRef>
-          <a:fontRef idx="minor">
-            <a:schemeClr val="lt1"/>
-          </a:fontRef>
-        </p:style>
-        <p:txBody>
-          <a:bodyPr rtlCol="0" anchor="ctr"/>
-          <a:lstStyle/>
-          <a:p>
-            <a:pPr algn="ctr"/>
-            <a:r>
-              <a:rPr lang="en-US" sz="3200" dirty="0" smtClean="0">
-                <a:solidFill>
-                  <a:schemeClr val="tx1"/>
-                </a:solidFill>
-                <a:effectLst>
-                  <a:outerShdw blurRad="38100" dist="38100" dir="2700000" algn="tl">
-                    <a:srgbClr val="000000">
-                      <a:alpha val="43137"/>
-                    </a:srgbClr>
-                  </a:outerShdw>
-                </a:effectLst>
-              </a:rPr>
-              <a:t>Hi! I am Heimdall!</a:t>
-            </a:r>
-          </a:p>
-          <a:p>
-            <a:pPr algn="ctr"/>
-            <a:r>
-              <a:rPr lang="en-US" sz="3200" dirty="0" smtClean="0">
-                <a:solidFill>
-                  <a:schemeClr val="tx1"/>
-                </a:solidFill>
-                <a:effectLst>
-                  <a:outerShdw blurRad="38100" dist="38100" dir="2700000" algn="tl">
-                    <a:srgbClr val="000000">
-                      <a:alpha val="43137"/>
-                    </a:srgbClr>
-                  </a:outerShdw>
-                </a:effectLst>
-              </a:rPr>
-              <a:t>I am here to protect you!</a:t>
-            </a:r>
-            <a:endParaRPr lang="en-US" sz="3200" dirty="0">
-              <a:solidFill>
-                <a:schemeClr val="tx1"/>
-              </a:solidFill>
-              <a:effectLst>
-                <a:outerShdw blurRad="38100" dist="38100" dir="2700000" algn="tl">
-                  <a:srgbClr val="000000">
-                    <a:alpha val="43137"/>
-                  </a:srgbClr>
-                </a:outerShdw>
-              </a:effectLst>
-            </a:endParaRPr>
-          </a:p>
-        </p:txBody>
-      </p:sp>
-      <p:pic>
-        <p:nvPicPr>
-          <p:cNvPr id="45" name="Picture 44"/>
-          <p:cNvPicPr>
-            <a:picLocks noChangeAspect="1"/>
-          </p:cNvPicPr>
-          <p:nvPr/>
-        </p:nvPicPr>
-        <p:blipFill>
-          <a:blip r:embed="rId7">
-            <a:extLst>
-              <a:ext uri="{28A0092B-C50C-407E-A947-70E740481C1C}">
-                <a14:useLocalDpi xmlns:a14="http://schemas.microsoft.com/office/drawing/2010/main" val="0"/>
-              </a:ext>
-            </a:extLst>
-          </a:blip>
-          <a:stretch>
-            <a:fillRect/>
-          </a:stretch>
-        </p:blipFill>
-        <p:spPr>
-          <a:xfrm>
-            <a:off x="530115" y="13159902"/>
-            <a:ext cx="2907798" cy="2414021"/>
-          </a:xfrm>
-          <a:prstGeom prst="rect">
-            <a:avLst/>
-          </a:prstGeom>
-        </p:spPr>
-      </p:pic>
-      <p:pic>
-        <p:nvPicPr>
-          <p:cNvPr id="62" name="Picture 61"/>
-          <p:cNvPicPr>
-            <a:picLocks noChangeAspect="1"/>
-          </p:cNvPicPr>
-          <p:nvPr/>
-        </p:nvPicPr>
-        <p:blipFill>
-          <a:blip r:embed="rId8" cstate="print">
-            <a:extLst>
-              <a:ext uri="{28A0092B-C50C-407E-A947-70E740481C1C}">
-                <a14:useLocalDpi xmlns:a14="http://schemas.microsoft.com/office/drawing/2010/main" val="0"/>
-              </a:ext>
-            </a:extLst>
-          </a:blip>
-          <a:stretch>
-            <a:fillRect/>
-          </a:stretch>
-        </p:blipFill>
-        <p:spPr>
-          <a:xfrm>
-            <a:off x="4001139" y="11400028"/>
-            <a:ext cx="2903350" cy="3217009"/>
-          </a:xfrm>
-          <a:prstGeom prst="rect">
-            <a:avLst/>
-          </a:prstGeom>
-        </p:spPr>
-      </p:pic>
-      <p:pic>
-        <p:nvPicPr>
-          <p:cNvPr id="63" name="Picture 62"/>
-          <p:cNvPicPr>
-            <a:picLocks noChangeAspect="1"/>
-          </p:cNvPicPr>
-          <p:nvPr/>
-        </p:nvPicPr>
-        <p:blipFill>
-          <a:blip r:embed="rId9" cstate="print">
-            <a:extLst>
-              <a:ext uri="{28A0092B-C50C-407E-A947-70E740481C1C}">
-                <a14:useLocalDpi xmlns:a14="http://schemas.microsoft.com/office/drawing/2010/main" val="0"/>
-              </a:ext>
-            </a:extLst>
-          </a:blip>
-          <a:stretch>
-            <a:fillRect/>
-          </a:stretch>
-        </p:blipFill>
-        <p:spPr>
-          <a:xfrm>
-            <a:off x="446263" y="15450080"/>
-            <a:ext cx="4253835" cy="1526294"/>
-          </a:xfrm>
-          <a:prstGeom prst="rect">
-            <a:avLst/>
-          </a:prstGeom>
-        </p:spPr>
-      </p:pic>
-      <p:pic>
-        <p:nvPicPr>
-          <p:cNvPr id="6" name="Picture 5"/>
-          <p:cNvPicPr>
-            <a:picLocks noChangeAspect="1"/>
-          </p:cNvPicPr>
-          <p:nvPr/>
-        </p:nvPicPr>
-        <p:blipFill>
-          <a:blip r:embed="rId10">
-            <a:extLst>
-              <a:ext uri="{28A0092B-C50C-407E-A947-70E740481C1C}">
-                <a14:useLocalDpi xmlns:a14="http://schemas.microsoft.com/office/drawing/2010/main" val="0"/>
-              </a:ext>
-            </a:extLst>
-          </a:blip>
-          <a:stretch>
-            <a:fillRect/>
-          </a:stretch>
-        </p:blipFill>
-        <p:spPr>
-          <a:xfrm>
-            <a:off x="7010650" y="14308201"/>
-            <a:ext cx="2639060" cy="2996348"/>
-          </a:xfrm>
-          <a:prstGeom prst="rect">
-            <a:avLst/>
-          </a:prstGeom>
-        </p:spPr>
-      </p:pic>
-      <p:sp>
-        <p:nvSpPr>
-          <p:cNvPr id="7" name="Bent Arrow 6"/>
-          <p:cNvSpPr/>
-          <p:nvPr/>
-        </p:nvSpPr>
-        <p:spPr>
-          <a:xfrm>
-            <a:off x="1181099" y="11925410"/>
-            <a:ext cx="2820039" cy="1085101"/>
-          </a:xfrm>
-          <a:prstGeom prst="bentArrow">
-            <a:avLst>
-              <a:gd name="adj1" fmla="val 25000"/>
-              <a:gd name="adj2" fmla="val 25000"/>
-              <a:gd name="adj3" fmla="val 25000"/>
-              <a:gd name="adj4" fmla="val 31461"/>
-            </a:avLst>
-          </a:prstGeom>
-          <a:solidFill>
-            <a:schemeClr val="accent1">
-              <a:lumMod val="60000"/>
-              <a:lumOff val="40000"/>
-            </a:schemeClr>
-          </a:solidFill>
-        </p:spPr>
-        <p:style>
-          <a:lnRef idx="2">
-            <a:schemeClr val="accent1">
-              <a:shade val="50000"/>
-            </a:schemeClr>
-          </a:lnRef>
-          <a:fillRef idx="1">
-            <a:schemeClr val="accent1"/>
-          </a:fillRef>
-          <a:effectRef idx="0">
-            <a:schemeClr val="accent1"/>
-          </a:effectRef>
-          <a:fontRef idx="minor">
-            <a:schemeClr val="lt1"/>
-          </a:fontRef>
-        </p:style>
-        <p:txBody>
-          <a:bodyPr rtlCol="0" anchor="ctr"/>
-          <a:lstStyle/>
-          <a:p>
-            <a:pPr algn="ctr"/>
-            <a:endParaRPr lang="en-US">
-              <a:solidFill>
-                <a:schemeClr val="tx1"/>
-              </a:solidFill>
-            </a:endParaRPr>
-          </a:p>
-        </p:txBody>
-      </p:sp>
-      <p:sp>
-        <p:nvSpPr>
-          <p:cNvPr id="8" name="Bent Arrow 7"/>
-          <p:cNvSpPr/>
-          <p:nvPr/>
-        </p:nvSpPr>
-        <p:spPr>
-          <a:xfrm rot="10800000" flipH="1">
-            <a:off x="5549287" y="14488186"/>
-            <a:ext cx="1371600" cy="2218663"/>
-          </a:xfrm>
-          <a:prstGeom prst="bentArrow">
-            <a:avLst>
-              <a:gd name="adj1" fmla="val 21081"/>
-              <a:gd name="adj2" fmla="val 21021"/>
-              <a:gd name="adj3" fmla="val 25000"/>
-              <a:gd name="adj4" fmla="val 21426"/>
-            </a:avLst>
-          </a:prstGeom>
-          <a:solidFill>
-            <a:schemeClr val="accent1">
-              <a:lumMod val="40000"/>
-              <a:lumOff val="60000"/>
-            </a:schemeClr>
-          </a:solidFill>
-        </p:spPr>
-        <p:style>
-          <a:lnRef idx="2">
-            <a:schemeClr val="accent1">
-              <a:shade val="50000"/>
-            </a:schemeClr>
-          </a:lnRef>
-          <a:fillRef idx="1">
-            <a:schemeClr val="accent1"/>
-          </a:fillRef>
-          <a:effectRef idx="0">
-            <a:schemeClr val="accent1"/>
-          </a:effectRef>
-          <a:fontRef idx="minor">
-            <a:schemeClr val="lt1"/>
-          </a:fontRef>
-        </p:style>
-        <p:txBody>
-          <a:bodyPr rtlCol="0" anchor="ctr"/>
-          <a:lstStyle/>
-          <a:p>
-            <a:pPr algn="ctr"/>
-            <a:endParaRPr lang="en-US">
-              <a:solidFill>
-                <a:schemeClr val="tx1"/>
-              </a:solidFill>
-            </a:endParaRPr>
-          </a:p>
-        </p:txBody>
-      </p:sp>
-      <p:sp>
-        <p:nvSpPr>
-          <p:cNvPr id="33" name="Bent Arrow 32"/>
-          <p:cNvSpPr/>
-          <p:nvPr/>
-        </p:nvSpPr>
-        <p:spPr>
-          <a:xfrm rot="5400000" flipH="1">
-            <a:off x="10528777" y="14685393"/>
-            <a:ext cx="1371600" cy="3078935"/>
-          </a:xfrm>
-          <a:prstGeom prst="bentArrow">
-            <a:avLst>
-              <a:gd name="adj1" fmla="val 21408"/>
-              <a:gd name="adj2" fmla="val 21021"/>
-              <a:gd name="adj3" fmla="val 25000"/>
-              <a:gd name="adj4" fmla="val 31778"/>
-            </a:avLst>
-          </a:prstGeom>
-          <a:solidFill>
-            <a:schemeClr val="accent1">
-              <a:lumMod val="40000"/>
-              <a:lumOff val="60000"/>
-            </a:schemeClr>
-          </a:solidFill>
-        </p:spPr>
-        <p:style>
-          <a:lnRef idx="2">
-            <a:schemeClr val="accent1">
-              <a:shade val="50000"/>
-            </a:schemeClr>
-          </a:lnRef>
-          <a:fillRef idx="1">
-            <a:schemeClr val="accent1"/>
-          </a:fillRef>
-          <a:effectRef idx="0">
-            <a:schemeClr val="accent1"/>
-          </a:effectRef>
-          <a:fontRef idx="minor">
-            <a:schemeClr val="lt1"/>
-          </a:fontRef>
-        </p:style>
-        <p:txBody>
-          <a:bodyPr rtlCol="0" anchor="ctr"/>
-          <a:lstStyle/>
-          <a:p>
-            <a:pPr algn="ctr"/>
-            <a:endParaRPr lang="en-US">
-              <a:solidFill>
-                <a:schemeClr val="tx1"/>
-              </a:solidFill>
-            </a:endParaRPr>
-          </a:p>
-        </p:txBody>
-      </p:sp>
-      <p:pic>
-        <p:nvPicPr>
-          <p:cNvPr id="9" name="Picture 8"/>
-          <p:cNvPicPr>
-            <a:picLocks noChangeAspect="1"/>
-          </p:cNvPicPr>
-          <p:nvPr/>
-        </p:nvPicPr>
-        <p:blipFill>
-          <a:blip r:embed="rId11">
-            <a:extLst>
-              <a:ext uri="{28A0092B-C50C-407E-A947-70E740481C1C}">
-                <a14:useLocalDpi xmlns:a14="http://schemas.microsoft.com/office/drawing/2010/main" val="0"/>
-              </a:ext>
-            </a:extLst>
-          </a:blip>
-          <a:stretch>
-            <a:fillRect/>
-          </a:stretch>
-        </p:blipFill>
-        <p:spPr>
-          <a:xfrm>
-            <a:off x="10131789" y="11925410"/>
-            <a:ext cx="4134591" cy="3702050"/>
-          </a:xfrm>
-          <a:prstGeom prst="rect">
-            <a:avLst/>
-          </a:prstGeom>
-        </p:spPr>
-      </p:pic>
-      <p:sp>
-        <p:nvSpPr>
-          <p:cNvPr id="37" name="Bent Arrow 36"/>
-          <p:cNvSpPr/>
-          <p:nvPr/>
-        </p:nvSpPr>
-        <p:spPr>
-          <a:xfrm rot="5400000">
-            <a:off x="15159869" y="12696023"/>
-            <a:ext cx="1371600" cy="2830808"/>
-          </a:xfrm>
-          <a:prstGeom prst="bentArrow">
-            <a:avLst>
-              <a:gd name="adj1" fmla="val 25000"/>
-              <a:gd name="adj2" fmla="val 24725"/>
-              <a:gd name="adj3" fmla="val 25000"/>
-              <a:gd name="adj4" fmla="val 29861"/>
-            </a:avLst>
-          </a:prstGeom>
-          <a:solidFill>
-            <a:schemeClr val="accent1">
-              <a:lumMod val="40000"/>
-              <a:lumOff val="60000"/>
-            </a:schemeClr>
-          </a:solidFill>
-        </p:spPr>
-        <p:style>
-          <a:lnRef idx="2">
-            <a:schemeClr val="accent1">
-              <a:shade val="50000"/>
-            </a:schemeClr>
-          </a:lnRef>
-          <a:fillRef idx="1">
-            <a:schemeClr val="accent1"/>
-          </a:fillRef>
-          <a:effectRef idx="0">
-            <a:schemeClr val="accent1"/>
-          </a:effectRef>
-          <a:fontRef idx="minor">
-            <a:schemeClr val="lt1"/>
-          </a:fontRef>
-        </p:style>
-        <p:txBody>
-          <a:bodyPr rtlCol="0" anchor="ctr"/>
-          <a:lstStyle/>
-          <a:p>
-            <a:pPr algn="ctr"/>
-            <a:endParaRPr lang="en-US">
-              <a:solidFill>
-                <a:schemeClr val="tx1"/>
-              </a:solidFill>
-            </a:endParaRPr>
-          </a:p>
-        </p:txBody>
-      </p:sp>
-      <p:pic>
-        <p:nvPicPr>
-          <p:cNvPr id="11" name="Picture 10"/>
-          <p:cNvPicPr>
-            <a:picLocks noChangeAspect="1"/>
-          </p:cNvPicPr>
-          <p:nvPr/>
-        </p:nvPicPr>
-        <p:blipFill>
-          <a:blip r:embed="rId12">
-            <a:extLst>
-              <a:ext uri="{28A0092B-C50C-407E-A947-70E740481C1C}">
-                <a14:useLocalDpi xmlns:a14="http://schemas.microsoft.com/office/drawing/2010/main" val="0"/>
-              </a:ext>
-            </a:extLst>
-          </a:blip>
-          <a:stretch>
-            <a:fillRect/>
-          </a:stretch>
-        </p:blipFill>
-        <p:spPr>
-          <a:xfrm>
-            <a:off x="14780478" y="14948935"/>
-            <a:ext cx="3708471" cy="2006222"/>
-          </a:xfrm>
-          <a:prstGeom prst="rect">
-            <a:avLst/>
-          </a:prstGeom>
-        </p:spPr>
-      </p:pic>
-      <p:pic>
-        <p:nvPicPr>
-          <p:cNvPr id="12" name="Picture 11"/>
-          <p:cNvPicPr>
-            <a:picLocks noChangeAspect="1"/>
-          </p:cNvPicPr>
-          <p:nvPr/>
-        </p:nvPicPr>
-        <p:blipFill>
-          <a:blip r:embed="rId13" cstate="print">
-            <a:extLst>
-              <a:ext uri="{28A0092B-C50C-407E-A947-70E740481C1C}">
-                <a14:useLocalDpi xmlns:a14="http://schemas.microsoft.com/office/drawing/2010/main" val="0"/>
-              </a:ext>
-            </a:extLst>
-          </a:blip>
-          <a:stretch>
-            <a:fillRect/>
-          </a:stretch>
-        </p:blipFill>
-        <p:spPr>
-          <a:xfrm>
-            <a:off x="19339729" y="11837117"/>
-            <a:ext cx="2162629" cy="1800755"/>
-          </a:xfrm>
-          <a:prstGeom prst="rect">
-            <a:avLst/>
-          </a:prstGeom>
-        </p:spPr>
-      </p:pic>
-      <p:sp>
-        <p:nvSpPr>
-          <p:cNvPr id="40" name="Bent Arrow 39"/>
-          <p:cNvSpPr/>
-          <p:nvPr/>
-        </p:nvSpPr>
-        <p:spPr>
-          <a:xfrm rot="5400000" flipH="1">
-            <a:off x="19324798" y="13137184"/>
-            <a:ext cx="1371600" cy="2603367"/>
-          </a:xfrm>
-          <a:prstGeom prst="bentArrow">
-            <a:avLst>
-              <a:gd name="adj1" fmla="val 24054"/>
-              <a:gd name="adj2" fmla="val 26397"/>
-              <a:gd name="adj3" fmla="val 24440"/>
-              <a:gd name="adj4" fmla="val 21152"/>
-            </a:avLst>
-          </a:prstGeom>
-          <a:solidFill>
-            <a:schemeClr val="accent1">
-              <a:lumMod val="40000"/>
-              <a:lumOff val="60000"/>
-            </a:schemeClr>
-          </a:solidFill>
-        </p:spPr>
-        <p:style>
-          <a:lnRef idx="2">
-            <a:schemeClr val="accent1">
-              <a:shade val="50000"/>
-            </a:schemeClr>
-          </a:lnRef>
-          <a:fillRef idx="1">
-            <a:schemeClr val="accent1"/>
-          </a:fillRef>
-          <a:effectRef idx="0">
-            <a:schemeClr val="accent1"/>
-          </a:effectRef>
-          <a:fontRef idx="minor">
-            <a:schemeClr val="lt1"/>
-          </a:fontRef>
-        </p:style>
-        <p:txBody>
-          <a:bodyPr rtlCol="0" anchor="ctr"/>
-          <a:lstStyle/>
-          <a:p>
-            <a:pPr algn="ctr"/>
-            <a:endParaRPr lang="en-US">
-              <a:solidFill>
-                <a:schemeClr val="tx1"/>
-              </a:solidFill>
-            </a:endParaRPr>
-          </a:p>
-        </p:txBody>
-      </p:sp>
-      <p:sp>
-        <p:nvSpPr>
-          <p:cNvPr id="42" name="Rounded Rectangle 41"/>
-          <p:cNvSpPr/>
-          <p:nvPr/>
-        </p:nvSpPr>
-        <p:spPr>
-          <a:xfrm>
-            <a:off x="6936368" y="10776856"/>
-            <a:ext cx="7330012" cy="6691994"/>
-          </a:xfrm>
-          <a:prstGeom prst="roundRect">
-            <a:avLst>
-              <a:gd name="adj" fmla="val 4711"/>
-            </a:avLst>
-          </a:prstGeom>
-          <a:noFill/>
-        </p:spPr>
-        <p:style>
-          <a:lnRef idx="2">
-            <a:schemeClr val="accent1">
-              <a:shade val="50000"/>
-            </a:schemeClr>
-          </a:lnRef>
-          <a:fillRef idx="1">
-            <a:schemeClr val="accent1"/>
-          </a:fillRef>
-          <a:effectRef idx="0">
-            <a:schemeClr val="accent1"/>
-          </a:effectRef>
-          <a:fontRef idx="minor">
-            <a:schemeClr val="lt1"/>
-          </a:fontRef>
-        </p:style>
-        <p:txBody>
-          <a:bodyPr rtlCol="0" anchor="ctr"/>
-          <a:lstStyle/>
-          <a:p>
-            <a:pPr algn="ctr"/>
-            <a:endParaRPr lang="en-US"/>
-          </a:p>
-        </p:txBody>
-      </p:sp>
-      <p:sp>
-        <p:nvSpPr>
-          <p:cNvPr id="43" name="Rounded Rectangle 42"/>
-          <p:cNvSpPr/>
-          <p:nvPr/>
-        </p:nvSpPr>
-        <p:spPr>
-          <a:xfrm>
-            <a:off x="14331255" y="10776856"/>
-            <a:ext cx="7261919" cy="6691994"/>
-          </a:xfrm>
-          <a:prstGeom prst="roundRect">
-            <a:avLst>
-              <a:gd name="adj" fmla="val 6141"/>
-            </a:avLst>
-          </a:prstGeom>
-          <a:noFill/>
-        </p:spPr>
-        <p:style>
-          <a:lnRef idx="2">
-            <a:schemeClr val="accent1">
-              <a:shade val="50000"/>
-            </a:schemeClr>
-          </a:lnRef>
-          <a:fillRef idx="1">
-            <a:schemeClr val="accent1"/>
-          </a:fillRef>
-          <a:effectRef idx="0">
-            <a:schemeClr val="accent1"/>
-          </a:effectRef>
-          <a:fontRef idx="minor">
-            <a:schemeClr val="lt1"/>
-          </a:fontRef>
-        </p:style>
-        <p:txBody>
-          <a:bodyPr rtlCol="0" anchor="ctr"/>
-          <a:lstStyle/>
-          <a:p>
-            <a:pPr algn="ctr"/>
-            <a:endParaRPr lang="en-US"/>
-          </a:p>
-        </p:txBody>
-      </p:sp>
-      <p:sp>
-        <p:nvSpPr>
-          <p:cNvPr id="16" name="TextBox 15"/>
-          <p:cNvSpPr txBox="1"/>
-          <p:nvPr/>
-        </p:nvSpPr>
-        <p:spPr>
-          <a:xfrm>
-            <a:off x="1570350" y="10804223"/>
-            <a:ext cx="4210051" cy="584775"/>
-          </a:xfrm>
-          <a:prstGeom prst="rect">
-            <a:avLst/>
-          </a:prstGeom>
-          <a:noFill/>
-        </p:spPr>
-        <p:txBody>
-          <a:bodyPr wrap="square" rtlCol="0">
-            <a:spAutoFit/>
-          </a:bodyPr>
-          <a:lstStyle/>
-          <a:p>
-            <a:r>
-              <a:rPr lang="en-US" sz="3200" dirty="0" smtClean="0"/>
-              <a:t>Stage 1: Data Collection</a:t>
-            </a:r>
-            <a:endParaRPr lang="en-US" sz="3200" dirty="0"/>
-          </a:p>
-        </p:txBody>
-      </p:sp>
-      <p:sp>
-        <p:nvSpPr>
-          <p:cNvPr id="46" name="TextBox 45"/>
-          <p:cNvSpPr txBox="1"/>
-          <p:nvPr/>
-        </p:nvSpPr>
-        <p:spPr>
-          <a:xfrm>
-            <a:off x="7828131" y="10815253"/>
-            <a:ext cx="5546486" cy="584775"/>
-          </a:xfrm>
-          <a:prstGeom prst="rect">
-            <a:avLst/>
-          </a:prstGeom>
-          <a:noFill/>
-        </p:spPr>
-        <p:txBody>
-          <a:bodyPr wrap="square" rtlCol="0">
-            <a:spAutoFit/>
-          </a:bodyPr>
-          <a:lstStyle/>
-          <a:p>
-            <a:r>
-              <a:rPr lang="en-US" sz="3200" dirty="0" smtClean="0"/>
-              <a:t>Stage 2: Unsupervised Learning</a:t>
-            </a:r>
-            <a:endParaRPr lang="en-US" sz="3200" dirty="0"/>
-          </a:p>
-        </p:txBody>
-      </p:sp>
-      <p:sp>
-        <p:nvSpPr>
-          <p:cNvPr id="47" name="TextBox 46"/>
-          <p:cNvSpPr txBox="1"/>
-          <p:nvPr/>
-        </p:nvSpPr>
-        <p:spPr>
-          <a:xfrm>
-            <a:off x="14655911" y="10863949"/>
-            <a:ext cx="6521791" cy="584775"/>
-          </a:xfrm>
-          <a:prstGeom prst="rect">
-            <a:avLst/>
-          </a:prstGeom>
-          <a:noFill/>
-        </p:spPr>
-        <p:txBody>
-          <a:bodyPr wrap="square" rtlCol="0">
-            <a:spAutoFit/>
-          </a:bodyPr>
-          <a:lstStyle/>
-          <a:p>
-            <a:r>
-              <a:rPr lang="en-US" sz="3200" dirty="0" smtClean="0"/>
-              <a:t>Stage 3: Code Analytics and Prediction</a:t>
-            </a:r>
-            <a:endParaRPr lang="en-US" sz="3200" dirty="0"/>
-          </a:p>
-        </p:txBody>
-      </p:sp>
-      <p:sp>
-        <p:nvSpPr>
-          <p:cNvPr id="48" name="8 CuadroTexto"/>
-          <p:cNvSpPr txBox="1"/>
-          <p:nvPr/>
-        </p:nvSpPr>
-        <p:spPr>
-          <a:xfrm>
-            <a:off x="26595206" y="17582994"/>
-            <a:ext cx="12564038" cy="1323439"/>
-          </a:xfrm>
-          <a:prstGeom prst="rect">
-            <a:avLst/>
-          </a:prstGeom>
-          <a:noFill/>
-        </p:spPr>
-        <p:txBody>
-          <a:bodyPr wrap="square" rtlCol="0">
-            <a:spAutoFit/>
-          </a:bodyPr>
-          <a:lstStyle/>
-          <a:p>
-            <a:pPr algn="ctr"/>
-            <a:r>
-              <a:rPr lang="en-US" sz="8000" dirty="0" smtClean="0">
-                <a:ln w="18415" cmpd="sng">
-                  <a:noFill/>
-                  <a:prstDash val="solid"/>
-                </a:ln>
-                <a:effectLst>
-                  <a:outerShdw blurRad="63500" dir="3600000" algn="tl" rotWithShape="0">
-                    <a:srgbClr val="000000">
-                      <a:alpha val="70000"/>
-                    </a:srgbClr>
-                  </a:outerShdw>
-                </a:effectLst>
-                <a:cs typeface="Times New Roman" panose="02020603050405020304" pitchFamily="18" charset="0"/>
-              </a:rPr>
-              <a:t>Mobile App Visualizations</a:t>
-            </a:r>
-            <a:endParaRPr lang="en-US" sz="8000" dirty="0">
-              <a:ln w="18415" cmpd="sng">
-                <a:noFill/>
-                <a:prstDash val="solid"/>
-              </a:ln>
-              <a:effectLst>
-                <a:outerShdw blurRad="63500" dir="3600000" algn="tl" rotWithShape="0">
-                  <a:srgbClr val="000000">
-                    <a:alpha val="70000"/>
-                  </a:srgbClr>
-                </a:outerShdw>
-              </a:effectLst>
-              <a:cs typeface="Times New Roman" panose="02020603050405020304" pitchFamily="18" charset="0"/>
-            </a:endParaRPr>
-          </a:p>
-        </p:txBody>
-      </p:sp>
-      <p:sp>
-        <p:nvSpPr>
-          <p:cNvPr id="49" name="8 CuadroTexto"/>
-          <p:cNvSpPr txBox="1"/>
-          <p:nvPr/>
-        </p:nvSpPr>
-        <p:spPr>
-          <a:xfrm>
-            <a:off x="6139102" y="30548091"/>
-            <a:ext cx="8924544" cy="1323439"/>
-          </a:xfrm>
-          <a:prstGeom prst="rect">
-            <a:avLst/>
-          </a:prstGeom>
-          <a:noFill/>
-        </p:spPr>
-        <p:txBody>
-          <a:bodyPr wrap="square" rtlCol="0">
-            <a:spAutoFit/>
-          </a:bodyPr>
-          <a:lstStyle/>
-          <a:p>
-            <a:pPr algn="ctr"/>
-            <a:r>
-              <a:rPr lang="en-US" sz="8000" dirty="0" smtClean="0">
-                <a:ln w="18415" cmpd="sng">
-                  <a:noFill/>
-                  <a:prstDash val="solid"/>
-                </a:ln>
-                <a:effectLst>
-                  <a:outerShdw blurRad="63500" dir="3600000" algn="tl" rotWithShape="0">
-                    <a:srgbClr val="000000">
-                      <a:alpha val="70000"/>
-                    </a:srgbClr>
-                  </a:outerShdw>
-                </a:effectLst>
-                <a:cs typeface="Times New Roman" panose="02020603050405020304" pitchFamily="18" charset="0"/>
-              </a:rPr>
-              <a:t>Procedural Details</a:t>
-            </a:r>
-            <a:endParaRPr lang="en-US" sz="8000" dirty="0">
-              <a:ln w="18415" cmpd="sng">
-                <a:noFill/>
-                <a:prstDash val="solid"/>
-              </a:ln>
-              <a:effectLst>
-                <a:outerShdw blurRad="63500" dir="3600000" algn="tl" rotWithShape="0">
-                  <a:srgbClr val="000000">
-                    <a:alpha val="70000"/>
-                  </a:srgbClr>
-                </a:outerShdw>
-              </a:effectLst>
-              <a:cs typeface="Times New Roman" panose="02020603050405020304" pitchFamily="18" charset="0"/>
-            </a:endParaRPr>
-          </a:p>
-        </p:txBody>
-      </p:sp>
-      <p:sp>
-        <p:nvSpPr>
-          <p:cNvPr id="50" name="8 CuadroTexto"/>
-          <p:cNvSpPr txBox="1"/>
-          <p:nvPr/>
-        </p:nvSpPr>
-        <p:spPr>
-          <a:xfrm>
-            <a:off x="26058100" y="30548090"/>
-            <a:ext cx="13638249" cy="1323439"/>
-          </a:xfrm>
-          <a:prstGeom prst="rect">
-            <a:avLst/>
-          </a:prstGeom>
-          <a:noFill/>
-        </p:spPr>
-        <p:txBody>
-          <a:bodyPr wrap="square" rtlCol="0">
-            <a:spAutoFit/>
-          </a:bodyPr>
-          <a:lstStyle/>
-          <a:p>
-            <a:pPr algn="ctr"/>
-            <a:r>
-              <a:rPr lang="en-US" sz="8000" dirty="0">
-                <a:ln w="18415" cmpd="sng">
-                  <a:noFill/>
-                  <a:prstDash val="solid"/>
-                </a:ln>
-                <a:effectLst>
-                  <a:outerShdw blurRad="63500" dir="3600000" algn="tl" rotWithShape="0">
-                    <a:srgbClr val="000000">
-                      <a:alpha val="70000"/>
-                    </a:srgbClr>
-                  </a:outerShdw>
-                </a:effectLst>
-                <a:cs typeface="Times New Roman" panose="02020603050405020304" pitchFamily="18" charset="0"/>
-              </a:rPr>
-              <a:t>Admin Dashboard Visualization</a:t>
-            </a:r>
-          </a:p>
-        </p:txBody>
-      </p:sp>
-      <p:pic>
-        <p:nvPicPr>
-          <p:cNvPr id="2" name="Picture 1"/>
-          <p:cNvPicPr>
-            <a:picLocks noChangeAspect="1"/>
-          </p:cNvPicPr>
-          <p:nvPr/>
-        </p:nvPicPr>
-        <p:blipFill>
-          <a:blip r:embed="rId14">
-            <a:extLst>
-              <a:ext uri="{28A0092B-C50C-407E-A947-70E740481C1C}">
-                <a14:useLocalDpi xmlns:a14="http://schemas.microsoft.com/office/drawing/2010/main" val="0"/>
-              </a:ext>
-            </a:extLst>
-          </a:blip>
-          <a:stretch>
-            <a:fillRect/>
-          </a:stretch>
-        </p:blipFill>
-        <p:spPr>
-          <a:xfrm>
-            <a:off x="24718298" y="19050014"/>
-            <a:ext cx="18715916" cy="11112484"/>
-          </a:xfrm>
-          <a:prstGeom prst="rect">
-            <a:avLst/>
-          </a:prstGeom>
-        </p:spPr>
-      </p:pic>
       <p:pic>
         <p:nvPicPr>
           <p:cNvPr id="17" name="Picture 16"/>
-          <p:cNvPicPr>
-            <a:picLocks noChangeAspect="1"/>
-          </p:cNvPicPr>
-          <p:nvPr/>
-        </p:nvPicPr>
-        <p:blipFill>
-          <a:blip r:embed="rId15" cstate="print">
-            <a:extLst>
-              <a:ext uri="{28A0092B-C50C-407E-A947-70E740481C1C}">
-                <a14:useLocalDpi xmlns:a14="http://schemas.microsoft.com/office/drawing/2010/main" val="0"/>
-              </a:ext>
-            </a:extLst>
-          </a:blip>
-          <a:stretch>
-            <a:fillRect/>
-          </a:stretch>
-        </p:blipFill>
-        <p:spPr>
-          <a:xfrm>
-            <a:off x="616715" y="19248730"/>
-            <a:ext cx="11386488" cy="8571278"/>
-          </a:xfrm>
-          <a:prstGeom prst="rect">
-            <a:avLst/>
-          </a:prstGeom>
-        </p:spPr>
-      </p:pic>
-      <p:pic>
-        <p:nvPicPr>
-          <p:cNvPr id="18" name="Picture 17"/>
-          <p:cNvPicPr>
-            <a:picLocks noChangeAspect="1"/>
-          </p:cNvPicPr>
-          <p:nvPr/>
-        </p:nvPicPr>
-        <p:blipFill>
-          <a:blip r:embed="rId16" cstate="print">
-            <a:extLst>
-              <a:ext uri="{28A0092B-C50C-407E-A947-70E740481C1C}">
-                <a14:useLocalDpi xmlns:a14="http://schemas.microsoft.com/office/drawing/2010/main" val="0"/>
-              </a:ext>
-            </a:extLst>
-          </a:blip>
-          <a:stretch>
-            <a:fillRect/>
-          </a:stretch>
-        </p:blipFill>
-        <p:spPr>
-          <a:xfrm>
-            <a:off x="12097666" y="19248728"/>
-            <a:ext cx="7901147" cy="5288925"/>
-          </a:xfrm>
-          <a:prstGeom prst="rect">
-            <a:avLst/>
-          </a:prstGeom>
-        </p:spPr>
-      </p:pic>
-      <p:pic>
-        <p:nvPicPr>
-          <p:cNvPr id="19" name="Picture 18"/>
-          <p:cNvPicPr>
-            <a:picLocks noChangeAspect="1"/>
-          </p:cNvPicPr>
-          <p:nvPr/>
-        </p:nvPicPr>
-        <p:blipFill>
-          <a:blip r:embed="rId17" cstate="print">
-            <a:extLst>
-              <a:ext uri="{28A0092B-C50C-407E-A947-70E740481C1C}">
-                <a14:useLocalDpi xmlns:a14="http://schemas.microsoft.com/office/drawing/2010/main" val="0"/>
-              </a:ext>
-            </a:extLst>
-          </a:blip>
-          <a:stretch>
-            <a:fillRect/>
-          </a:stretch>
-        </p:blipFill>
-        <p:spPr>
-          <a:xfrm>
-            <a:off x="12068020" y="24691725"/>
-            <a:ext cx="7912718" cy="5486313"/>
-          </a:xfrm>
-          <a:prstGeom prst="rect">
-            <a:avLst/>
-          </a:prstGeom>
-        </p:spPr>
-      </p:pic>
-      <p:pic>
-        <p:nvPicPr>
-          <p:cNvPr id="22" name="Picture 21"/>
-          <p:cNvPicPr>
-            <a:picLocks noChangeAspect="1"/>
-          </p:cNvPicPr>
-          <p:nvPr/>
-        </p:nvPicPr>
-        <p:blipFill>
-          <a:blip r:embed="rId18" cstate="print">
-            <a:extLst>
-              <a:ext uri="{28A0092B-C50C-407E-A947-70E740481C1C}">
-                <a14:useLocalDpi xmlns:a14="http://schemas.microsoft.com/office/drawing/2010/main" val="0"/>
-              </a:ext>
-            </a:extLst>
-          </a:blip>
-          <a:stretch>
-            <a:fillRect/>
-          </a:stretch>
-        </p:blipFill>
-        <p:spPr>
-          <a:xfrm>
-            <a:off x="640302" y="7683296"/>
-            <a:ext cx="2797611" cy="2797611"/>
-          </a:xfrm>
-          <a:prstGeom prst="rect">
-            <a:avLst/>
-          </a:prstGeom>
-        </p:spPr>
-      </p:pic>
-      <p:sp>
-        <p:nvSpPr>
-          <p:cNvPr id="39" name="Curved Down Arrow 38"/>
-          <p:cNvSpPr/>
-          <p:nvPr/>
-        </p:nvSpPr>
-        <p:spPr>
-          <a:xfrm>
-            <a:off x="1601254" y="6347963"/>
-            <a:ext cx="19226746" cy="1497593"/>
-          </a:xfrm>
-          <a:prstGeom prst="curvedDownArrow">
-            <a:avLst>
-              <a:gd name="adj1" fmla="val 41633"/>
-              <a:gd name="adj2" fmla="val 105489"/>
-              <a:gd name="adj3" fmla="val 43114"/>
-            </a:avLst>
-          </a:prstGeom>
-          <a:solidFill>
-            <a:schemeClr val="accent1">
-              <a:lumMod val="40000"/>
-              <a:lumOff val="60000"/>
-            </a:schemeClr>
-          </a:solidFill>
-          <a:effectLst>
-            <a:glow rad="63500">
-              <a:schemeClr val="accent1">
-                <a:satMod val="175000"/>
-                <a:alpha val="40000"/>
-              </a:schemeClr>
-            </a:glow>
-          </a:effectLst>
-        </p:spPr>
-        <p:style>
-          <a:lnRef idx="2">
-            <a:schemeClr val="accent1">
-              <a:shade val="50000"/>
-            </a:schemeClr>
-          </a:lnRef>
-          <a:fillRef idx="1">
-            <a:schemeClr val="accent1"/>
-          </a:fillRef>
-          <a:effectRef idx="0">
-            <a:schemeClr val="accent1"/>
-          </a:effectRef>
-          <a:fontRef idx="minor">
-            <a:schemeClr val="lt1"/>
-          </a:fontRef>
-        </p:style>
-        <p:txBody>
-          <a:bodyPr rtlCol="0" anchor="ctr"/>
-          <a:lstStyle/>
-          <a:p>
-            <a:pPr algn="ctr"/>
-            <a:endParaRPr lang="en-US">
-              <a:solidFill>
-                <a:schemeClr val="tx1"/>
-              </a:solidFill>
-            </a:endParaRPr>
-          </a:p>
-        </p:txBody>
-      </p:sp>
-      <p:pic>
-        <p:nvPicPr>
-          <p:cNvPr id="13" name="Picture 12"/>
-          <p:cNvPicPr>
-            <a:picLocks noChangeAspect="1"/>
-          </p:cNvPicPr>
-          <p:nvPr/>
-        </p:nvPicPr>
-        <p:blipFill>
-          <a:blip r:embed="rId19" cstate="print">
-            <a:extLst>
-              <a:ext uri="{28A0092B-C50C-407E-A947-70E740481C1C}">
-                <a14:useLocalDpi xmlns:a14="http://schemas.microsoft.com/office/drawing/2010/main" val="0"/>
-              </a:ext>
-            </a:extLst>
-          </a:blip>
-          <a:stretch>
-            <a:fillRect/>
-          </a:stretch>
-        </p:blipFill>
-        <p:spPr>
-          <a:xfrm>
-            <a:off x="21319501" y="6405522"/>
-            <a:ext cx="6928523" cy="8797401"/>
-          </a:xfrm>
-          <a:prstGeom prst="rect">
-            <a:avLst/>
-          </a:prstGeom>
-        </p:spPr>
-      </p:pic>
-      <p:pic>
-        <p:nvPicPr>
-          <p:cNvPr id="14" name="Picture 13"/>
           <p:cNvPicPr>
             <a:picLocks noChangeAspect="1"/>
           </p:cNvPicPr>
@@ -5141,8 +5310,8 @@
         </p:blipFill>
         <p:spPr>
           <a:xfrm>
-            <a:off x="37310305" y="6402649"/>
-            <a:ext cx="7049606" cy="8782790"/>
+            <a:off x="22351228" y="5393080"/>
+            <a:ext cx="10150439" cy="8147716"/>
           </a:xfrm>
           <a:prstGeom prst="rect">
             <a:avLst/>
@@ -5151,7 +5320,7 @@
       </p:pic>
       <p:pic>
         <p:nvPicPr>
-          <p:cNvPr id="20" name="Picture 19"/>
+          <p:cNvPr id="18" name="Picture 17"/>
           <p:cNvPicPr>
             <a:picLocks noChangeAspect="1"/>
           </p:cNvPicPr>
@@ -5171,8 +5340,8 @@
         </p:blipFill>
         <p:spPr>
           <a:xfrm>
-            <a:off x="31886103" y="6405522"/>
-            <a:ext cx="7049606" cy="8779917"/>
+            <a:off x="32501667" y="5406433"/>
+            <a:ext cx="10935509" cy="5288925"/>
           </a:xfrm>
           <a:prstGeom prst="rect">
             <a:avLst/>
@@ -5181,7 +5350,7 @@
       </p:pic>
       <p:pic>
         <p:nvPicPr>
-          <p:cNvPr id="24" name="Picture 23"/>
+          <p:cNvPr id="19" name="Picture 18"/>
           <p:cNvPicPr>
             <a:picLocks noChangeAspect="1"/>
           </p:cNvPicPr>
@@ -5201,8 +5370,8 @@
         </p:blipFill>
         <p:spPr>
           <a:xfrm>
-            <a:off x="26544183" y="6405522"/>
-            <a:ext cx="7049606" cy="8779917"/>
+            <a:off x="35536030" y="12401655"/>
+            <a:ext cx="7912717" cy="5278486"/>
           </a:xfrm>
           <a:prstGeom prst="rect">
             <a:avLst/>
@@ -5211,14 +5380,14 @@
       </p:pic>
       <p:sp>
         <p:nvSpPr>
-          <p:cNvPr id="28" name="TextBox 27"/>
+          <p:cNvPr id="21" name="TextBox 20"/>
           <p:cNvSpPr txBox="1"/>
           <p:nvPr/>
         </p:nvSpPr>
         <p:spPr>
           <a:xfrm>
-            <a:off x="22812894" y="15385709"/>
-            <a:ext cx="3941736" cy="646331"/>
+            <a:off x="22299124" y="13740869"/>
+            <a:ext cx="12964837" cy="4031873"/>
           </a:xfrm>
           <a:prstGeom prst="rect">
             <a:avLst/>
@@ -5231,25 +5400,156 @@
           </a:bodyPr>
           <a:lstStyle/>
           <a:p>
-            <a:pPr algn="ctr"/>
-            <a:r>
-              <a:rPr lang="en-US" sz="3600" dirty="0" smtClean="0"/>
-              <a:t>List of installed apps</a:t>
-            </a:r>
-            <a:endParaRPr lang="en-US" sz="3600" dirty="0"/>
-          </a:p>
-        </p:txBody>
-      </p:sp>
-      <p:sp>
-        <p:nvSpPr>
-          <p:cNvPr id="55" name="TextBox 54"/>
+            <a:pPr marL="457200" indent="-457200">
+              <a:buFont typeface="Arial" panose="020B0604020202020204" pitchFamily="34" charset="0"/>
+              <a:buChar char="•"/>
+            </a:pPr>
+            <a:r>
+              <a:rPr lang="en-US" sz="3200" dirty="0" smtClean="0"/>
+              <a:t>Few permissions </a:t>
+            </a:r>
+            <a:r>
+              <a:rPr lang="en-US" sz="3200" dirty="0" smtClean="0"/>
+              <a:t>requested by </a:t>
+            </a:r>
+            <a:r>
+              <a:rPr lang="en-US" sz="3200" dirty="0" smtClean="0"/>
+              <a:t> </a:t>
+            </a:r>
+            <a:r>
+              <a:rPr lang="en-US" sz="3200" dirty="0" smtClean="0"/>
+              <a:t>lot of apps</a:t>
+            </a:r>
+          </a:p>
+          <a:p>
+            <a:pPr marL="457200" indent="-457200">
+              <a:buFont typeface="Arial" panose="020B0604020202020204" pitchFamily="34" charset="0"/>
+              <a:buChar char="•"/>
+            </a:pPr>
+            <a:r>
+              <a:rPr lang="en-US" sz="3200" dirty="0" smtClean="0"/>
+              <a:t>A lot of permissions = </a:t>
+            </a:r>
+            <a:r>
+              <a:rPr lang="en-US" sz="3200" dirty="0" smtClean="0"/>
+              <a:t>Lot of feature vectors (with </a:t>
+            </a:r>
+            <a:r>
+              <a:rPr lang="en-US" sz="3200" dirty="0" smtClean="0"/>
+              <a:t>not </a:t>
+            </a:r>
+            <a:r>
+              <a:rPr lang="en-US" sz="3200" dirty="0" smtClean="0"/>
+              <a:t>equally </a:t>
+            </a:r>
+            <a:r>
+              <a:rPr lang="en-US" sz="3200" dirty="0" smtClean="0"/>
+              <a:t>relevant information</a:t>
+            </a:r>
+            <a:r>
+              <a:rPr lang="en-US" sz="3200" dirty="0" smtClean="0"/>
+              <a:t>)</a:t>
+            </a:r>
+          </a:p>
+          <a:p>
+            <a:pPr marL="457200" indent="-457200">
+              <a:buFont typeface="Arial" panose="020B0604020202020204" pitchFamily="34" charset="0"/>
+              <a:buChar char="•"/>
+            </a:pPr>
+            <a:r>
+              <a:rPr lang="en-US" sz="3200" dirty="0" smtClean="0"/>
+              <a:t>Dimensionality reduction algorithms like SVD have been </a:t>
+            </a:r>
+            <a:r>
+              <a:rPr lang="en-US" sz="3200" dirty="0" smtClean="0"/>
+              <a:t>used</a:t>
+            </a:r>
+          </a:p>
+          <a:p>
+            <a:pPr marL="457200" indent="-457200">
+              <a:buFont typeface="Arial" panose="020B0604020202020204" pitchFamily="34" charset="0"/>
+              <a:buChar char="•"/>
+            </a:pPr>
+            <a:r>
+              <a:rPr lang="en-US" sz="3200" dirty="0" smtClean="0">
+                <a:solidFill>
+                  <a:srgbClr val="FF0000"/>
+                </a:solidFill>
+              </a:rPr>
+              <a:t>EXTERNAL</a:t>
+            </a:r>
+            <a:r>
+              <a:rPr lang="en-US" sz="3200" dirty="0" smtClean="0"/>
+              <a:t> and </a:t>
+            </a:r>
+            <a:r>
+              <a:rPr lang="en-US" sz="3200" dirty="0" smtClean="0">
+                <a:solidFill>
+                  <a:srgbClr val="0099FF"/>
+                </a:solidFill>
+              </a:rPr>
+              <a:t>INTERNAL</a:t>
+            </a:r>
+            <a:r>
+              <a:rPr lang="en-US" sz="3200" dirty="0" smtClean="0"/>
+              <a:t> cluster </a:t>
+            </a:r>
+            <a:r>
+              <a:rPr lang="en-US" sz="3200" dirty="0"/>
+              <a:t>evaluation metrics used</a:t>
+            </a:r>
+          </a:p>
+          <a:p>
+            <a:pPr marL="457200" indent="-457200">
+              <a:buFont typeface="Arial" panose="020B0604020202020204" pitchFamily="34" charset="0"/>
+              <a:buChar char="•"/>
+            </a:pPr>
+            <a:r>
+              <a:rPr lang="en-US" sz="3200" dirty="0">
+                <a:solidFill>
+                  <a:srgbClr val="FF0000"/>
+                </a:solidFill>
+              </a:rPr>
+              <a:t>Silhouette Score</a:t>
+            </a:r>
+            <a:r>
+              <a:rPr lang="en-US" sz="3200" dirty="0"/>
+              <a:t> = (b - a) / max(a, b</a:t>
+            </a:r>
+            <a:r>
+              <a:rPr lang="en-US" sz="3200" dirty="0" smtClean="0"/>
+              <a:t>) where, a</a:t>
+            </a:r>
+            <a:r>
+              <a:rPr lang="en-US" sz="3200" dirty="0"/>
+              <a:t>: Mean intra-cluster </a:t>
+            </a:r>
+            <a:r>
+              <a:rPr lang="en-US" sz="3200" dirty="0" smtClean="0"/>
+              <a:t>distance and b</a:t>
+            </a:r>
+            <a:r>
+              <a:rPr lang="en-US" sz="3200" dirty="0"/>
+              <a:t>: mean nearest-cluster distance between sample and nearest cluster that </a:t>
+            </a:r>
+            <a:r>
+              <a:rPr lang="en-US" sz="3200" dirty="0" smtClean="0"/>
+              <a:t>sample does not belong to</a:t>
+            </a:r>
+            <a:endParaRPr lang="en-US" sz="3200" dirty="0"/>
+          </a:p>
+        </p:txBody>
+      </p:sp>
+      <p:sp>
+        <p:nvSpPr>
+          <p:cNvPr id="64" name="TextBox 63"/>
           <p:cNvSpPr txBox="1"/>
           <p:nvPr/>
         </p:nvSpPr>
         <p:spPr>
           <a:xfrm>
-            <a:off x="27880678" y="15356171"/>
-            <a:ext cx="4376616" cy="1200329"/>
+            <a:off x="32490096" y="10738711"/>
+            <a:ext cx="10947080" cy="2062103"/>
           </a:xfrm>
           <a:prstGeom prst="rect">
             <a:avLst/>
@@ -5262,106 +5562,37 @@
           </a:bodyPr>
           <a:lstStyle/>
           <a:p>
-            <a:pPr algn="ctr"/>
-            <a:r>
-              <a:rPr lang="en-US" sz="3600" dirty="0" smtClean="0"/>
-              <a:t>New app installed notification</a:t>
-            </a:r>
-            <a:endParaRPr lang="en-US" sz="3600" dirty="0"/>
-          </a:p>
-        </p:txBody>
-      </p:sp>
-      <p:sp>
-        <p:nvSpPr>
-          <p:cNvPr id="57" name="TextBox 56"/>
-          <p:cNvSpPr txBox="1"/>
-          <p:nvPr/>
-        </p:nvSpPr>
-        <p:spPr>
-          <a:xfrm>
-            <a:off x="33366864" y="15387643"/>
-            <a:ext cx="4088083" cy="1200329"/>
-          </a:xfrm>
-          <a:prstGeom prst="rect">
-            <a:avLst/>
-          </a:prstGeom>
-          <a:noFill/>
-        </p:spPr>
-        <p:txBody>
-          <a:bodyPr wrap="square" rtlCol="0">
-            <a:spAutoFit/>
-          </a:bodyPr>
-          <a:lstStyle/>
-          <a:p>
-            <a:pPr algn="ctr"/>
-            <a:r>
-              <a:rPr lang="en-US" sz="3600" dirty="0" smtClean="0"/>
-              <a:t>New app installed details</a:t>
-            </a:r>
-            <a:endParaRPr lang="en-US" sz="3600" dirty="0"/>
-          </a:p>
-        </p:txBody>
-      </p:sp>
-      <p:sp>
-        <p:nvSpPr>
-          <p:cNvPr id="60" name="TextBox 59"/>
-          <p:cNvSpPr txBox="1"/>
-          <p:nvPr/>
-        </p:nvSpPr>
-        <p:spPr>
-          <a:xfrm>
-            <a:off x="38864240" y="15356171"/>
-            <a:ext cx="3941736" cy="1754326"/>
-          </a:xfrm>
-          <a:prstGeom prst="rect">
-            <a:avLst/>
-          </a:prstGeom>
-          <a:noFill/>
-        </p:spPr>
-        <p:txBody>
-          <a:bodyPr wrap="square" rtlCol="0">
-            <a:spAutoFit/>
-          </a:bodyPr>
-          <a:lstStyle/>
-          <a:p>
-            <a:pPr algn="ctr"/>
-            <a:r>
-              <a:rPr lang="en-US" sz="3600" dirty="0" smtClean="0"/>
-              <a:t>New app installed privacy and security details</a:t>
-            </a:r>
-            <a:endParaRPr lang="en-US" sz="3600" dirty="0"/>
-          </a:p>
-        </p:txBody>
-      </p:sp>
-      <p:sp>
-        <p:nvSpPr>
-          <p:cNvPr id="21" name="TextBox 20"/>
-          <p:cNvSpPr txBox="1"/>
-          <p:nvPr/>
-        </p:nvSpPr>
-        <p:spPr>
-          <a:xfrm>
-            <a:off x="677952" y="27891912"/>
-            <a:ext cx="11362901" cy="2062103"/>
-          </a:xfrm>
-          <a:prstGeom prst="rect">
-            <a:avLst/>
-          </a:prstGeom>
-          <a:noFill/>
-        </p:spPr>
-        <p:txBody>
-          <a:bodyPr wrap="square" rtlCol="0">
-            <a:spAutoFit/>
-          </a:bodyPr>
-          <a:lstStyle/>
-          <a:p>
             <a:pPr marL="457200" indent="-457200">
               <a:buFont typeface="Arial" panose="020B0604020202020204" pitchFamily="34" charset="0"/>
               <a:buChar char="•"/>
             </a:pPr>
             <a:r>
+              <a:rPr lang="en-US" sz="3200" dirty="0" smtClean="0">
+                <a:solidFill>
+                  <a:srgbClr val="00B0F0"/>
+                </a:solidFill>
+              </a:rPr>
+              <a:t>Homogeneity</a:t>
+            </a:r>
+            <a:r>
               <a:rPr lang="en-US" sz="3200" dirty="0" smtClean="0"/>
-              <a:t>Certain permissions are requested by a lot of apps</a:t>
+              <a:t>: </a:t>
+            </a:r>
+            <a:r>
+              <a:rPr lang="en-US" sz="3200" dirty="0"/>
+              <a:t>clusters contain </a:t>
+            </a:r>
+            <a:r>
+              <a:rPr lang="en-US" sz="3200" dirty="0" smtClean="0"/>
+              <a:t>points </a:t>
+            </a:r>
+            <a:r>
+              <a:rPr lang="en-US" sz="3200" dirty="0"/>
+              <a:t>which are members of a single </a:t>
+            </a:r>
+            <a:r>
+              <a:rPr lang="en-US" sz="3200" dirty="0" smtClean="0"/>
+              <a:t>class</a:t>
             </a:r>
           </a:p>
           <a:p>
@@ -5370,106 +5601,24 @@
               <a:buChar char="•"/>
             </a:pPr>
             <a:r>
+              <a:rPr lang="en-US" sz="3200" dirty="0" smtClean="0">
+                <a:solidFill>
+                  <a:srgbClr val="00B0F0"/>
+                </a:solidFill>
+              </a:rPr>
+              <a:t>Completeness</a:t>
+            </a:r>
+            <a:r>
               <a:rPr lang="en-US" sz="3200" dirty="0" smtClean="0"/>
-              <a:t>A lot of permissions = Feature vectors are there (with not equal amounts of information)</a:t>
-            </a:r>
-          </a:p>
-          <a:p>
-            <a:pPr marL="457200" indent="-457200">
-              <a:buFont typeface="Arial" panose="020B0604020202020204" pitchFamily="34" charset="0"/>
-              <a:buChar char="•"/>
-            </a:pPr>
+              <a:t>: </a:t>
+            </a:r>
             <a:r>
               <a:rPr lang="en-US" sz="3200" dirty="0" smtClean="0"/>
-              <a:t>Dimensionality reduction algorithms like SVD have been used</a:t>
-            </a:r>
-            <a:endParaRPr lang="en-US" sz="3200" dirty="0"/>
-          </a:p>
-        </p:txBody>
-      </p:sp>
-      <p:sp>
-        <p:nvSpPr>
-          <p:cNvPr id="54" name="TextBox 53"/>
-          <p:cNvSpPr txBox="1"/>
-          <p:nvPr/>
-        </p:nvSpPr>
-        <p:spPr>
-          <a:xfrm>
-            <a:off x="19998814" y="19268847"/>
-            <a:ext cx="3864144" cy="6494085"/>
-          </a:xfrm>
-          <a:prstGeom prst="rect">
-            <a:avLst/>
-          </a:prstGeom>
-          <a:noFill/>
-        </p:spPr>
-        <p:txBody>
-          <a:bodyPr wrap="square" rtlCol="0">
-            <a:spAutoFit/>
-          </a:bodyPr>
-          <a:lstStyle/>
-          <a:p>
-            <a:pPr marL="457200" indent="-457200">
-              <a:buFont typeface="Arial" panose="020B0604020202020204" pitchFamily="34" charset="0"/>
-              <a:buChar char="•"/>
-            </a:pPr>
+              <a:t>points of a </a:t>
+            </a:r>
             <a:r>
               <a:rPr lang="en-US" sz="3200" dirty="0"/>
-              <a:t>External and Internal cluster evaluation metrics used</a:t>
-            </a:r>
-          </a:p>
-          <a:p>
-            <a:pPr marL="457200" indent="-457200">
-              <a:buFont typeface="Arial" panose="020B0604020202020204" pitchFamily="34" charset="0"/>
-              <a:buChar char="•"/>
-            </a:pPr>
-            <a:r>
-              <a:rPr lang="en-US" sz="3200" dirty="0"/>
-              <a:t>Silhouette </a:t>
-            </a:r>
-            <a:r>
-              <a:rPr lang="en-US" sz="3200" dirty="0" smtClean="0"/>
-              <a:t>Score</a:t>
-            </a:r>
-            <a:r>
-              <a:rPr lang="en-US" sz="3200" dirty="0"/>
-              <a:t> </a:t>
-            </a:r>
-            <a:r>
-              <a:rPr lang="en-US" sz="3200" dirty="0" smtClean="0"/>
-              <a:t>= </a:t>
-            </a:r>
-            <a:r>
-              <a:rPr lang="en-US" sz="3200" dirty="0"/>
-              <a:t>(b - a) / max(a, b</a:t>
-            </a:r>
-            <a:r>
-              <a:rPr lang="en-US" sz="3200" dirty="0" smtClean="0"/>
-              <a:t>)</a:t>
-            </a:r>
-          </a:p>
-          <a:p>
-            <a:pPr marL="457200" indent="-457200">
-              <a:buFont typeface="Arial" panose="020B0604020202020204" pitchFamily="34" charset="0"/>
-              <a:buChar char="•"/>
-            </a:pPr>
-            <a:r>
-              <a:rPr lang="en-US" sz="3200" dirty="0" smtClean="0"/>
-              <a:t>a: Mean intra-cluster distance</a:t>
-            </a:r>
-          </a:p>
-          <a:p>
-            <a:pPr marL="457200" indent="-457200">
-              <a:buFont typeface="Arial" panose="020B0604020202020204" pitchFamily="34" charset="0"/>
-              <a:buChar char="•"/>
-            </a:pPr>
-            <a:r>
-              <a:rPr lang="en-US" sz="3200" dirty="0" smtClean="0"/>
-              <a:t>b: mean nearest-cluster distance between sample and nearest cluster </a:t>
-            </a:r>
-            <a:r>
-              <a:rPr lang="en-US" sz="3200" smtClean="0"/>
-              <a:t>that smple </a:t>
+              <a:t>given class are elements of the same cluster.</a:t>
             </a:r>
             <a:endParaRPr lang="en-US" sz="3200" dirty="0"/>
           </a:p>

--- a/documentation/posters/PosterSessionMITRE.pptx
+++ b/documentation/posters/PosterSessionMITRE.pptx
@@ -3375,7 +3375,7 @@
         </p:nvSpPr>
         <p:spPr>
           <a:xfrm>
-            <a:off x="11389532" y="32002856"/>
+            <a:off x="11389532" y="31931630"/>
             <a:ext cx="21112136" cy="1092607"/>
           </a:xfrm>
           <a:prstGeom prst="rect">
@@ -5318,16 +5318,221 @@
           </a:prstGeom>
         </p:spPr>
       </p:pic>
+      <p:sp>
+        <p:nvSpPr>
+          <p:cNvPr id="21" name="TextBox 20"/>
+          <p:cNvSpPr txBox="1"/>
+          <p:nvPr/>
+        </p:nvSpPr>
+        <p:spPr>
+          <a:xfrm>
+            <a:off x="22299124" y="13740869"/>
+            <a:ext cx="12964837" cy="4031873"/>
+          </a:xfrm>
+          <a:prstGeom prst="rect">
+            <a:avLst/>
+          </a:prstGeom>
+          <a:noFill/>
+        </p:spPr>
+        <p:txBody>
+          <a:bodyPr wrap="square" rtlCol="0">
+            <a:spAutoFit/>
+          </a:bodyPr>
+          <a:lstStyle/>
+          <a:p>
+            <a:pPr marL="457200" indent="-457200">
+              <a:buFont typeface="Arial" panose="020B0604020202020204" pitchFamily="34" charset="0"/>
+              <a:buChar char="•"/>
+            </a:pPr>
+            <a:r>
+              <a:rPr lang="en-US" sz="3200" dirty="0" smtClean="0"/>
+              <a:t>Few permissions requested by  lot of apps</a:t>
+            </a:r>
+          </a:p>
+          <a:p>
+            <a:pPr marL="457200" indent="-457200">
+              <a:buFont typeface="Arial" panose="020B0604020202020204" pitchFamily="34" charset="0"/>
+              <a:buChar char="•"/>
+            </a:pPr>
+            <a:r>
+              <a:rPr lang="en-US" sz="3200" dirty="0" smtClean="0"/>
+              <a:t>A lot of permissions = Lot of feature vectors (with not equally relevant information)</a:t>
+            </a:r>
+          </a:p>
+          <a:p>
+            <a:pPr marL="457200" indent="-457200">
+              <a:buFont typeface="Arial" panose="020B0604020202020204" pitchFamily="34" charset="0"/>
+              <a:buChar char="•"/>
+            </a:pPr>
+            <a:r>
+              <a:rPr lang="en-US" sz="3200" dirty="0" smtClean="0"/>
+              <a:t>Dimensionality reduction algorithms like SVD have been used</a:t>
+            </a:r>
+          </a:p>
+          <a:p>
+            <a:pPr marL="457200" indent="-457200">
+              <a:buFont typeface="Arial" panose="020B0604020202020204" pitchFamily="34" charset="0"/>
+              <a:buChar char="•"/>
+            </a:pPr>
+            <a:r>
+              <a:rPr lang="en-US" sz="3200" dirty="0" smtClean="0">
+                <a:solidFill>
+                  <a:srgbClr val="FF0000"/>
+                </a:solidFill>
+              </a:rPr>
+              <a:t>EXTERNAL</a:t>
+            </a:r>
+            <a:r>
+              <a:rPr lang="en-US" sz="3200" dirty="0" smtClean="0"/>
+              <a:t> and </a:t>
+            </a:r>
+            <a:r>
+              <a:rPr lang="en-US" sz="3200" dirty="0" smtClean="0">
+                <a:solidFill>
+                  <a:srgbClr val="0099FF"/>
+                </a:solidFill>
+              </a:rPr>
+              <a:t>INTERNAL</a:t>
+            </a:r>
+            <a:r>
+              <a:rPr lang="en-US" sz="3200" dirty="0" smtClean="0"/>
+              <a:t> cluster </a:t>
+            </a:r>
+            <a:r>
+              <a:rPr lang="en-US" sz="3200" dirty="0"/>
+              <a:t>evaluation metrics used</a:t>
+            </a:r>
+          </a:p>
+          <a:p>
+            <a:pPr marL="457200" indent="-457200">
+              <a:buFont typeface="Arial" panose="020B0604020202020204" pitchFamily="34" charset="0"/>
+              <a:buChar char="•"/>
+            </a:pPr>
+            <a:r>
+              <a:rPr lang="en-US" sz="3200" dirty="0">
+                <a:solidFill>
+                  <a:srgbClr val="FF0000"/>
+                </a:solidFill>
+              </a:rPr>
+              <a:t>Silhouette Score</a:t>
+            </a:r>
+            <a:r>
+              <a:rPr lang="en-US" sz="3200" dirty="0"/>
+              <a:t> = (b - a) / max(a, b</a:t>
+            </a:r>
+            <a:r>
+              <a:rPr lang="en-US" sz="3200" dirty="0" smtClean="0"/>
+              <a:t>) where, a</a:t>
+            </a:r>
+            <a:r>
+              <a:rPr lang="en-US" sz="3200" dirty="0"/>
+              <a:t>: Mean intra-cluster </a:t>
+            </a:r>
+            <a:r>
+              <a:rPr lang="en-US" sz="3200" dirty="0" smtClean="0"/>
+              <a:t>distance and b</a:t>
+            </a:r>
+            <a:r>
+              <a:rPr lang="en-US" sz="3200" dirty="0"/>
+              <a:t>: mean nearest-cluster distance between sample and nearest cluster that </a:t>
+            </a:r>
+            <a:r>
+              <a:rPr lang="en-US" sz="3200" dirty="0" smtClean="0"/>
+              <a:t>sample does not belong to</a:t>
+            </a:r>
+            <a:endParaRPr lang="en-US" sz="3200" dirty="0"/>
+          </a:p>
+        </p:txBody>
+      </p:sp>
+      <p:sp>
+        <p:nvSpPr>
+          <p:cNvPr id="64" name="TextBox 63"/>
+          <p:cNvSpPr txBox="1"/>
+          <p:nvPr/>
+        </p:nvSpPr>
+        <p:spPr>
+          <a:xfrm>
+            <a:off x="32490096" y="10738711"/>
+            <a:ext cx="10947080" cy="2062103"/>
+          </a:xfrm>
+          <a:prstGeom prst="rect">
+            <a:avLst/>
+          </a:prstGeom>
+          <a:noFill/>
+        </p:spPr>
+        <p:txBody>
+          <a:bodyPr wrap="square" rtlCol="0">
+            <a:spAutoFit/>
+          </a:bodyPr>
+          <a:lstStyle/>
+          <a:p>
+            <a:pPr marL="457200" indent="-457200">
+              <a:buFont typeface="Arial" panose="020B0604020202020204" pitchFamily="34" charset="0"/>
+              <a:buChar char="•"/>
+            </a:pPr>
+            <a:r>
+              <a:rPr lang="en-US" sz="3200" dirty="0" smtClean="0">
+                <a:solidFill>
+                  <a:srgbClr val="00B0F0"/>
+                </a:solidFill>
+              </a:rPr>
+              <a:t>Homogeneity</a:t>
+            </a:r>
+            <a:r>
+              <a:rPr lang="en-US" sz="3200" dirty="0" smtClean="0"/>
+              <a:t>: </a:t>
+            </a:r>
+            <a:r>
+              <a:rPr lang="en-US" sz="3200" dirty="0"/>
+              <a:t>clusters contain </a:t>
+            </a:r>
+            <a:r>
+              <a:rPr lang="en-US" sz="3200" dirty="0" smtClean="0"/>
+              <a:t>points </a:t>
+            </a:r>
+            <a:r>
+              <a:rPr lang="en-US" sz="3200" dirty="0"/>
+              <a:t>which are members of a single </a:t>
+            </a:r>
+            <a:r>
+              <a:rPr lang="en-US" sz="3200" dirty="0" smtClean="0"/>
+              <a:t>class</a:t>
+            </a:r>
+          </a:p>
+          <a:p>
+            <a:pPr marL="457200" indent="-457200">
+              <a:buFont typeface="Arial" panose="020B0604020202020204" pitchFamily="34" charset="0"/>
+              <a:buChar char="•"/>
+            </a:pPr>
+            <a:r>
+              <a:rPr lang="en-US" sz="3200" dirty="0" smtClean="0">
+                <a:solidFill>
+                  <a:srgbClr val="00B0F0"/>
+                </a:solidFill>
+              </a:rPr>
+              <a:t>Completeness</a:t>
+            </a:r>
+            <a:r>
+              <a:rPr lang="en-US" sz="3200" dirty="0" smtClean="0"/>
+              <a:t>: points of a </a:t>
+            </a:r>
+            <a:r>
+              <a:rPr lang="en-US" sz="3200" dirty="0"/>
+              <a:t>given class are elements of the same cluster.</a:t>
+            </a:r>
+          </a:p>
+        </p:txBody>
+      </p:sp>
       <p:pic>
         <p:nvPicPr>
-          <p:cNvPr id="18" name="Picture 17"/>
+          <p:cNvPr id="25" name="Picture 24" descr="Screen Clipping"/>
           <p:cNvPicPr>
             <a:picLocks noChangeAspect="1"/>
           </p:cNvPicPr>
           <p:nvPr/>
         </p:nvPicPr>
         <p:blipFill>
-          <a:blip r:embed="rId21" cstate="print">
+          <a:blip r:embed="rId21">
             <a:extLst>
               <a:ext uri="{28A0092B-C50C-407E-A947-70E740481C1C}">
                 <a14:useLocalDpi xmlns:a14="http://schemas.microsoft.com/office/drawing/2010/main" val="0"/>
@@ -5340,8 +5545,8 @@
         </p:blipFill>
         <p:spPr>
           <a:xfrm>
-            <a:off x="32501667" y="5406433"/>
-            <a:ext cx="10935509" cy="5288925"/>
+            <a:off x="35235006" y="12781595"/>
+            <a:ext cx="8202170" cy="4879373"/>
           </a:xfrm>
           <a:prstGeom prst="rect">
             <a:avLst/>
@@ -5350,14 +5555,14 @@
       </p:pic>
       <p:pic>
         <p:nvPicPr>
-          <p:cNvPr id="19" name="Picture 18"/>
+          <p:cNvPr id="27" name="Picture 26" descr="Screen Clipping"/>
           <p:cNvPicPr>
             <a:picLocks noChangeAspect="1"/>
           </p:cNvPicPr>
           <p:nvPr/>
         </p:nvPicPr>
         <p:blipFill>
-          <a:blip r:embed="rId22" cstate="print">
+          <a:blip r:embed="rId22">
             <a:extLst>
               <a:ext uri="{28A0092B-C50C-407E-A947-70E740481C1C}">
                 <a14:useLocalDpi xmlns:a14="http://schemas.microsoft.com/office/drawing/2010/main" val="0"/>
@@ -5370,260 +5575,14 @@
         </p:blipFill>
         <p:spPr>
           <a:xfrm>
-            <a:off x="35536030" y="12401655"/>
-            <a:ext cx="7912717" cy="5278486"/>
+            <a:off x="32551634" y="5391077"/>
+            <a:ext cx="10897601" cy="5235859"/>
           </a:xfrm>
           <a:prstGeom prst="rect">
             <a:avLst/>
           </a:prstGeom>
         </p:spPr>
       </p:pic>
-      <p:sp>
-        <p:nvSpPr>
-          <p:cNvPr id="21" name="TextBox 20"/>
-          <p:cNvSpPr txBox="1"/>
-          <p:nvPr/>
-        </p:nvSpPr>
-        <p:spPr>
-          <a:xfrm>
-            <a:off x="22299124" y="13740869"/>
-            <a:ext cx="12964837" cy="4031873"/>
-          </a:xfrm>
-          <a:prstGeom prst="rect">
-            <a:avLst/>
-          </a:prstGeom>
-          <a:noFill/>
-        </p:spPr>
-        <p:txBody>
-          <a:bodyPr wrap="square" rtlCol="0">
-            <a:spAutoFit/>
-          </a:bodyPr>
-          <a:lstStyle/>
-          <a:p>
-            <a:pPr marL="457200" indent="-457200">
-              <a:buFont typeface="Arial" panose="020B0604020202020204" pitchFamily="34" charset="0"/>
-              <a:buChar char="•"/>
-            </a:pPr>
-            <a:r>
-              <a:rPr lang="en-US" sz="3200" dirty="0" smtClean="0"/>
-              <a:t>Few permissions </a:t>
-            </a:r>
-            <a:r>
-              <a:rPr lang="en-US" sz="3200" dirty="0" smtClean="0"/>
-              <a:t>requested by </a:t>
-            </a:r>
-            <a:r>
-              <a:rPr lang="en-US" sz="3200" dirty="0" smtClean="0"/>
-              <a:t> </a:t>
-            </a:r>
-            <a:r>
-              <a:rPr lang="en-US" sz="3200" dirty="0" smtClean="0"/>
-              <a:t>lot of apps</a:t>
-            </a:r>
-          </a:p>
-          <a:p>
-            <a:pPr marL="457200" indent="-457200">
-              <a:buFont typeface="Arial" panose="020B0604020202020204" pitchFamily="34" charset="0"/>
-              <a:buChar char="•"/>
-            </a:pPr>
-            <a:r>
-              <a:rPr lang="en-US" sz="3200" dirty="0" smtClean="0"/>
-              <a:t>A lot of permissions = </a:t>
-            </a:r>
-            <a:r>
-              <a:rPr lang="en-US" sz="3200" dirty="0" smtClean="0"/>
-              <a:t>Lot of feature vectors (with </a:t>
-            </a:r>
-            <a:r>
-              <a:rPr lang="en-US" sz="3200" dirty="0" smtClean="0"/>
-              <a:t>not </a:t>
-            </a:r>
-            <a:r>
-              <a:rPr lang="en-US" sz="3200" dirty="0" smtClean="0"/>
-              <a:t>equally </a:t>
-            </a:r>
-            <a:r>
-              <a:rPr lang="en-US" sz="3200" dirty="0" smtClean="0"/>
-              <a:t>relevant information</a:t>
-            </a:r>
-            <a:r>
-              <a:rPr lang="en-US" sz="3200" dirty="0" smtClean="0"/>
-              <a:t>)</a:t>
-            </a:r>
-          </a:p>
-          <a:p>
-            <a:pPr marL="457200" indent="-457200">
-              <a:buFont typeface="Arial" panose="020B0604020202020204" pitchFamily="34" charset="0"/>
-              <a:buChar char="•"/>
-            </a:pPr>
-            <a:r>
-              <a:rPr lang="en-US" sz="3200" dirty="0" smtClean="0"/>
-              <a:t>Dimensionality reduction algorithms like SVD have been </a:t>
-            </a:r>
-            <a:r>
-              <a:rPr lang="en-US" sz="3200" dirty="0" smtClean="0"/>
-              <a:t>used</a:t>
-            </a:r>
-          </a:p>
-          <a:p>
-            <a:pPr marL="457200" indent="-457200">
-              <a:buFont typeface="Arial" panose="020B0604020202020204" pitchFamily="34" charset="0"/>
-              <a:buChar char="•"/>
-            </a:pPr>
-            <a:r>
-              <a:rPr lang="en-US" sz="3200" dirty="0" smtClean="0">
-                <a:solidFill>
-                  <a:srgbClr val="FF0000"/>
-                </a:solidFill>
-              </a:rPr>
-              <a:t>EXTERNAL</a:t>
-            </a:r>
-            <a:r>
-              <a:rPr lang="en-US" sz="3200" dirty="0" smtClean="0"/>
-              <a:t> and </a:t>
-            </a:r>
-            <a:r>
-              <a:rPr lang="en-US" sz="3200" dirty="0" smtClean="0">
-                <a:solidFill>
-                  <a:srgbClr val="0099FF"/>
-                </a:solidFill>
-              </a:rPr>
-              <a:t>INTERNAL</a:t>
-            </a:r>
-            <a:r>
-              <a:rPr lang="en-US" sz="3200" dirty="0" smtClean="0"/>
-              <a:t> cluster </a:t>
-            </a:r>
-            <a:r>
-              <a:rPr lang="en-US" sz="3200" dirty="0"/>
-              <a:t>evaluation metrics used</a:t>
-            </a:r>
-          </a:p>
-          <a:p>
-            <a:pPr marL="457200" indent="-457200">
-              <a:buFont typeface="Arial" panose="020B0604020202020204" pitchFamily="34" charset="0"/>
-              <a:buChar char="•"/>
-            </a:pPr>
-            <a:r>
-              <a:rPr lang="en-US" sz="3200" dirty="0">
-                <a:solidFill>
-                  <a:srgbClr val="FF0000"/>
-                </a:solidFill>
-              </a:rPr>
-              <a:t>Silhouette Score</a:t>
-            </a:r>
-            <a:r>
-              <a:rPr lang="en-US" sz="3200" dirty="0"/>
-              <a:t> = (b - a) / max(a, b</a:t>
-            </a:r>
-            <a:r>
-              <a:rPr lang="en-US" sz="3200" dirty="0" smtClean="0"/>
-              <a:t>) where, a</a:t>
-            </a:r>
-            <a:r>
-              <a:rPr lang="en-US" sz="3200" dirty="0"/>
-              <a:t>: Mean intra-cluster </a:t>
-            </a:r>
-            <a:r>
-              <a:rPr lang="en-US" sz="3200" dirty="0" smtClean="0"/>
-              <a:t>distance and b</a:t>
-            </a:r>
-            <a:r>
-              <a:rPr lang="en-US" sz="3200" dirty="0"/>
-              <a:t>: mean nearest-cluster distance between sample and nearest cluster that </a:t>
-            </a:r>
-            <a:r>
-              <a:rPr lang="en-US" sz="3200" dirty="0" smtClean="0"/>
-              <a:t>sample does not belong to</a:t>
-            </a:r>
-            <a:endParaRPr lang="en-US" sz="3200" dirty="0"/>
-          </a:p>
-        </p:txBody>
-      </p:sp>
-      <p:sp>
-        <p:nvSpPr>
-          <p:cNvPr id="64" name="TextBox 63"/>
-          <p:cNvSpPr txBox="1"/>
-          <p:nvPr/>
-        </p:nvSpPr>
-        <p:spPr>
-          <a:xfrm>
-            <a:off x="32490096" y="10738711"/>
-            <a:ext cx="10947080" cy="2062103"/>
-          </a:xfrm>
-          <a:prstGeom prst="rect">
-            <a:avLst/>
-          </a:prstGeom>
-          <a:noFill/>
-        </p:spPr>
-        <p:txBody>
-          <a:bodyPr wrap="square" rtlCol="0">
-            <a:spAutoFit/>
-          </a:bodyPr>
-          <a:lstStyle/>
-          <a:p>
-            <a:pPr marL="457200" indent="-457200">
-              <a:buFont typeface="Arial" panose="020B0604020202020204" pitchFamily="34" charset="0"/>
-              <a:buChar char="•"/>
-            </a:pPr>
-            <a:r>
-              <a:rPr lang="en-US" sz="3200" dirty="0" smtClean="0">
-                <a:solidFill>
-                  <a:srgbClr val="00B0F0"/>
-                </a:solidFill>
-              </a:rPr>
-              <a:t>Homogeneity</a:t>
-            </a:r>
-            <a:r>
-              <a:rPr lang="en-US" sz="3200" dirty="0" smtClean="0"/>
-              <a:t>: </a:t>
-            </a:r>
-            <a:r>
-              <a:rPr lang="en-US" sz="3200" dirty="0"/>
-              <a:t>clusters contain </a:t>
-            </a:r>
-            <a:r>
-              <a:rPr lang="en-US" sz="3200" dirty="0" smtClean="0"/>
-              <a:t>points </a:t>
-            </a:r>
-            <a:r>
-              <a:rPr lang="en-US" sz="3200" dirty="0"/>
-              <a:t>which are members of a single </a:t>
-            </a:r>
-            <a:r>
-              <a:rPr lang="en-US" sz="3200" dirty="0" smtClean="0"/>
-              <a:t>class</a:t>
-            </a:r>
-          </a:p>
-          <a:p>
-            <a:pPr marL="457200" indent="-457200">
-              <a:buFont typeface="Arial" panose="020B0604020202020204" pitchFamily="34" charset="0"/>
-              <a:buChar char="•"/>
-            </a:pPr>
-            <a:r>
-              <a:rPr lang="en-US" sz="3200" dirty="0" smtClean="0">
-                <a:solidFill>
-                  <a:srgbClr val="00B0F0"/>
-                </a:solidFill>
-              </a:rPr>
-              <a:t>Completeness</a:t>
-            </a:r>
-            <a:r>
-              <a:rPr lang="en-US" sz="3200" dirty="0" smtClean="0"/>
-              <a:t>: </a:t>
-            </a:r>
-            <a:r>
-              <a:rPr lang="en-US" sz="3200" dirty="0" smtClean="0"/>
-              <a:t>points of a </a:t>
-            </a:r>
-            <a:r>
-              <a:rPr lang="en-US" sz="3200" dirty="0"/>
-              <a:t>given class are elements of the same cluster.</a:t>
-            </a:r>
-            <a:endParaRPr lang="en-US" sz="3200" dirty="0"/>
-          </a:p>
-        </p:txBody>
-      </p:sp>
     </p:spTree>
     <p:extLst>
       <p:ext uri="{BB962C8B-B14F-4D97-AF65-F5344CB8AC3E}">

--- a/documentation/posters/PosterSessionMITRE.pptx
+++ b/documentation/posters/PosterSessionMITRE.pptx
@@ -3284,7 +3284,7 @@
         </p:nvSpPr>
         <p:spPr>
           <a:xfrm>
-            <a:off x="98898" y="3913508"/>
+            <a:off x="0" y="3913508"/>
             <a:ext cx="43891200" cy="1323439"/>
           </a:xfrm>
           <a:prstGeom prst="rect">
@@ -5288,16 +5288,221 @@
           </a:p>
         </p:txBody>
       </p:sp>
+      <p:sp>
+        <p:nvSpPr>
+          <p:cNvPr id="21" name="TextBox 20"/>
+          <p:cNvSpPr txBox="1"/>
+          <p:nvPr/>
+        </p:nvSpPr>
+        <p:spPr>
+          <a:xfrm>
+            <a:off x="22299125" y="13740869"/>
+            <a:ext cx="12181376" cy="4031873"/>
+          </a:xfrm>
+          <a:prstGeom prst="rect">
+            <a:avLst/>
+          </a:prstGeom>
+          <a:noFill/>
+        </p:spPr>
+        <p:txBody>
+          <a:bodyPr wrap="square" rtlCol="0">
+            <a:spAutoFit/>
+          </a:bodyPr>
+          <a:lstStyle/>
+          <a:p>
+            <a:pPr marL="457200" indent="-457200">
+              <a:buFont typeface="Arial" panose="020B0604020202020204" pitchFamily="34" charset="0"/>
+              <a:buChar char="•"/>
+            </a:pPr>
+            <a:r>
+              <a:rPr lang="en-US" sz="3200" dirty="0" smtClean="0"/>
+              <a:t>Few permissions requested by  lot of apps</a:t>
+            </a:r>
+          </a:p>
+          <a:p>
+            <a:pPr marL="457200" indent="-457200">
+              <a:buFont typeface="Arial" panose="020B0604020202020204" pitchFamily="34" charset="0"/>
+              <a:buChar char="•"/>
+            </a:pPr>
+            <a:r>
+              <a:rPr lang="en-US" sz="3200" dirty="0" smtClean="0"/>
+              <a:t>A lot of permissions = Lot of feature vectors (with not equally relevant information)</a:t>
+            </a:r>
+          </a:p>
+          <a:p>
+            <a:pPr marL="457200" indent="-457200">
+              <a:buFont typeface="Arial" panose="020B0604020202020204" pitchFamily="34" charset="0"/>
+              <a:buChar char="•"/>
+            </a:pPr>
+            <a:r>
+              <a:rPr lang="en-US" sz="3200" dirty="0" smtClean="0"/>
+              <a:t>Dimensionality reduction algorithms like SVD have been used</a:t>
+            </a:r>
+          </a:p>
+          <a:p>
+            <a:pPr marL="457200" indent="-457200">
+              <a:buFont typeface="Arial" panose="020B0604020202020204" pitchFamily="34" charset="0"/>
+              <a:buChar char="•"/>
+            </a:pPr>
+            <a:r>
+              <a:rPr lang="en-US" sz="3200" dirty="0" smtClean="0">
+                <a:solidFill>
+                  <a:srgbClr val="FF0000"/>
+                </a:solidFill>
+              </a:rPr>
+              <a:t>EXTERNAL</a:t>
+            </a:r>
+            <a:r>
+              <a:rPr lang="en-US" sz="3200" dirty="0" smtClean="0"/>
+              <a:t> and </a:t>
+            </a:r>
+            <a:r>
+              <a:rPr lang="en-US" sz="3200" dirty="0" smtClean="0">
+                <a:solidFill>
+                  <a:srgbClr val="0099FF"/>
+                </a:solidFill>
+              </a:rPr>
+              <a:t>INTERNAL</a:t>
+            </a:r>
+            <a:r>
+              <a:rPr lang="en-US" sz="3200" dirty="0" smtClean="0"/>
+              <a:t> cluster </a:t>
+            </a:r>
+            <a:r>
+              <a:rPr lang="en-US" sz="3200" dirty="0"/>
+              <a:t>evaluation metrics used</a:t>
+            </a:r>
+          </a:p>
+          <a:p>
+            <a:pPr marL="457200" indent="-457200">
+              <a:buFont typeface="Arial" panose="020B0604020202020204" pitchFamily="34" charset="0"/>
+              <a:buChar char="•"/>
+            </a:pPr>
+            <a:r>
+              <a:rPr lang="en-US" sz="3200" dirty="0">
+                <a:solidFill>
+                  <a:srgbClr val="FF0000"/>
+                </a:solidFill>
+              </a:rPr>
+              <a:t>Silhouette Score</a:t>
+            </a:r>
+            <a:r>
+              <a:rPr lang="en-US" sz="3200" dirty="0"/>
+              <a:t> = (b - a) / max(a, b</a:t>
+            </a:r>
+            <a:r>
+              <a:rPr lang="en-US" sz="3200" dirty="0" smtClean="0"/>
+              <a:t>) where, a</a:t>
+            </a:r>
+            <a:r>
+              <a:rPr lang="en-US" sz="3200" dirty="0"/>
+              <a:t>: Mean intra-cluster </a:t>
+            </a:r>
+            <a:r>
+              <a:rPr lang="en-US" sz="3200" dirty="0" smtClean="0"/>
+              <a:t>distance and b</a:t>
+            </a:r>
+            <a:r>
+              <a:rPr lang="en-US" sz="3200" dirty="0"/>
+              <a:t>: mean nearest-cluster distance between sample and nearest cluster that </a:t>
+            </a:r>
+            <a:r>
+              <a:rPr lang="en-US" sz="3200" dirty="0" smtClean="0"/>
+              <a:t>sample does not belong to</a:t>
+            </a:r>
+            <a:endParaRPr lang="en-US" sz="3200" dirty="0"/>
+          </a:p>
+        </p:txBody>
+      </p:sp>
+      <p:sp>
+        <p:nvSpPr>
+          <p:cNvPr id="64" name="TextBox 63"/>
+          <p:cNvSpPr txBox="1"/>
+          <p:nvPr/>
+        </p:nvSpPr>
+        <p:spPr>
+          <a:xfrm>
+            <a:off x="34480500" y="10738711"/>
+            <a:ext cx="8956676" cy="2062103"/>
+          </a:xfrm>
+          <a:prstGeom prst="rect">
+            <a:avLst/>
+          </a:prstGeom>
+          <a:noFill/>
+        </p:spPr>
+        <p:txBody>
+          <a:bodyPr wrap="square" rtlCol="0">
+            <a:spAutoFit/>
+          </a:bodyPr>
+          <a:lstStyle/>
+          <a:p>
+            <a:pPr marL="457200" indent="-457200">
+              <a:buFont typeface="Arial" panose="020B0604020202020204" pitchFamily="34" charset="0"/>
+              <a:buChar char="•"/>
+            </a:pPr>
+            <a:r>
+              <a:rPr lang="en-US" sz="3200" dirty="0" smtClean="0">
+                <a:solidFill>
+                  <a:srgbClr val="00B0F0"/>
+                </a:solidFill>
+              </a:rPr>
+              <a:t>Homogeneity</a:t>
+            </a:r>
+            <a:r>
+              <a:rPr lang="en-US" sz="3200" dirty="0" smtClean="0"/>
+              <a:t>: </a:t>
+            </a:r>
+            <a:r>
+              <a:rPr lang="en-US" sz="3200" dirty="0"/>
+              <a:t>clusters contain </a:t>
+            </a:r>
+            <a:r>
+              <a:rPr lang="en-US" sz="3200" dirty="0" smtClean="0"/>
+              <a:t>points </a:t>
+            </a:r>
+            <a:r>
+              <a:rPr lang="en-US" sz="3200" dirty="0"/>
+              <a:t>which are members of a single </a:t>
+            </a:r>
+            <a:r>
+              <a:rPr lang="en-US" sz="3200" dirty="0" smtClean="0"/>
+              <a:t>class</a:t>
+            </a:r>
+          </a:p>
+          <a:p>
+            <a:pPr marL="457200" indent="-457200">
+              <a:buFont typeface="Arial" panose="020B0604020202020204" pitchFamily="34" charset="0"/>
+              <a:buChar char="•"/>
+            </a:pPr>
+            <a:r>
+              <a:rPr lang="en-US" sz="3200" dirty="0" smtClean="0">
+                <a:solidFill>
+                  <a:srgbClr val="00B0F0"/>
+                </a:solidFill>
+              </a:rPr>
+              <a:t>Completeness</a:t>
+            </a:r>
+            <a:r>
+              <a:rPr lang="en-US" sz="3200" dirty="0" smtClean="0"/>
+              <a:t>: points of a </a:t>
+            </a:r>
+            <a:r>
+              <a:rPr lang="en-US" sz="3200" dirty="0"/>
+              <a:t>given class are elements of the same cluster.</a:t>
+            </a:r>
+          </a:p>
+        </p:txBody>
+      </p:sp>
       <p:pic>
         <p:nvPicPr>
-          <p:cNvPr id="17" name="Picture 16"/>
+          <p:cNvPr id="25" name="Picture 24" descr="Screen Clipping"/>
           <p:cNvPicPr>
             <a:picLocks noChangeAspect="1"/>
           </p:cNvPicPr>
           <p:nvPr/>
         </p:nvPicPr>
         <p:blipFill>
-          <a:blip r:embed="rId20" cstate="print">
+          <a:blip r:embed="rId20">
             <a:extLst>
               <a:ext uri="{28A0092B-C50C-407E-A947-70E740481C1C}">
                 <a14:useLocalDpi xmlns:a14="http://schemas.microsoft.com/office/drawing/2010/main" val="0"/>
@@ -5310,222 +5515,17 @@
         </p:blipFill>
         <p:spPr>
           <a:xfrm>
-            <a:off x="22351228" y="5393080"/>
-            <a:ext cx="10150439" cy="8147716"/>
+            <a:off x="34480500" y="12781595"/>
+            <a:ext cx="8956676" cy="4879373"/>
           </a:xfrm>
           <a:prstGeom prst="rect">
             <a:avLst/>
           </a:prstGeom>
         </p:spPr>
       </p:pic>
-      <p:sp>
-        <p:nvSpPr>
-          <p:cNvPr id="21" name="TextBox 20"/>
-          <p:cNvSpPr txBox="1"/>
-          <p:nvPr/>
-        </p:nvSpPr>
-        <p:spPr>
-          <a:xfrm>
-            <a:off x="22299124" y="13740869"/>
-            <a:ext cx="12964837" cy="4031873"/>
-          </a:xfrm>
-          <a:prstGeom prst="rect">
-            <a:avLst/>
-          </a:prstGeom>
-          <a:noFill/>
-        </p:spPr>
-        <p:txBody>
-          <a:bodyPr wrap="square" rtlCol="0">
-            <a:spAutoFit/>
-          </a:bodyPr>
-          <a:lstStyle/>
-          <a:p>
-            <a:pPr marL="457200" indent="-457200">
-              <a:buFont typeface="Arial" panose="020B0604020202020204" pitchFamily="34" charset="0"/>
-              <a:buChar char="•"/>
-            </a:pPr>
-            <a:r>
-              <a:rPr lang="en-US" sz="3200" dirty="0" smtClean="0"/>
-              <a:t>Few permissions requested by  lot of apps</a:t>
-            </a:r>
-          </a:p>
-          <a:p>
-            <a:pPr marL="457200" indent="-457200">
-              <a:buFont typeface="Arial" panose="020B0604020202020204" pitchFamily="34" charset="0"/>
-              <a:buChar char="•"/>
-            </a:pPr>
-            <a:r>
-              <a:rPr lang="en-US" sz="3200" dirty="0" smtClean="0"/>
-              <a:t>A lot of permissions = Lot of feature vectors (with not equally relevant information)</a:t>
-            </a:r>
-          </a:p>
-          <a:p>
-            <a:pPr marL="457200" indent="-457200">
-              <a:buFont typeface="Arial" panose="020B0604020202020204" pitchFamily="34" charset="0"/>
-              <a:buChar char="•"/>
-            </a:pPr>
-            <a:r>
-              <a:rPr lang="en-US" sz="3200" dirty="0" smtClean="0"/>
-              <a:t>Dimensionality reduction algorithms like SVD have been used</a:t>
-            </a:r>
-          </a:p>
-          <a:p>
-            <a:pPr marL="457200" indent="-457200">
-              <a:buFont typeface="Arial" panose="020B0604020202020204" pitchFamily="34" charset="0"/>
-              <a:buChar char="•"/>
-            </a:pPr>
-            <a:r>
-              <a:rPr lang="en-US" sz="3200" dirty="0" smtClean="0">
-                <a:solidFill>
-                  <a:srgbClr val="FF0000"/>
-                </a:solidFill>
-              </a:rPr>
-              <a:t>EXTERNAL</a:t>
-            </a:r>
-            <a:r>
-              <a:rPr lang="en-US" sz="3200" dirty="0" smtClean="0"/>
-              <a:t> and </a:t>
-            </a:r>
-            <a:r>
-              <a:rPr lang="en-US" sz="3200" dirty="0" smtClean="0">
-                <a:solidFill>
-                  <a:srgbClr val="0099FF"/>
-                </a:solidFill>
-              </a:rPr>
-              <a:t>INTERNAL</a:t>
-            </a:r>
-            <a:r>
-              <a:rPr lang="en-US" sz="3200" dirty="0" smtClean="0"/>
-              <a:t> cluster </a:t>
-            </a:r>
-            <a:r>
-              <a:rPr lang="en-US" sz="3200" dirty="0"/>
-              <a:t>evaluation metrics used</a:t>
-            </a:r>
-          </a:p>
-          <a:p>
-            <a:pPr marL="457200" indent="-457200">
-              <a:buFont typeface="Arial" panose="020B0604020202020204" pitchFamily="34" charset="0"/>
-              <a:buChar char="•"/>
-            </a:pPr>
-            <a:r>
-              <a:rPr lang="en-US" sz="3200" dirty="0">
-                <a:solidFill>
-                  <a:srgbClr val="FF0000"/>
-                </a:solidFill>
-              </a:rPr>
-              <a:t>Silhouette Score</a:t>
-            </a:r>
-            <a:r>
-              <a:rPr lang="en-US" sz="3200" dirty="0"/>
-              <a:t> = (b - a) / max(a, b</a:t>
-            </a:r>
-            <a:r>
-              <a:rPr lang="en-US" sz="3200" dirty="0" smtClean="0"/>
-              <a:t>) where, a</a:t>
-            </a:r>
-            <a:r>
-              <a:rPr lang="en-US" sz="3200" dirty="0"/>
-              <a:t>: Mean intra-cluster </a:t>
-            </a:r>
-            <a:r>
-              <a:rPr lang="en-US" sz="3200" dirty="0" smtClean="0"/>
-              <a:t>distance and b</a:t>
-            </a:r>
-            <a:r>
-              <a:rPr lang="en-US" sz="3200" dirty="0"/>
-              <a:t>: mean nearest-cluster distance between sample and nearest cluster that </a:t>
-            </a:r>
-            <a:r>
-              <a:rPr lang="en-US" sz="3200" dirty="0" smtClean="0"/>
-              <a:t>sample does not belong to</a:t>
-            </a:r>
-            <a:endParaRPr lang="en-US" sz="3200" dirty="0"/>
-          </a:p>
-        </p:txBody>
-      </p:sp>
-      <p:sp>
-        <p:nvSpPr>
-          <p:cNvPr id="64" name="TextBox 63"/>
-          <p:cNvSpPr txBox="1"/>
-          <p:nvPr/>
-        </p:nvSpPr>
-        <p:spPr>
-          <a:xfrm>
-            <a:off x="32490096" y="10738711"/>
-            <a:ext cx="10947080" cy="2062103"/>
-          </a:xfrm>
-          <a:prstGeom prst="rect">
-            <a:avLst/>
-          </a:prstGeom>
-          <a:noFill/>
-        </p:spPr>
-        <p:txBody>
-          <a:bodyPr wrap="square" rtlCol="0">
-            <a:spAutoFit/>
-          </a:bodyPr>
-          <a:lstStyle/>
-          <a:p>
-            <a:pPr marL="457200" indent="-457200">
-              <a:buFont typeface="Arial" panose="020B0604020202020204" pitchFamily="34" charset="0"/>
-              <a:buChar char="•"/>
-            </a:pPr>
-            <a:r>
-              <a:rPr lang="en-US" sz="3200" dirty="0" smtClean="0">
-                <a:solidFill>
-                  <a:srgbClr val="00B0F0"/>
-                </a:solidFill>
-              </a:rPr>
-              <a:t>Homogeneity</a:t>
-            </a:r>
-            <a:r>
-              <a:rPr lang="en-US" sz="3200" dirty="0" smtClean="0"/>
-              <a:t>: </a:t>
-            </a:r>
-            <a:r>
-              <a:rPr lang="en-US" sz="3200" dirty="0"/>
-              <a:t>clusters contain </a:t>
-            </a:r>
-            <a:r>
-              <a:rPr lang="en-US" sz="3200" dirty="0" smtClean="0"/>
-              <a:t>points </a:t>
-            </a:r>
-            <a:r>
-              <a:rPr lang="en-US" sz="3200" dirty="0"/>
-              <a:t>which are members of a single </a:t>
-            </a:r>
-            <a:r>
-              <a:rPr lang="en-US" sz="3200" dirty="0" smtClean="0"/>
-              <a:t>class</a:t>
-            </a:r>
-          </a:p>
-          <a:p>
-            <a:pPr marL="457200" indent="-457200">
-              <a:buFont typeface="Arial" panose="020B0604020202020204" pitchFamily="34" charset="0"/>
-              <a:buChar char="•"/>
-            </a:pPr>
-            <a:r>
-              <a:rPr lang="en-US" sz="3200" dirty="0" smtClean="0">
-                <a:solidFill>
-                  <a:srgbClr val="00B0F0"/>
-                </a:solidFill>
-              </a:rPr>
-              <a:t>Completeness</a:t>
-            </a:r>
-            <a:r>
-              <a:rPr lang="en-US" sz="3200" dirty="0" smtClean="0"/>
-              <a:t>: points of a </a:t>
-            </a:r>
-            <a:r>
-              <a:rPr lang="en-US" sz="3200" dirty="0"/>
-              <a:t>given class are elements of the same cluster.</a:t>
-            </a:r>
-          </a:p>
-        </p:txBody>
-      </p:sp>
       <p:pic>
         <p:nvPicPr>
-          <p:cNvPr id="25" name="Picture 24" descr="Screen Clipping"/>
+          <p:cNvPr id="27" name="Picture 26" descr="Screen Clipping"/>
           <p:cNvPicPr>
             <a:picLocks noChangeAspect="1"/>
           </p:cNvPicPr>
@@ -5545,8 +5545,8 @@
         </p:blipFill>
         <p:spPr>
           <a:xfrm>
-            <a:off x="35235006" y="12781595"/>
-            <a:ext cx="8202170" cy="4879373"/>
+            <a:off x="34480500" y="5391077"/>
+            <a:ext cx="8968735" cy="5235859"/>
           </a:xfrm>
           <a:prstGeom prst="rect">
             <a:avLst/>
@@ -5555,7 +5555,7 @@
       </p:pic>
       <p:pic>
         <p:nvPicPr>
-          <p:cNvPr id="27" name="Picture 26" descr="Screen Clipping"/>
+          <p:cNvPr id="18" name="Picture 17" descr="Screen Clipping"/>
           <p:cNvPicPr>
             <a:picLocks noChangeAspect="1"/>
           </p:cNvPicPr>
@@ -5575,8 +5575,8 @@
         </p:blipFill>
         <p:spPr>
           <a:xfrm>
-            <a:off x="32551634" y="5391077"/>
-            <a:ext cx="10897601" cy="5235859"/>
+            <a:off x="22412466" y="5388633"/>
+            <a:ext cx="12068033" cy="8460530"/>
           </a:xfrm>
           <a:prstGeom prst="rect">
             <a:avLst/>
